--- a/doc/SCALLOP_INF1-121118.pptx
+++ b/doc/SCALLOP_INF1-121118.pptx
@@ -113,6 +113,11 @@
       </a:defRPr>
     </a:lvl9pPr>
   </p:defaultTextStyle>
+  <p:extLst>
+    <p:ext uri="{EFAFB233-063F-42B5-8137-9DF3F51BA10A}">
+      <p15:sldGuideLst xmlns:p15="http://schemas.microsoft.com/office/powerpoint/2012/main"/>
+    </p:ext>
+  </p:extLst>
 </p:presentation>
 </file>
 
@@ -3647,6 +3652,28 @@
             </a:r>
           </a:p>
           <a:p>
+            <a:r>
+              <a:rPr lang="en-GB" dirty="0"/>
+              <a:t>Shown for </a:t>
+            </a:r>
+            <a:r>
+              <a:rPr lang="en-GB" i="1" dirty="0"/>
+              <a:t>TNFRSF11B</a:t>
+            </a:r>
+            <a:r>
+              <a:rPr lang="en-GB" dirty="0"/>
+              <a:t>, chr8:119935796-119964439 (OPG) and </a:t>
+            </a:r>
+            <a:r>
+              <a:rPr lang="en-GB" i="1" dirty="0"/>
+              <a:t>TNFSF14</a:t>
+            </a:r>
+            <a:r>
+              <a:rPr lang="en-GB" dirty="0"/>
+              <a:t>, chr19:6663148-6670599 (TNFSF14).</a:t>
+            </a:r>
+          </a:p>
+          <a:p>
             <a:endParaRPr lang="en-GB" dirty="0"/>
           </a:p>
         </p:txBody>
@@ -4182,10 +4209,10 @@
       </p:sp>
       <p:pic>
         <p:nvPicPr>
-          <p:cNvPr id="5" name="Content Placeholder 4">
+          <p:cNvPr id="7" name="Content Placeholder 6">
             <a:extLst>
               <a:ext uri="{FF2B5EF4-FFF2-40B4-BE49-F238E27FC236}">
-                <a16:creationId xmlns:a16="http://schemas.microsoft.com/office/drawing/2014/main" id="{D0FFC15B-0D72-4997-8E22-57F16F70C6C0}"/>
+                <a16:creationId xmlns:a16="http://schemas.microsoft.com/office/drawing/2014/main" id="{77556406-2DE3-43A8-B153-C5A4E0F5E6D3}"/>
               </a:ext>
             </a:extLst>
           </p:cNvPr>

--- a/doc/SCALLOP_INF1-121118.pptx
+++ b/doc/SCALLOP_INF1-121118.pptx
@@ -272,7 +272,7 @@
           <a:p>
             <a:fld id="{E1BC1721-5CED-45EF-BE6E-B0E4EE9D0A2D}" type="datetimeFigureOut">
               <a:rPr lang="en-GB" smtClean="0"/>
-              <a:t>11/11/2018</a:t>
+              <a:t>12/11/2018</a:t>
             </a:fld>
             <a:endParaRPr lang="en-GB"/>
           </a:p>
@@ -472,7 +472,7 @@
           <a:p>
             <a:fld id="{E1BC1721-5CED-45EF-BE6E-B0E4EE9D0A2D}" type="datetimeFigureOut">
               <a:rPr lang="en-GB" smtClean="0"/>
-              <a:t>11/11/2018</a:t>
+              <a:t>12/11/2018</a:t>
             </a:fld>
             <a:endParaRPr lang="en-GB"/>
           </a:p>
@@ -682,7 +682,7 @@
           <a:p>
             <a:fld id="{E1BC1721-5CED-45EF-BE6E-B0E4EE9D0A2D}" type="datetimeFigureOut">
               <a:rPr lang="en-GB" smtClean="0"/>
-              <a:t>11/11/2018</a:t>
+              <a:t>12/11/2018</a:t>
             </a:fld>
             <a:endParaRPr lang="en-GB"/>
           </a:p>
@@ -882,7 +882,7 @@
           <a:p>
             <a:fld id="{E1BC1721-5CED-45EF-BE6E-B0E4EE9D0A2D}" type="datetimeFigureOut">
               <a:rPr lang="en-GB" smtClean="0"/>
-              <a:t>11/11/2018</a:t>
+              <a:t>12/11/2018</a:t>
             </a:fld>
             <a:endParaRPr lang="en-GB"/>
           </a:p>
@@ -1158,7 +1158,7 @@
           <a:p>
             <a:fld id="{E1BC1721-5CED-45EF-BE6E-B0E4EE9D0A2D}" type="datetimeFigureOut">
               <a:rPr lang="en-GB" smtClean="0"/>
-              <a:t>11/11/2018</a:t>
+              <a:t>12/11/2018</a:t>
             </a:fld>
             <a:endParaRPr lang="en-GB"/>
           </a:p>
@@ -1426,7 +1426,7 @@
           <a:p>
             <a:fld id="{E1BC1721-5CED-45EF-BE6E-B0E4EE9D0A2D}" type="datetimeFigureOut">
               <a:rPr lang="en-GB" smtClean="0"/>
-              <a:t>11/11/2018</a:t>
+              <a:t>12/11/2018</a:t>
             </a:fld>
             <a:endParaRPr lang="en-GB"/>
           </a:p>
@@ -1841,7 +1841,7 @@
           <a:p>
             <a:fld id="{E1BC1721-5CED-45EF-BE6E-B0E4EE9D0A2D}" type="datetimeFigureOut">
               <a:rPr lang="en-GB" smtClean="0"/>
-              <a:t>11/11/2018</a:t>
+              <a:t>12/11/2018</a:t>
             </a:fld>
             <a:endParaRPr lang="en-GB"/>
           </a:p>
@@ -1983,7 +1983,7 @@
           <a:p>
             <a:fld id="{E1BC1721-5CED-45EF-BE6E-B0E4EE9D0A2D}" type="datetimeFigureOut">
               <a:rPr lang="en-GB" smtClean="0"/>
-              <a:t>11/11/2018</a:t>
+              <a:t>12/11/2018</a:t>
             </a:fld>
             <a:endParaRPr lang="en-GB"/>
           </a:p>
@@ -2096,7 +2096,7 @@
           <a:p>
             <a:fld id="{E1BC1721-5CED-45EF-BE6E-B0E4EE9D0A2D}" type="datetimeFigureOut">
               <a:rPr lang="en-GB" smtClean="0"/>
-              <a:t>11/11/2018</a:t>
+              <a:t>12/11/2018</a:t>
             </a:fld>
             <a:endParaRPr lang="en-GB"/>
           </a:p>
@@ -2409,7 +2409,7 @@
           <a:p>
             <a:fld id="{E1BC1721-5CED-45EF-BE6E-B0E4EE9D0A2D}" type="datetimeFigureOut">
               <a:rPr lang="en-GB" smtClean="0"/>
-              <a:t>11/11/2018</a:t>
+              <a:t>12/11/2018</a:t>
             </a:fld>
             <a:endParaRPr lang="en-GB"/>
           </a:p>
@@ -2698,7 +2698,7 @@
           <a:p>
             <a:fld id="{E1BC1721-5CED-45EF-BE6E-B0E4EE9D0A2D}" type="datetimeFigureOut">
               <a:rPr lang="en-GB" smtClean="0"/>
-              <a:t>11/11/2018</a:t>
+              <a:t>12/11/2018</a:t>
             </a:fld>
             <a:endParaRPr lang="en-GB"/>
           </a:p>
@@ -2941,7 +2941,7 @@
           <a:p>
             <a:fld id="{E1BC1721-5CED-45EF-BE6E-B0E4EE9D0A2D}" type="datetimeFigureOut">
               <a:rPr lang="en-GB" smtClean="0"/>
-              <a:t>11/11/2018</a:t>
+              <a:t>12/11/2018</a:t>
             </a:fld>
             <a:endParaRPr lang="en-GB"/>
           </a:p>
@@ -9236,8 +9236,13 @@
           <a:p>
             <a:r>
               <a:rPr lang="en-GB" dirty="0"/>
-              <a:t>Additional information, esp. results from PLINK as noted in SCALLOP_INF_I_analysis_plan.md at the GitHub.</a:t>
+              <a:t>Additional information, esp. results from PLINK as noted in SCALLOP_INF_I_analysis_plan.md at the GitHub. This should help to use full information from the cohort </a:t>
             </a:r>
+            <a:r>
+              <a:rPr lang="en-GB"/>
+              <a:t>summary statistics.</a:t>
+            </a:r>
+            <a:endParaRPr lang="en-GB" dirty="0"/>
           </a:p>
           <a:p>
             <a:r>

--- a/doc/SCALLOP_INF1-121118.pptx
+++ b/doc/SCALLOP_INF1-121118.pptx
@@ -9476,7 +9476,7 @@
           </p:nvPr>
         </p:nvPicPr>
         <p:blipFill>
-          <a:blip r:embed="rId2">
+          <a:blip r:embed="rId2" cstate="hqprint">
             <a:extLst>
               <a:ext uri="{28A0092B-C50C-407E-A947-70E740481C1C}">
                 <a14:useLocalDpi xmlns:a14="http://schemas.microsoft.com/office/drawing/2010/main" val="0"/>
@@ -9570,7 +9570,7 @@
           </p:nvPr>
         </p:nvPicPr>
         <p:blipFill>
-          <a:blip r:embed="rId2">
+          <a:blip r:embed="rId2" cstate="hqprint">
             <a:extLst>
               <a:ext uri="{28A0092B-C50C-407E-A947-70E740481C1C}">
                 <a14:useLocalDpi xmlns:a14="http://schemas.microsoft.com/office/drawing/2010/main" val="0"/>
@@ -9649,13 +9649,7 @@
       </p:sp>
       <p:pic>
         <p:nvPicPr>
-          <p:cNvPr id="5" name="Content Placeholder 4">
-            <a:extLst>
-              <a:ext uri="{FF2B5EF4-FFF2-40B4-BE49-F238E27FC236}">
-                <a16:creationId xmlns:a16="http://schemas.microsoft.com/office/drawing/2014/main" id="{3BF4BD26-B9D3-4E8A-A1B3-A957D2DB9BE2}"/>
-              </a:ext>
-            </a:extLst>
-          </p:cNvPr>
+          <p:cNvPr id="4" name="Content Placeholder 3"/>
           <p:cNvPicPr>
             <a:picLocks noGrp="1" noChangeAspect="1"/>
           </p:cNvPicPr>
@@ -9664,7 +9658,7 @@
           </p:nvPr>
         </p:nvPicPr>
         <p:blipFill>
-          <a:blip r:embed="rId2">
+          <a:blip r:embed="rId2" cstate="hqprint">
             <a:extLst>
               <a:ext uri="{28A0092B-C50C-407E-A947-70E740481C1C}">
                 <a14:useLocalDpi xmlns:a14="http://schemas.microsoft.com/office/drawing/2010/main" val="0"/>
@@ -9758,7 +9752,7 @@
           </p:nvPr>
         </p:nvPicPr>
         <p:blipFill>
-          <a:blip r:embed="rId2">
+          <a:blip r:embed="rId2" cstate="hqprint">
             <a:extLst>
               <a:ext uri="{28A0092B-C50C-407E-A947-70E740481C1C}">
                 <a14:useLocalDpi xmlns:a14="http://schemas.microsoft.com/office/drawing/2010/main" val="0"/>
@@ -9852,7 +9846,7 @@
           </p:nvPr>
         </p:nvPicPr>
         <p:blipFill>
-          <a:blip r:embed="rId2">
+          <a:blip r:embed="rId2" cstate="hqprint">
             <a:extLst>
               <a:ext uri="{28A0092B-C50C-407E-A947-70E740481C1C}">
                 <a14:useLocalDpi xmlns:a14="http://schemas.microsoft.com/office/drawing/2010/main" val="0"/>
@@ -9931,13 +9925,7 @@
       </p:sp>
       <p:pic>
         <p:nvPicPr>
-          <p:cNvPr id="7" name="Content Placeholder 6">
-            <a:extLst>
-              <a:ext uri="{FF2B5EF4-FFF2-40B4-BE49-F238E27FC236}">
-                <a16:creationId xmlns:a16="http://schemas.microsoft.com/office/drawing/2014/main" id="{77556406-2DE3-43A8-B153-C5A4E0F5E6D3}"/>
-              </a:ext>
-            </a:extLst>
-          </p:cNvPr>
+          <p:cNvPr id="4" name="Content Placeholder 3"/>
           <p:cNvPicPr>
             <a:picLocks noGrp="1" noChangeAspect="1"/>
           </p:cNvPicPr>
@@ -9946,7 +9934,7 @@
           </p:nvPr>
         </p:nvPicPr>
         <p:blipFill>
-          <a:blip r:embed="rId2">
+          <a:blip r:embed="rId2" cstate="hqprint">
             <a:extLst>
               <a:ext uri="{28A0092B-C50C-407E-A947-70E740481C1C}">
                 <a14:useLocalDpi xmlns:a14="http://schemas.microsoft.com/office/drawing/2010/main" val="0"/>

--- a/doc/SCALLOP_INF1-121118.pptx
+++ b/doc/SCALLOP_INF1-121118.pptx
@@ -9649,7 +9649,7 @@
       </p:sp>
       <p:pic>
         <p:nvPicPr>
-          <p:cNvPr id="4" name="Content Placeholder 3"/>
+          <p:cNvPr id="5" name="Content Placeholder 4"/>
           <p:cNvPicPr>
             <a:picLocks noGrp="1" noChangeAspect="1"/>
           </p:cNvPicPr>
@@ -9925,7 +9925,7 @@
       </p:sp>
       <p:pic>
         <p:nvPicPr>
-          <p:cNvPr id="4" name="Content Placeholder 3"/>
+          <p:cNvPr id="5" name="Content Placeholder 4"/>
           <p:cNvPicPr>
             <a:picLocks noGrp="1" noChangeAspect="1"/>
           </p:cNvPicPr>
@@ -9934,7 +9934,7 @@
           </p:nvPr>
         </p:nvPicPr>
         <p:blipFill>
-          <a:blip r:embed="rId2" cstate="hqprint">
+          <a:blip r:embed="rId2" cstate="print">
             <a:extLst>
               <a:ext uri="{28A0092B-C50C-407E-A947-70E740481C1C}">
                 <a14:useLocalDpi xmlns:a14="http://schemas.microsoft.com/office/drawing/2010/main" val="0"/>
@@ -10006,16 +10006,21 @@
             <a:pPr algn="ctr"/>
             <a:r>
               <a:rPr lang="en-GB" b="1" dirty="0"/>
-              <a:t>cis/trans classification (</a:t>
+              <a:t>cis/trans classification </a:t>
             </a:r>
             <a:r>
-              <a:rPr lang="en-GB" b="1" dirty="0" err="1"/>
+              <a:rPr lang="en-GB" b="1" dirty="0" smtClean="0"/>
+              <a:t>(hits/</a:t>
+            </a:r>
+            <a:r>
+              <a:rPr lang="en-GB" b="1" dirty="0" err="1" smtClean="0"/>
               <a:t>jma.cojo</a:t>
             </a:r>
             <a:r>
-              <a:rPr lang="en-GB" b="1" dirty="0"/>
-              <a:t> results)</a:t>
+              <a:rPr lang="en-GB" b="1" dirty="0" smtClean="0"/>
+              <a:t>) results</a:t>
             </a:r>
+            <a:endParaRPr lang="en-GB" b="1" dirty="0"/>
           </a:p>
         </p:txBody>
       </p:sp>
@@ -10035,13 +10040,371 @@
             <p:ph idx="1"/>
             <p:extLst>
               <p:ext uri="{D42A27DB-BD31-4B8C-83A1-F6EECF244321}">
-                <p14:modId xmlns:p14="http://schemas.microsoft.com/office/powerpoint/2010/main" val="213136609"/>
+                <p14:modId xmlns:p14="http://schemas.microsoft.com/office/powerpoint/2010/main" val="1449053860"/>
               </p:ext>
             </p:extLst>
           </p:nvPr>
         </p:nvGraphicFramePr>
         <p:xfrm>
           <a:off x="838200" y="1825625"/>
+          <a:ext cx="10515600" cy="1483360"/>
+        </p:xfrm>
+        <a:graphic>
+          <a:graphicData uri="http://schemas.openxmlformats.org/drawingml/2006/table">
+            <a:tbl>
+              <a:tblPr firstRow="1" bandRow="1">
+                <a:tableStyleId>{5C22544A-7EE6-4342-B048-85BDC9FD1C3A}</a:tableStyleId>
+              </a:tblPr>
+              <a:tblGrid>
+                <a:gridCol w="3505200">
+                  <a:extLst>
+                    <a:ext uri="{9D8B030D-6E8A-4147-A177-3AD203B41FA5}">
+                      <a16:colId xmlns:a16="http://schemas.microsoft.com/office/drawing/2014/main" val="1938924577"/>
+                    </a:ext>
+                  </a:extLst>
+                </a:gridCol>
+                <a:gridCol w="3505200">
+                  <a:extLst>
+                    <a:ext uri="{9D8B030D-6E8A-4147-A177-3AD203B41FA5}">
+                      <a16:colId xmlns:a16="http://schemas.microsoft.com/office/drawing/2014/main" val="1798375131"/>
+                    </a:ext>
+                  </a:extLst>
+                </a:gridCol>
+                <a:gridCol w="1752600">
+                  <a:extLst>
+                    <a:ext uri="{9D8B030D-6E8A-4147-A177-3AD203B41FA5}">
+                      <a16:colId xmlns:a16="http://schemas.microsoft.com/office/drawing/2014/main" val="2856925570"/>
+                    </a:ext>
+                  </a:extLst>
+                </a:gridCol>
+                <a:gridCol w="1752600">
+                  <a:extLst>
+                    <a:ext uri="{9D8B030D-6E8A-4147-A177-3AD203B41FA5}">
+                      <a16:colId xmlns:a16="http://schemas.microsoft.com/office/drawing/2014/main" val="2679560071"/>
+                    </a:ext>
+                  </a:extLst>
+                </a:gridCol>
+              </a:tblGrid>
+              <a:tr h="370840">
+                <a:tc>
+                  <a:txBody>
+                    <a:bodyPr/>
+                    <a:lstStyle/>
+                    <a:p>
+                      <a:pPr algn="ctr"/>
+                      <a:r>
+                        <a:rPr lang="en-GB" dirty="0"/>
+                        <a:t>HGNC symbol (TARGET)</a:t>
+                      </a:r>
+                    </a:p>
+                  </a:txBody>
+                  <a:tcPr/>
+                </a:tc>
+                <a:tc>
+                  <a:txBody>
+                    <a:bodyPr/>
+                    <a:lstStyle/>
+                    <a:p>
+                      <a:pPr algn="ctr"/>
+                      <a:r>
+                        <a:rPr lang="en-GB" dirty="0"/>
+                        <a:t>cis</a:t>
+                      </a:r>
+                    </a:p>
+                  </a:txBody>
+                  <a:tcPr/>
+                </a:tc>
+                <a:tc>
+                  <a:txBody>
+                    <a:bodyPr/>
+                    <a:lstStyle/>
+                    <a:p>
+                      <a:pPr algn="ctr"/>
+                      <a:r>
+                        <a:rPr lang="en-GB" dirty="0"/>
+                        <a:t>trans</a:t>
+                      </a:r>
+                    </a:p>
+                  </a:txBody>
+                  <a:tcPr/>
+                </a:tc>
+                <a:tc>
+                  <a:txBody>
+                    <a:bodyPr/>
+                    <a:lstStyle/>
+                    <a:p>
+                      <a:pPr algn="ctr"/>
+                      <a:r>
+                        <a:rPr lang="en-GB" dirty="0"/>
+                        <a:t>Total</a:t>
+                      </a:r>
+                    </a:p>
+                  </a:txBody>
+                  <a:tcPr/>
+                </a:tc>
+                <a:extLst>
+                  <a:ext uri="{0D108BD9-81ED-4DB2-BD59-A6C34878D82A}">
+                    <a16:rowId xmlns:a16="http://schemas.microsoft.com/office/drawing/2014/main" val="1967377721"/>
+                  </a:ext>
+                </a:extLst>
+              </a:tr>
+              <a:tr h="370840">
+                <a:tc>
+                  <a:txBody>
+                    <a:bodyPr/>
+                    <a:lstStyle/>
+                    <a:p>
+                      <a:pPr algn="ctr"/>
+                      <a:r>
+                        <a:rPr lang="en-GB" b="1" i="1" dirty="0"/>
+                        <a:t>TNFRSF11B</a:t>
+                      </a:r>
+                      <a:r>
+                        <a:rPr lang="en-GB" b="1" dirty="0"/>
+                        <a:t> (OPG)</a:t>
+                      </a:r>
+                    </a:p>
+                  </a:txBody>
+                  <a:tcPr/>
+                </a:tc>
+                <a:tc>
+                  <a:txBody>
+                    <a:bodyPr/>
+                    <a:lstStyle/>
+                    <a:p>
+                      <a:pPr algn="ctr"/>
+                      <a:r>
+                        <a:rPr lang="en-GB" dirty="0" smtClean="0"/>
+                        <a:t>196</a:t>
+                      </a:r>
+                      <a:endParaRPr lang="en-GB" dirty="0"/>
+                    </a:p>
+                  </a:txBody>
+                  <a:tcPr/>
+                </a:tc>
+                <a:tc>
+                  <a:txBody>
+                    <a:bodyPr/>
+                    <a:lstStyle/>
+                    <a:p>
+                      <a:pPr algn="ctr"/>
+                      <a:r>
+                        <a:rPr lang="en-GB" dirty="0" smtClean="0"/>
+                        <a:t>0</a:t>
+                      </a:r>
+                      <a:endParaRPr lang="en-GB" dirty="0"/>
+                    </a:p>
+                  </a:txBody>
+                  <a:tcPr/>
+                </a:tc>
+                <a:tc>
+                  <a:txBody>
+                    <a:bodyPr/>
+                    <a:lstStyle/>
+                    <a:p>
+                      <a:pPr algn="ctr"/>
+                      <a:r>
+                        <a:rPr lang="en-GB" dirty="0" smtClean="0"/>
+                        <a:t>196</a:t>
+                      </a:r>
+                      <a:endParaRPr lang="en-GB" dirty="0"/>
+                    </a:p>
+                  </a:txBody>
+                  <a:tcPr/>
+                </a:tc>
+                <a:extLst>
+                  <a:ext uri="{0D108BD9-81ED-4DB2-BD59-A6C34878D82A}">
+                    <a16:rowId xmlns:a16="http://schemas.microsoft.com/office/drawing/2014/main" val="208597695"/>
+                  </a:ext>
+                </a:extLst>
+              </a:tr>
+              <a:tr h="370840">
+                <a:tc>
+                  <a:txBody>
+                    <a:bodyPr/>
+                    <a:lstStyle/>
+                    <a:p>
+                      <a:pPr marL="0" marR="0" lvl="0" indent="0" algn="ctr" defTabSz="914400" rtl="0" eaLnBrk="1" fontAlgn="auto" latinLnBrk="0" hangingPunct="1">
+                        <a:lnSpc>
+                          <a:spcPct val="100000"/>
+                        </a:lnSpc>
+                        <a:spcBef>
+                          <a:spcPts val="0"/>
+                        </a:spcBef>
+                        <a:spcAft>
+                          <a:spcPts val="0"/>
+                        </a:spcAft>
+                        <a:buClrTx/>
+                        <a:buSzTx/>
+                        <a:buFontTx/>
+                        <a:buNone/>
+                        <a:tabLst/>
+                        <a:defRPr/>
+                      </a:pPr>
+                      <a:r>
+                        <a:rPr lang="en-GB" b="1" i="1" dirty="0"/>
+                        <a:t>TNFSF14 </a:t>
+                      </a:r>
+                      <a:r>
+                        <a:rPr lang="en-GB" b="1" i="0" dirty="0"/>
+                        <a:t>(</a:t>
+                      </a:r>
+                      <a:r>
+                        <a:rPr lang="en-GB" b="1" dirty="0"/>
+                        <a:t>TNFSF14</a:t>
+                      </a:r>
+                      <a:r>
+                        <a:rPr lang="en-GB" b="1" i="0" dirty="0"/>
+                        <a:t>)</a:t>
+                      </a:r>
+                      <a:endParaRPr lang="en-GB" b="1" i="1" dirty="0"/>
+                    </a:p>
+                  </a:txBody>
+                  <a:tcPr/>
+                </a:tc>
+                <a:tc>
+                  <a:txBody>
+                    <a:bodyPr/>
+                    <a:lstStyle/>
+                    <a:p>
+                      <a:pPr algn="ctr"/>
+                      <a:r>
+                        <a:rPr lang="en-GB" dirty="0" smtClean="0"/>
+                        <a:t>34</a:t>
+                      </a:r>
+                      <a:endParaRPr lang="en-GB" dirty="0"/>
+                    </a:p>
+                  </a:txBody>
+                  <a:tcPr/>
+                </a:tc>
+                <a:tc>
+                  <a:txBody>
+                    <a:bodyPr/>
+                    <a:lstStyle/>
+                    <a:p>
+                      <a:pPr algn="ctr"/>
+                      <a:r>
+                        <a:rPr lang="en-GB" dirty="0" smtClean="0"/>
+                        <a:t>41</a:t>
+                      </a:r>
+                      <a:endParaRPr lang="en-GB" dirty="0"/>
+                    </a:p>
+                  </a:txBody>
+                  <a:tcPr/>
+                </a:tc>
+                <a:tc>
+                  <a:txBody>
+                    <a:bodyPr/>
+                    <a:lstStyle/>
+                    <a:p>
+                      <a:pPr algn="ctr"/>
+                      <a:r>
+                        <a:rPr lang="en-GB" dirty="0" smtClean="0"/>
+                        <a:t>75</a:t>
+                      </a:r>
+                      <a:endParaRPr lang="en-GB" dirty="0"/>
+                    </a:p>
+                  </a:txBody>
+                  <a:tcPr/>
+                </a:tc>
+                <a:extLst>
+                  <a:ext uri="{0D108BD9-81ED-4DB2-BD59-A6C34878D82A}">
+                    <a16:rowId xmlns:a16="http://schemas.microsoft.com/office/drawing/2014/main" val="3597611460"/>
+                  </a:ext>
+                </a:extLst>
+              </a:tr>
+              <a:tr h="370840">
+                <a:tc>
+                  <a:txBody>
+                    <a:bodyPr/>
+                    <a:lstStyle/>
+                    <a:p>
+                      <a:pPr algn="ctr"/>
+                      <a:r>
+                        <a:rPr lang="en-GB" b="1" dirty="0"/>
+                        <a:t>Total</a:t>
+                      </a:r>
+                    </a:p>
+                  </a:txBody>
+                  <a:tcPr/>
+                </a:tc>
+                <a:tc>
+                  <a:txBody>
+                    <a:bodyPr/>
+                    <a:lstStyle/>
+                    <a:p>
+                      <a:pPr algn="ctr"/>
+                      <a:r>
+                        <a:rPr lang="en-GB" dirty="0" smtClean="0"/>
+                        <a:t>230</a:t>
+                      </a:r>
+                      <a:endParaRPr lang="en-GB" dirty="0"/>
+                    </a:p>
+                  </a:txBody>
+                  <a:tcPr/>
+                </a:tc>
+                <a:tc>
+                  <a:txBody>
+                    <a:bodyPr/>
+                    <a:lstStyle/>
+                    <a:p>
+                      <a:pPr algn="ctr"/>
+                      <a:r>
+                        <a:rPr lang="en-GB" dirty="0" smtClean="0"/>
+                        <a:t>41</a:t>
+                      </a:r>
+                      <a:endParaRPr lang="en-GB" dirty="0"/>
+                    </a:p>
+                  </a:txBody>
+                  <a:tcPr/>
+                </a:tc>
+                <a:tc>
+                  <a:txBody>
+                    <a:bodyPr/>
+                    <a:lstStyle/>
+                    <a:p>
+                      <a:pPr algn="ctr"/>
+                      <a:r>
+                        <a:rPr lang="en-GB" dirty="0" smtClean="0"/>
+                        <a:t>271</a:t>
+                      </a:r>
+                      <a:endParaRPr lang="en-GB" dirty="0"/>
+                    </a:p>
+                  </a:txBody>
+                  <a:tcPr/>
+                </a:tc>
+                <a:extLst>
+                  <a:ext uri="{0D108BD9-81ED-4DB2-BD59-A6C34878D82A}">
+                    <a16:rowId xmlns:a16="http://schemas.microsoft.com/office/drawing/2014/main" val="3258319896"/>
+                  </a:ext>
+                </a:extLst>
+              </a:tr>
+            </a:tbl>
+          </a:graphicData>
+        </a:graphic>
+      </p:graphicFrame>
+      <p:graphicFrame>
+        <p:nvGraphicFramePr>
+          <p:cNvPr id="5" name="Content Placeholder 3">
+            <a:extLst>
+              <a:ext uri="{FF2B5EF4-FFF2-40B4-BE49-F238E27FC236}">
+                <a16:creationId xmlns:a16="http://schemas.microsoft.com/office/drawing/2014/main" id="{1B08B556-05BA-45F8-BBE6-CA6497A7266A}"/>
+              </a:ext>
+            </a:extLst>
+          </p:cNvPr>
+          <p:cNvGraphicFramePr>
+            <a:graphicFrameLocks/>
+          </p:cNvGraphicFramePr>
+          <p:nvPr>
+            <p:extLst>
+              <p:ext uri="{D42A27DB-BD31-4B8C-83A1-F6EECF244321}">
+                <p14:modId xmlns:p14="http://schemas.microsoft.com/office/powerpoint/2010/main" val="3343187958"/>
+              </p:ext>
+            </p:extLst>
+          </p:nvPr>
+        </p:nvGraphicFramePr>
+        <p:xfrm>
+          <a:off x="838200" y="4446905"/>
           <a:ext cx="10515600" cy="1483360"/>
         </p:xfrm>
         <a:graphic>

--- a/doc/SCALLOP_INF1-121118.pptx
+++ b/doc/SCALLOP_INF1-121118.pptx
@@ -13,10 +13,9 @@
     <p:sldId id="261" r:id="rId7"/>
     <p:sldId id="262" r:id="rId8"/>
     <p:sldId id="263" r:id="rId9"/>
-    <p:sldId id="265" r:id="rId10"/>
-    <p:sldId id="267" r:id="rId11"/>
-    <p:sldId id="266" r:id="rId12"/>
-    <p:sldId id="264" r:id="rId13"/>
+    <p:sldId id="267" r:id="rId10"/>
+    <p:sldId id="266" r:id="rId11"/>
+    <p:sldId id="264" r:id="rId12"/>
   </p:sldIdLst>
   <p:sldSz cx="12192000" cy="6858000"/>
   <p:notesSz cx="6858000" cy="9144000"/>
@@ -3462,6 +3461,2474 @@
           <p:cNvPr id="2" name="Title 1">
             <a:extLst>
               <a:ext uri="{FF2B5EF4-FFF2-40B4-BE49-F238E27FC236}">
+                <a16:creationId xmlns:a16="http://schemas.microsoft.com/office/drawing/2014/main" id="{C502F099-9616-49AF-AD69-A97C6AEDC211}"/>
+              </a:ext>
+            </a:extLst>
+          </p:cNvPr>
+          <p:cNvSpPr>
+            <a:spLocks noGrp="1"/>
+          </p:cNvSpPr>
+          <p:nvPr>
+            <p:ph type="title"/>
+          </p:nvPr>
+        </p:nvSpPr>
+        <p:spPr>
+          <a:xfrm>
+            <a:off x="0" y="0"/>
+            <a:ext cx="4947920" cy="6858000"/>
+          </a:xfrm>
+        </p:spPr>
+        <p:txBody>
+          <a:bodyPr>
+            <a:normAutofit/>
+          </a:bodyPr>
+          <a:lstStyle/>
+          <a:p>
+            <a:pPr algn="ctr"/>
+            <a:r>
+              <a:rPr lang="en-GB" b="1" dirty="0"/>
+              <a:t>SNP information (</a:t>
+            </a:r>
+            <a:r>
+              <a:rPr lang="en-GB" b="1" dirty="0" err="1"/>
+              <a:t>PhenoScanner</a:t>
+            </a:r>
+            <a:r>
+              <a:rPr lang="en-GB" b="1" dirty="0"/>
+              <a:t>)</a:t>
+            </a:r>
+            <a:br>
+              <a:rPr lang="en-GB" b="1" dirty="0"/>
+            </a:br>
+            <a:r>
+              <a:rPr lang="en-GB" b="1" dirty="0"/>
+              <a:t>chr17:26694861</a:t>
+            </a:r>
+            <a:br>
+              <a:rPr lang="en-GB" b="1" dirty="0"/>
+            </a:br>
+            <a:r>
+              <a:rPr lang="en-GB" b="1" dirty="0"/>
+              <a:t>rs704:</a:t>
+            </a:r>
+            <a:br>
+              <a:rPr lang="en-GB" b="1" dirty="0"/>
+            </a:br>
+            <a:r>
+              <a:rPr lang="en-GB" b="1" dirty="0"/>
+              <a:t>Kwan JS,2014, PMID25080503, allele G ~ decrease of </a:t>
+            </a:r>
+            <a:r>
+              <a:rPr lang="en-GB" b="1" dirty="0" err="1"/>
+              <a:t>Osteoprotegerin</a:t>
+            </a:r>
+            <a:r>
+              <a:rPr lang="en-GB" b="1" dirty="0"/>
+              <a:t> levels (p=1e-9).</a:t>
+            </a:r>
+            <a:br>
+              <a:rPr lang="en-GB" b="1" dirty="0"/>
+            </a:br>
+            <a:endParaRPr lang="en-GB" b="1" dirty="0"/>
+          </a:p>
+        </p:txBody>
+      </p:sp>
+      <p:graphicFrame>
+        <p:nvGraphicFramePr>
+          <p:cNvPr id="5" name="Content Placeholder 4">
+            <a:extLst>
+              <a:ext uri="{FF2B5EF4-FFF2-40B4-BE49-F238E27FC236}">
+                <a16:creationId xmlns:a16="http://schemas.microsoft.com/office/drawing/2014/main" id="{887C0A28-9FD4-45FC-AB9C-8D5755CB04FD}"/>
+              </a:ext>
+            </a:extLst>
+          </p:cNvPr>
+          <p:cNvGraphicFramePr>
+            <a:graphicFrameLocks noGrp="1"/>
+          </p:cNvGraphicFramePr>
+          <p:nvPr>
+            <p:ph idx="1"/>
+            <p:extLst>
+              <p:ext uri="{D42A27DB-BD31-4B8C-83A1-F6EECF244321}">
+                <p14:modId xmlns:p14="http://schemas.microsoft.com/office/powerpoint/2010/main" val="2208170802"/>
+              </p:ext>
+            </p:extLst>
+          </p:nvPr>
+        </p:nvGraphicFramePr>
+        <p:xfrm>
+          <a:off x="5354320" y="0"/>
+          <a:ext cx="6837681" cy="6858004"/>
+        </p:xfrm>
+        <a:graphic>
+          <a:graphicData uri="http://schemas.openxmlformats.org/drawingml/2006/table">
+            <a:tbl>
+              <a:tblPr firstRow="1" bandRow="1">
+                <a:tableStyleId>{5C22544A-7EE6-4342-B048-85BDC9FD1C3A}</a:tableStyleId>
+              </a:tblPr>
+              <a:tblGrid>
+                <a:gridCol w="2206375">
+                  <a:extLst>
+                    <a:ext uri="{9D8B030D-6E8A-4147-A177-3AD203B41FA5}">
+                      <a16:colId xmlns:a16="http://schemas.microsoft.com/office/drawing/2014/main" val="3862113751"/>
+                    </a:ext>
+                  </a:extLst>
+                </a:gridCol>
+                <a:gridCol w="1790078">
+                  <a:extLst>
+                    <a:ext uri="{9D8B030D-6E8A-4147-A177-3AD203B41FA5}">
+                      <a16:colId xmlns:a16="http://schemas.microsoft.com/office/drawing/2014/main" val="2135184577"/>
+                    </a:ext>
+                  </a:extLst>
+                </a:gridCol>
+                <a:gridCol w="1727633">
+                  <a:extLst>
+                    <a:ext uri="{9D8B030D-6E8A-4147-A177-3AD203B41FA5}">
+                      <a16:colId xmlns:a16="http://schemas.microsoft.com/office/drawing/2014/main" val="3567808460"/>
+                    </a:ext>
+                  </a:extLst>
+                </a:gridCol>
+                <a:gridCol w="1113595">
+                  <a:extLst>
+                    <a:ext uri="{9D8B030D-6E8A-4147-A177-3AD203B41FA5}">
+                      <a16:colId xmlns:a16="http://schemas.microsoft.com/office/drawing/2014/main" val="2099834370"/>
+                    </a:ext>
+                  </a:extLst>
+                </a:gridCol>
+              </a:tblGrid>
+              <a:tr h="403412">
+                <a:tc>
+                  <a:txBody>
+                    <a:bodyPr/>
+                    <a:lstStyle/>
+                    <a:p>
+                      <a:pPr algn="l" fontAlgn="b"/>
+                      <a:r>
+                        <a:rPr lang="en-GB" sz="1100" b="1" i="0" u="none" strike="noStrike" dirty="0">
+                          <a:solidFill>
+                            <a:srgbClr val="000000"/>
+                          </a:solidFill>
+                          <a:effectLst/>
+                          <a:latin typeface="Calibri" panose="020F0502020204030204" pitchFamily="34" charset="0"/>
+                        </a:rPr>
+                        <a:t>SNP</a:t>
+                      </a:r>
+                    </a:p>
+                  </a:txBody>
+                  <a:tcPr marL="7620" marR="7620" marT="7620" marB="0" anchor="b"/>
+                </a:tc>
+                <a:tc>
+                  <a:txBody>
+                    <a:bodyPr/>
+                    <a:lstStyle/>
+                    <a:p>
+                      <a:pPr algn="l" fontAlgn="b"/>
+                      <a:r>
+                        <a:rPr lang="en-GB" sz="1100" b="1" i="0" u="none" strike="noStrike" dirty="0" err="1">
+                          <a:solidFill>
+                            <a:srgbClr val="000000"/>
+                          </a:solidFill>
+                          <a:effectLst/>
+                          <a:latin typeface="Calibri" panose="020F0502020204030204" pitchFamily="34" charset="0"/>
+                        </a:rPr>
+                        <a:t>rsID</a:t>
+                      </a:r>
+                      <a:endParaRPr lang="en-GB" sz="1100" b="1" i="0" u="none" strike="noStrike" dirty="0">
+                        <a:solidFill>
+                          <a:srgbClr val="000000"/>
+                        </a:solidFill>
+                        <a:effectLst/>
+                        <a:latin typeface="Calibri" panose="020F0502020204030204" pitchFamily="34" charset="0"/>
+                      </a:endParaRPr>
+                    </a:p>
+                  </a:txBody>
+                  <a:tcPr marL="7620" marR="7620" marT="7620" marB="0" anchor="b"/>
+                </a:tc>
+                <a:tc>
+                  <a:txBody>
+                    <a:bodyPr/>
+                    <a:lstStyle/>
+                    <a:p>
+                      <a:pPr algn="l" fontAlgn="b"/>
+                      <a:r>
+                        <a:rPr lang="en-GB" sz="1100" b="1" i="0" u="none" strike="noStrike">
+                          <a:solidFill>
+                            <a:srgbClr val="000000"/>
+                          </a:solidFill>
+                          <a:effectLst/>
+                          <a:latin typeface="Calibri" panose="020F0502020204030204" pitchFamily="34" charset="0"/>
+                        </a:rPr>
+                        <a:t>Pos (hg19)</a:t>
+                      </a:r>
+                    </a:p>
+                  </a:txBody>
+                  <a:tcPr marL="7620" marR="7620" marT="7620" marB="0" anchor="b"/>
+                </a:tc>
+                <a:tc>
+                  <a:txBody>
+                    <a:bodyPr/>
+                    <a:lstStyle/>
+                    <a:p>
+                      <a:pPr algn="l" fontAlgn="b"/>
+                      <a:r>
+                        <a:rPr lang="en-GB" sz="1100" b="1" i="0" u="none" strike="noStrike" dirty="0">
+                          <a:solidFill>
+                            <a:srgbClr val="000000"/>
+                          </a:solidFill>
+                          <a:effectLst/>
+                          <a:latin typeface="Calibri" panose="020F0502020204030204" pitchFamily="34" charset="0"/>
+                        </a:rPr>
+                        <a:t>Alleles</a:t>
+                      </a:r>
+                    </a:p>
+                  </a:txBody>
+                  <a:tcPr marL="7620" marR="7620" marT="7620" marB="0" anchor="b"/>
+                </a:tc>
+                <a:extLst>
+                  <a:ext uri="{0D108BD9-81ED-4DB2-BD59-A6C34878D82A}">
+                    <a16:rowId xmlns:a16="http://schemas.microsoft.com/office/drawing/2014/main" val="2311789186"/>
+                  </a:ext>
+                </a:extLst>
+              </a:tr>
+              <a:tr h="403412">
+                <a:tc>
+                  <a:txBody>
+                    <a:bodyPr/>
+                    <a:lstStyle/>
+                    <a:p>
+                      <a:pPr algn="l" fontAlgn="b"/>
+                      <a:r>
+                        <a:rPr lang="en-GB" sz="1100" b="0" i="0" u="none" strike="noStrike">
+                          <a:solidFill>
+                            <a:srgbClr val="000000"/>
+                          </a:solidFill>
+                          <a:effectLst/>
+                          <a:latin typeface="Calibri" panose="020F0502020204030204" pitchFamily="34" charset="0"/>
+                        </a:rPr>
+                        <a:t>chr8:119867209</a:t>
+                      </a:r>
+                    </a:p>
+                  </a:txBody>
+                  <a:tcPr marL="7620" marR="7620" marT="7620" marB="0" anchor="b"/>
+                </a:tc>
+                <a:tc>
+                  <a:txBody>
+                    <a:bodyPr/>
+                    <a:lstStyle/>
+                    <a:p>
+                      <a:pPr algn="l" fontAlgn="b"/>
+                      <a:r>
+                        <a:rPr lang="en-GB" sz="1100" b="0" i="0" u="none" strike="noStrike" dirty="0">
+                          <a:solidFill>
+                            <a:srgbClr val="000000"/>
+                          </a:solidFill>
+                          <a:effectLst/>
+                          <a:latin typeface="Calibri" panose="020F0502020204030204" pitchFamily="34" charset="0"/>
+                        </a:rPr>
+                        <a:t>rs149577650</a:t>
+                      </a:r>
+                    </a:p>
+                  </a:txBody>
+                  <a:tcPr marL="7620" marR="7620" marT="7620" marB="0" anchor="b"/>
+                </a:tc>
+                <a:tc>
+                  <a:txBody>
+                    <a:bodyPr/>
+                    <a:lstStyle/>
+                    <a:p>
+                      <a:pPr algn="l" fontAlgn="b"/>
+                      <a:r>
+                        <a:rPr lang="en-GB" sz="1100" b="0" i="0" u="none" strike="noStrike">
+                          <a:solidFill>
+                            <a:srgbClr val="000000"/>
+                          </a:solidFill>
+                          <a:effectLst/>
+                          <a:latin typeface="Calibri" panose="020F0502020204030204" pitchFamily="34" charset="0"/>
+                        </a:rPr>
+                        <a:t>chr8:119867209</a:t>
+                      </a:r>
+                    </a:p>
+                  </a:txBody>
+                  <a:tcPr marL="7620" marR="7620" marT="7620" marB="0" anchor="b"/>
+                </a:tc>
+                <a:tc>
+                  <a:txBody>
+                    <a:bodyPr/>
+                    <a:lstStyle/>
+                    <a:p>
+                      <a:pPr algn="l" fontAlgn="b"/>
+                      <a:r>
+                        <a:rPr lang="en-GB" sz="1100" b="0" i="0" u="none" strike="noStrike">
+                          <a:solidFill>
+                            <a:srgbClr val="000000"/>
+                          </a:solidFill>
+                          <a:effectLst/>
+                          <a:latin typeface="Calibri" panose="020F0502020204030204" pitchFamily="34" charset="0"/>
+                        </a:rPr>
+                        <a:t>A/C</a:t>
+                      </a:r>
+                    </a:p>
+                  </a:txBody>
+                  <a:tcPr marL="7620" marR="7620" marT="7620" marB="0" anchor="b"/>
+                </a:tc>
+                <a:extLst>
+                  <a:ext uri="{0D108BD9-81ED-4DB2-BD59-A6C34878D82A}">
+                    <a16:rowId xmlns:a16="http://schemas.microsoft.com/office/drawing/2014/main" val="2214996260"/>
+                  </a:ext>
+                </a:extLst>
+              </a:tr>
+              <a:tr h="403412">
+                <a:tc>
+                  <a:txBody>
+                    <a:bodyPr/>
+                    <a:lstStyle/>
+                    <a:p>
+                      <a:pPr algn="l" fontAlgn="b"/>
+                      <a:r>
+                        <a:rPr lang="en-GB" sz="1100" b="0" i="0" u="none" strike="noStrike">
+                          <a:solidFill>
+                            <a:srgbClr val="000000"/>
+                          </a:solidFill>
+                          <a:effectLst/>
+                          <a:latin typeface="Calibri" panose="020F0502020204030204" pitchFamily="34" charset="0"/>
+                        </a:rPr>
+                        <a:t>chr8:120081031</a:t>
+                      </a:r>
+                    </a:p>
+                  </a:txBody>
+                  <a:tcPr marL="7620" marR="7620" marT="7620" marB="0" anchor="b"/>
+                </a:tc>
+                <a:tc>
+                  <a:txBody>
+                    <a:bodyPr/>
+                    <a:lstStyle/>
+                    <a:p>
+                      <a:pPr algn="l" fontAlgn="b"/>
+                      <a:r>
+                        <a:rPr lang="en-GB" sz="1100" b="0" i="0" u="none" strike="noStrike">
+                          <a:solidFill>
+                            <a:srgbClr val="000000"/>
+                          </a:solidFill>
+                          <a:effectLst/>
+                          <a:latin typeface="Calibri" panose="020F0502020204030204" pitchFamily="34" charset="0"/>
+                        </a:rPr>
+                        <a:t>rs2247769</a:t>
+                      </a:r>
+                    </a:p>
+                  </a:txBody>
+                  <a:tcPr marL="7620" marR="7620" marT="7620" marB="0" anchor="b"/>
+                </a:tc>
+                <a:tc>
+                  <a:txBody>
+                    <a:bodyPr/>
+                    <a:lstStyle/>
+                    <a:p>
+                      <a:pPr algn="l" fontAlgn="b"/>
+                      <a:r>
+                        <a:rPr lang="en-GB" sz="1100" b="0" i="0" u="none" strike="noStrike">
+                          <a:solidFill>
+                            <a:srgbClr val="000000"/>
+                          </a:solidFill>
+                          <a:effectLst/>
+                          <a:latin typeface="Calibri" panose="020F0502020204030204" pitchFamily="34" charset="0"/>
+                        </a:rPr>
+                        <a:t>chr8:120081031</a:t>
+                      </a:r>
+                    </a:p>
+                  </a:txBody>
+                  <a:tcPr marL="7620" marR="7620" marT="7620" marB="0" anchor="b"/>
+                </a:tc>
+                <a:tc>
+                  <a:txBody>
+                    <a:bodyPr/>
+                    <a:lstStyle/>
+                    <a:p>
+                      <a:pPr algn="l" fontAlgn="b"/>
+                      <a:r>
+                        <a:rPr lang="en-GB" sz="1100" b="0" i="0" u="none" strike="noStrike">
+                          <a:solidFill>
+                            <a:srgbClr val="000000"/>
+                          </a:solidFill>
+                          <a:effectLst/>
+                          <a:latin typeface="Calibri" panose="020F0502020204030204" pitchFamily="34" charset="0"/>
+                        </a:rPr>
+                        <a:t>C/T</a:t>
+                      </a:r>
+                    </a:p>
+                  </a:txBody>
+                  <a:tcPr marL="7620" marR="7620" marT="7620" marB="0" anchor="b"/>
+                </a:tc>
+                <a:extLst>
+                  <a:ext uri="{0D108BD9-81ED-4DB2-BD59-A6C34878D82A}">
+                    <a16:rowId xmlns:a16="http://schemas.microsoft.com/office/drawing/2014/main" val="463528673"/>
+                  </a:ext>
+                </a:extLst>
+              </a:tr>
+              <a:tr h="403412">
+                <a:tc>
+                  <a:txBody>
+                    <a:bodyPr/>
+                    <a:lstStyle/>
+                    <a:p>
+                      <a:pPr algn="l" fontAlgn="b"/>
+                      <a:r>
+                        <a:rPr lang="en-GB" sz="1100" b="0" i="0" u="none" strike="noStrike">
+                          <a:solidFill>
+                            <a:srgbClr val="FF0000"/>
+                          </a:solidFill>
+                          <a:effectLst/>
+                          <a:latin typeface="Calibri" panose="020F0502020204030204" pitchFamily="34" charset="0"/>
+                        </a:rPr>
+                        <a:t>chr17:26694861</a:t>
+                      </a:r>
+                    </a:p>
+                  </a:txBody>
+                  <a:tcPr marL="7620" marR="7620" marT="7620" marB="0" anchor="b"/>
+                </a:tc>
+                <a:tc>
+                  <a:txBody>
+                    <a:bodyPr/>
+                    <a:lstStyle/>
+                    <a:p>
+                      <a:pPr algn="l" fontAlgn="b"/>
+                      <a:r>
+                        <a:rPr lang="en-GB" sz="1100" b="0" i="0" u="none" strike="noStrike">
+                          <a:solidFill>
+                            <a:srgbClr val="FF0000"/>
+                          </a:solidFill>
+                          <a:effectLst/>
+                          <a:latin typeface="Calibri" panose="020F0502020204030204" pitchFamily="34" charset="0"/>
+                        </a:rPr>
+                        <a:t>rs704</a:t>
+                      </a:r>
+                    </a:p>
+                  </a:txBody>
+                  <a:tcPr marL="7620" marR="7620" marT="7620" marB="0" anchor="b"/>
+                </a:tc>
+                <a:tc>
+                  <a:txBody>
+                    <a:bodyPr/>
+                    <a:lstStyle/>
+                    <a:p>
+                      <a:pPr algn="l" fontAlgn="b"/>
+                      <a:r>
+                        <a:rPr lang="en-GB" sz="1100" b="0" i="0" u="none" strike="noStrike">
+                          <a:solidFill>
+                            <a:srgbClr val="FF0000"/>
+                          </a:solidFill>
+                          <a:effectLst/>
+                          <a:latin typeface="Calibri" panose="020F0502020204030204" pitchFamily="34" charset="0"/>
+                        </a:rPr>
+                        <a:t>chr17:26694861</a:t>
+                      </a:r>
+                    </a:p>
+                  </a:txBody>
+                  <a:tcPr marL="7620" marR="7620" marT="7620" marB="0" anchor="b"/>
+                </a:tc>
+                <a:tc>
+                  <a:txBody>
+                    <a:bodyPr/>
+                    <a:lstStyle/>
+                    <a:p>
+                      <a:pPr algn="l" fontAlgn="b"/>
+                      <a:r>
+                        <a:rPr lang="en-GB" sz="1100" b="0" i="0" u="none" strike="noStrike" dirty="0">
+                          <a:solidFill>
+                            <a:srgbClr val="FF0000"/>
+                          </a:solidFill>
+                          <a:effectLst/>
+                          <a:latin typeface="Calibri" panose="020F0502020204030204" pitchFamily="34" charset="0"/>
+                        </a:rPr>
+                        <a:t>G/A</a:t>
+                      </a:r>
+                    </a:p>
+                  </a:txBody>
+                  <a:tcPr marL="7620" marR="7620" marT="7620" marB="0" anchor="b"/>
+                </a:tc>
+                <a:extLst>
+                  <a:ext uri="{0D108BD9-81ED-4DB2-BD59-A6C34878D82A}">
+                    <a16:rowId xmlns:a16="http://schemas.microsoft.com/office/drawing/2014/main" val="4201455789"/>
+                  </a:ext>
+                </a:extLst>
+              </a:tr>
+              <a:tr h="403412">
+                <a:tc>
+                  <a:txBody>
+                    <a:bodyPr/>
+                    <a:lstStyle/>
+                    <a:p>
+                      <a:pPr algn="l" fontAlgn="b"/>
+                      <a:r>
+                        <a:rPr lang="en-GB" sz="1100" b="0" i="0" u="none" strike="noStrike" dirty="0">
+                          <a:solidFill>
+                            <a:srgbClr val="000000"/>
+                          </a:solidFill>
+                          <a:effectLst/>
+                          <a:latin typeface="Calibri" panose="020F0502020204030204" pitchFamily="34" charset="0"/>
+                        </a:rPr>
+                        <a:t>chr19:1227505</a:t>
+                      </a:r>
+                    </a:p>
+                  </a:txBody>
+                  <a:tcPr marL="7620" marR="7620" marT="7620" marB="0" anchor="b"/>
+                </a:tc>
+                <a:tc>
+                  <a:txBody>
+                    <a:bodyPr/>
+                    <a:lstStyle/>
+                    <a:p>
+                      <a:pPr algn="l" fontAlgn="b"/>
+                      <a:r>
+                        <a:rPr lang="en-GB" sz="1100" b="0" i="0" u="none" strike="noStrike">
+                          <a:solidFill>
+                            <a:srgbClr val="000000"/>
+                          </a:solidFill>
+                          <a:effectLst/>
+                          <a:latin typeface="Calibri" panose="020F0502020204030204" pitchFamily="34" charset="0"/>
+                        </a:rPr>
+                        <a:t>rs7259447</a:t>
+                      </a:r>
+                    </a:p>
+                  </a:txBody>
+                  <a:tcPr marL="7620" marR="7620" marT="7620" marB="0" anchor="b"/>
+                </a:tc>
+                <a:tc>
+                  <a:txBody>
+                    <a:bodyPr/>
+                    <a:lstStyle/>
+                    <a:p>
+                      <a:pPr algn="l" fontAlgn="b"/>
+                      <a:r>
+                        <a:rPr lang="en-GB" sz="1100" b="0" i="0" u="none" strike="noStrike">
+                          <a:solidFill>
+                            <a:srgbClr val="000000"/>
+                          </a:solidFill>
+                          <a:effectLst/>
+                          <a:latin typeface="Calibri" panose="020F0502020204030204" pitchFamily="34" charset="0"/>
+                        </a:rPr>
+                        <a:t>chr19:1227505</a:t>
+                      </a:r>
+                    </a:p>
+                  </a:txBody>
+                  <a:tcPr marL="7620" marR="7620" marT="7620" marB="0" anchor="b"/>
+                </a:tc>
+                <a:tc>
+                  <a:txBody>
+                    <a:bodyPr/>
+                    <a:lstStyle/>
+                    <a:p>
+                      <a:pPr algn="l" fontAlgn="b"/>
+                      <a:r>
+                        <a:rPr lang="en-GB" sz="1100" b="0" i="0" u="none" strike="noStrike">
+                          <a:solidFill>
+                            <a:srgbClr val="000000"/>
+                          </a:solidFill>
+                          <a:effectLst/>
+                          <a:latin typeface="Calibri" panose="020F0502020204030204" pitchFamily="34" charset="0"/>
+                        </a:rPr>
+                        <a:t>C/T</a:t>
+                      </a:r>
+                    </a:p>
+                  </a:txBody>
+                  <a:tcPr marL="7620" marR="7620" marT="7620" marB="0" anchor="b"/>
+                </a:tc>
+                <a:extLst>
+                  <a:ext uri="{0D108BD9-81ED-4DB2-BD59-A6C34878D82A}">
+                    <a16:rowId xmlns:a16="http://schemas.microsoft.com/office/drawing/2014/main" val="2380621020"/>
+                  </a:ext>
+                </a:extLst>
+              </a:tr>
+              <a:tr h="403412">
+                <a:tc>
+                  <a:txBody>
+                    <a:bodyPr/>
+                    <a:lstStyle/>
+                    <a:p>
+                      <a:pPr algn="l" fontAlgn="b"/>
+                      <a:r>
+                        <a:rPr lang="en-GB" sz="1100" b="0" i="0" u="none" strike="noStrike">
+                          <a:solidFill>
+                            <a:srgbClr val="000000"/>
+                          </a:solidFill>
+                          <a:effectLst/>
+                          <a:latin typeface="Calibri" panose="020F0502020204030204" pitchFamily="34" charset="0"/>
+                        </a:rPr>
+                        <a:t>chr19:1403959</a:t>
+                      </a:r>
+                    </a:p>
+                  </a:txBody>
+                  <a:tcPr marL="7620" marR="7620" marT="7620" marB="0" anchor="b"/>
+                </a:tc>
+                <a:tc>
+                  <a:txBody>
+                    <a:bodyPr/>
+                    <a:lstStyle/>
+                    <a:p>
+                      <a:pPr algn="l" fontAlgn="b"/>
+                      <a:r>
+                        <a:rPr lang="en-GB" sz="1100" b="0" i="0" u="none" strike="noStrike">
+                          <a:solidFill>
+                            <a:srgbClr val="000000"/>
+                          </a:solidFill>
+                          <a:effectLst/>
+                          <a:latin typeface="Calibri" panose="020F0502020204030204" pitchFamily="34" charset="0"/>
+                        </a:rPr>
+                        <a:t>chr19:1403959</a:t>
+                      </a:r>
+                    </a:p>
+                  </a:txBody>
+                  <a:tcPr marL="7620" marR="7620" marT="7620" marB="0" anchor="b"/>
+                </a:tc>
+                <a:tc>
+                  <a:txBody>
+                    <a:bodyPr/>
+                    <a:lstStyle/>
+                    <a:p>
+                      <a:pPr algn="l" fontAlgn="b"/>
+                      <a:r>
+                        <a:rPr lang="en-GB" sz="1100" b="0" i="0" u="none" strike="noStrike">
+                          <a:solidFill>
+                            <a:srgbClr val="000000"/>
+                          </a:solidFill>
+                          <a:effectLst/>
+                          <a:latin typeface="Calibri" panose="020F0502020204030204" pitchFamily="34" charset="0"/>
+                        </a:rPr>
+                        <a:t>chr19:1403959</a:t>
+                      </a:r>
+                    </a:p>
+                  </a:txBody>
+                  <a:tcPr marL="7620" marR="7620" marT="7620" marB="0" anchor="b"/>
+                </a:tc>
+                <a:tc>
+                  <a:txBody>
+                    <a:bodyPr/>
+                    <a:lstStyle/>
+                    <a:p>
+                      <a:pPr algn="l" fontAlgn="b"/>
+                      <a:r>
+                        <a:rPr lang="en-GB" sz="1100" b="0" i="0" u="none" strike="noStrike">
+                          <a:solidFill>
+                            <a:srgbClr val="000000"/>
+                          </a:solidFill>
+                          <a:effectLst/>
+                          <a:latin typeface="Calibri" panose="020F0502020204030204" pitchFamily="34" charset="0"/>
+                        </a:rPr>
+                        <a:t>C/G</a:t>
+                      </a:r>
+                    </a:p>
+                  </a:txBody>
+                  <a:tcPr marL="7620" marR="7620" marT="7620" marB="0" anchor="b"/>
+                </a:tc>
+                <a:extLst>
+                  <a:ext uri="{0D108BD9-81ED-4DB2-BD59-A6C34878D82A}">
+                    <a16:rowId xmlns:a16="http://schemas.microsoft.com/office/drawing/2014/main" val="631381923"/>
+                  </a:ext>
+                </a:extLst>
+              </a:tr>
+              <a:tr h="403412">
+                <a:tc>
+                  <a:txBody>
+                    <a:bodyPr/>
+                    <a:lstStyle/>
+                    <a:p>
+                      <a:pPr algn="l" fontAlgn="b"/>
+                      <a:r>
+                        <a:rPr lang="en-GB" sz="1100" b="0" i="0" u="none" strike="noStrike">
+                          <a:solidFill>
+                            <a:srgbClr val="000000"/>
+                          </a:solidFill>
+                          <a:effectLst/>
+                          <a:latin typeface="Calibri" panose="020F0502020204030204" pitchFamily="34" charset="0"/>
+                        </a:rPr>
+                        <a:t>chr19:3932314</a:t>
+                      </a:r>
+                    </a:p>
+                  </a:txBody>
+                  <a:tcPr marL="7620" marR="7620" marT="7620" marB="0" anchor="b"/>
+                </a:tc>
+                <a:tc>
+                  <a:txBody>
+                    <a:bodyPr/>
+                    <a:lstStyle/>
+                    <a:p>
+                      <a:pPr algn="l" fontAlgn="b"/>
+                      <a:r>
+                        <a:rPr lang="en-GB" sz="1100" b="0" i="0" u="none" strike="noStrike">
+                          <a:solidFill>
+                            <a:srgbClr val="000000"/>
+                          </a:solidFill>
+                          <a:effectLst/>
+                          <a:latin typeface="Calibri" panose="020F0502020204030204" pitchFamily="34" charset="0"/>
+                        </a:rPr>
+                        <a:t>rs149200741</a:t>
+                      </a:r>
+                    </a:p>
+                  </a:txBody>
+                  <a:tcPr marL="7620" marR="7620" marT="7620" marB="0" anchor="b"/>
+                </a:tc>
+                <a:tc>
+                  <a:txBody>
+                    <a:bodyPr/>
+                    <a:lstStyle/>
+                    <a:p>
+                      <a:pPr algn="l" fontAlgn="b"/>
+                      <a:r>
+                        <a:rPr lang="en-GB" sz="1100" b="0" i="0" u="none" strike="noStrike">
+                          <a:solidFill>
+                            <a:srgbClr val="000000"/>
+                          </a:solidFill>
+                          <a:effectLst/>
+                          <a:latin typeface="Calibri" panose="020F0502020204030204" pitchFamily="34" charset="0"/>
+                        </a:rPr>
+                        <a:t>chr19:3932314</a:t>
+                      </a:r>
+                    </a:p>
+                  </a:txBody>
+                  <a:tcPr marL="7620" marR="7620" marT="7620" marB="0" anchor="b"/>
+                </a:tc>
+                <a:tc>
+                  <a:txBody>
+                    <a:bodyPr/>
+                    <a:lstStyle/>
+                    <a:p>
+                      <a:pPr algn="l" fontAlgn="b"/>
+                      <a:r>
+                        <a:rPr lang="en-GB" sz="1100" b="0" i="0" u="none" strike="noStrike">
+                          <a:solidFill>
+                            <a:srgbClr val="000000"/>
+                          </a:solidFill>
+                          <a:effectLst/>
+                          <a:latin typeface="Calibri" panose="020F0502020204030204" pitchFamily="34" charset="0"/>
+                        </a:rPr>
+                        <a:t>C/T</a:t>
+                      </a:r>
+                    </a:p>
+                  </a:txBody>
+                  <a:tcPr marL="7620" marR="7620" marT="7620" marB="0" anchor="b"/>
+                </a:tc>
+                <a:extLst>
+                  <a:ext uri="{0D108BD9-81ED-4DB2-BD59-A6C34878D82A}">
+                    <a16:rowId xmlns:a16="http://schemas.microsoft.com/office/drawing/2014/main" val="280472112"/>
+                  </a:ext>
+                </a:extLst>
+              </a:tr>
+              <a:tr h="403412">
+                <a:tc>
+                  <a:txBody>
+                    <a:bodyPr/>
+                    <a:lstStyle/>
+                    <a:p>
+                      <a:pPr algn="l" fontAlgn="b"/>
+                      <a:r>
+                        <a:rPr lang="en-GB" sz="1100" b="0" i="0" u="none" strike="noStrike">
+                          <a:solidFill>
+                            <a:srgbClr val="000000"/>
+                          </a:solidFill>
+                          <a:effectLst/>
+                          <a:latin typeface="Calibri" panose="020F0502020204030204" pitchFamily="34" charset="0"/>
+                        </a:rPr>
+                        <a:t>chr19:6641765</a:t>
+                      </a:r>
+                    </a:p>
+                  </a:txBody>
+                  <a:tcPr marL="7620" marR="7620" marT="7620" marB="0" anchor="b"/>
+                </a:tc>
+                <a:tc>
+                  <a:txBody>
+                    <a:bodyPr/>
+                    <a:lstStyle/>
+                    <a:p>
+                      <a:pPr algn="l" fontAlgn="b"/>
+                      <a:r>
+                        <a:rPr lang="en-GB" sz="1100" b="0" i="0" u="none" strike="noStrike">
+                          <a:solidFill>
+                            <a:srgbClr val="000000"/>
+                          </a:solidFill>
+                          <a:effectLst/>
+                          <a:latin typeface="Calibri" panose="020F0502020204030204" pitchFamily="34" charset="0"/>
+                        </a:rPr>
+                        <a:t>rs56029314</a:t>
+                      </a:r>
+                    </a:p>
+                  </a:txBody>
+                  <a:tcPr marL="7620" marR="7620" marT="7620" marB="0" anchor="b"/>
+                </a:tc>
+                <a:tc>
+                  <a:txBody>
+                    <a:bodyPr/>
+                    <a:lstStyle/>
+                    <a:p>
+                      <a:pPr algn="l" fontAlgn="b"/>
+                      <a:r>
+                        <a:rPr lang="en-GB" sz="1100" b="0" i="0" u="none" strike="noStrike">
+                          <a:solidFill>
+                            <a:srgbClr val="000000"/>
+                          </a:solidFill>
+                          <a:effectLst/>
+                          <a:latin typeface="Calibri" panose="020F0502020204030204" pitchFamily="34" charset="0"/>
+                        </a:rPr>
+                        <a:t>chr19:6641765</a:t>
+                      </a:r>
+                    </a:p>
+                  </a:txBody>
+                  <a:tcPr marL="7620" marR="7620" marT="7620" marB="0" anchor="b"/>
+                </a:tc>
+                <a:tc>
+                  <a:txBody>
+                    <a:bodyPr/>
+                    <a:lstStyle/>
+                    <a:p>
+                      <a:pPr algn="l" fontAlgn="b"/>
+                      <a:r>
+                        <a:rPr lang="en-GB" sz="1100" b="0" i="0" u="none" strike="noStrike">
+                          <a:solidFill>
+                            <a:srgbClr val="000000"/>
+                          </a:solidFill>
+                          <a:effectLst/>
+                          <a:latin typeface="Calibri" panose="020F0502020204030204" pitchFamily="34" charset="0"/>
+                        </a:rPr>
+                        <a:t>C/T</a:t>
+                      </a:r>
+                    </a:p>
+                  </a:txBody>
+                  <a:tcPr marL="7620" marR="7620" marT="7620" marB="0" anchor="b"/>
+                </a:tc>
+                <a:extLst>
+                  <a:ext uri="{0D108BD9-81ED-4DB2-BD59-A6C34878D82A}">
+                    <a16:rowId xmlns:a16="http://schemas.microsoft.com/office/drawing/2014/main" val="1016826138"/>
+                  </a:ext>
+                </a:extLst>
+              </a:tr>
+              <a:tr h="403412">
+                <a:tc>
+                  <a:txBody>
+                    <a:bodyPr/>
+                    <a:lstStyle/>
+                    <a:p>
+                      <a:pPr algn="l" fontAlgn="b"/>
+                      <a:r>
+                        <a:rPr lang="en-GB" sz="1100" b="0" i="0" u="none" strike="noStrike" dirty="0">
+                          <a:solidFill>
+                            <a:srgbClr val="000000"/>
+                          </a:solidFill>
+                          <a:effectLst/>
+                          <a:latin typeface="Calibri" panose="020F0502020204030204" pitchFamily="34" charset="0"/>
+                        </a:rPr>
+                        <a:t>chr19:6665020</a:t>
+                      </a:r>
+                    </a:p>
+                  </a:txBody>
+                  <a:tcPr marL="7620" marR="7620" marT="7620" marB="0" anchor="b"/>
+                </a:tc>
+                <a:tc>
+                  <a:txBody>
+                    <a:bodyPr/>
+                    <a:lstStyle/>
+                    <a:p>
+                      <a:pPr algn="l" fontAlgn="b"/>
+                      <a:r>
+                        <a:rPr lang="en-GB" sz="1100" b="0" i="0" u="none" strike="noStrike">
+                          <a:solidFill>
+                            <a:srgbClr val="000000"/>
+                          </a:solidFill>
+                          <a:effectLst/>
+                          <a:latin typeface="Calibri" panose="020F0502020204030204" pitchFamily="34" charset="0"/>
+                        </a:rPr>
+                        <a:t>rs344560</a:t>
+                      </a:r>
+                    </a:p>
+                  </a:txBody>
+                  <a:tcPr marL="7620" marR="7620" marT="7620" marB="0" anchor="b"/>
+                </a:tc>
+                <a:tc>
+                  <a:txBody>
+                    <a:bodyPr/>
+                    <a:lstStyle/>
+                    <a:p>
+                      <a:pPr algn="l" fontAlgn="b"/>
+                      <a:r>
+                        <a:rPr lang="en-GB" sz="1100" b="0" i="0" u="none" strike="noStrike">
+                          <a:solidFill>
+                            <a:srgbClr val="000000"/>
+                          </a:solidFill>
+                          <a:effectLst/>
+                          <a:latin typeface="Calibri" panose="020F0502020204030204" pitchFamily="34" charset="0"/>
+                        </a:rPr>
+                        <a:t>chr19:6665020</a:t>
+                      </a:r>
+                    </a:p>
+                  </a:txBody>
+                  <a:tcPr marL="7620" marR="7620" marT="7620" marB="0" anchor="b"/>
+                </a:tc>
+                <a:tc>
+                  <a:txBody>
+                    <a:bodyPr/>
+                    <a:lstStyle/>
+                    <a:p>
+                      <a:pPr algn="l" fontAlgn="b"/>
+                      <a:r>
+                        <a:rPr lang="en-GB" sz="1100" b="0" i="0" u="none" strike="noStrike">
+                          <a:solidFill>
+                            <a:srgbClr val="000000"/>
+                          </a:solidFill>
+                          <a:effectLst/>
+                          <a:latin typeface="Calibri" panose="020F0502020204030204" pitchFamily="34" charset="0"/>
+                        </a:rPr>
+                        <a:t>T/C</a:t>
+                      </a:r>
+                    </a:p>
+                  </a:txBody>
+                  <a:tcPr marL="7620" marR="7620" marT="7620" marB="0" anchor="b"/>
+                </a:tc>
+                <a:extLst>
+                  <a:ext uri="{0D108BD9-81ED-4DB2-BD59-A6C34878D82A}">
+                    <a16:rowId xmlns:a16="http://schemas.microsoft.com/office/drawing/2014/main" val="3637693929"/>
+                  </a:ext>
+                </a:extLst>
+              </a:tr>
+              <a:tr h="403412">
+                <a:tc>
+                  <a:txBody>
+                    <a:bodyPr/>
+                    <a:lstStyle/>
+                    <a:p>
+                      <a:pPr algn="l" fontAlgn="b"/>
+                      <a:r>
+                        <a:rPr lang="en-GB" sz="1100" b="0" i="0" u="none" strike="noStrike">
+                          <a:solidFill>
+                            <a:srgbClr val="000000"/>
+                          </a:solidFill>
+                          <a:effectLst/>
+                          <a:latin typeface="Calibri" panose="020F0502020204030204" pitchFamily="34" charset="0"/>
+                        </a:rPr>
+                        <a:t>chr19:6673889</a:t>
+                      </a:r>
+                    </a:p>
+                  </a:txBody>
+                  <a:tcPr marL="7620" marR="7620" marT="7620" marB="0" anchor="b"/>
+                </a:tc>
+                <a:tc>
+                  <a:txBody>
+                    <a:bodyPr/>
+                    <a:lstStyle/>
+                    <a:p>
+                      <a:pPr algn="l" fontAlgn="b"/>
+                      <a:r>
+                        <a:rPr lang="en-GB" sz="1100" b="0" i="0" u="none" strike="noStrike">
+                          <a:solidFill>
+                            <a:srgbClr val="000000"/>
+                          </a:solidFill>
+                          <a:effectLst/>
+                          <a:latin typeface="Calibri" panose="020F0502020204030204" pitchFamily="34" charset="0"/>
+                        </a:rPr>
+                        <a:t>rs6510917</a:t>
+                      </a:r>
+                    </a:p>
+                  </a:txBody>
+                  <a:tcPr marL="7620" marR="7620" marT="7620" marB="0" anchor="b"/>
+                </a:tc>
+                <a:tc>
+                  <a:txBody>
+                    <a:bodyPr/>
+                    <a:lstStyle/>
+                    <a:p>
+                      <a:pPr algn="l" fontAlgn="b"/>
+                      <a:r>
+                        <a:rPr lang="en-GB" sz="1100" b="0" i="0" u="none" strike="noStrike" dirty="0">
+                          <a:solidFill>
+                            <a:srgbClr val="000000"/>
+                          </a:solidFill>
+                          <a:effectLst/>
+                          <a:latin typeface="Calibri" panose="020F0502020204030204" pitchFamily="34" charset="0"/>
+                        </a:rPr>
+                        <a:t>chr19:6673889</a:t>
+                      </a:r>
+                    </a:p>
+                  </a:txBody>
+                  <a:tcPr marL="7620" marR="7620" marT="7620" marB="0" anchor="b"/>
+                </a:tc>
+                <a:tc>
+                  <a:txBody>
+                    <a:bodyPr/>
+                    <a:lstStyle/>
+                    <a:p>
+                      <a:pPr algn="l" fontAlgn="b"/>
+                      <a:r>
+                        <a:rPr lang="en-GB" sz="1100" b="0" i="0" u="none" strike="noStrike">
+                          <a:solidFill>
+                            <a:srgbClr val="000000"/>
+                          </a:solidFill>
+                          <a:effectLst/>
+                          <a:latin typeface="Calibri" panose="020F0502020204030204" pitchFamily="34" charset="0"/>
+                        </a:rPr>
+                        <a:t>A/G</a:t>
+                      </a:r>
+                    </a:p>
+                  </a:txBody>
+                  <a:tcPr marL="7620" marR="7620" marT="7620" marB="0" anchor="b"/>
+                </a:tc>
+                <a:extLst>
+                  <a:ext uri="{0D108BD9-81ED-4DB2-BD59-A6C34878D82A}">
+                    <a16:rowId xmlns:a16="http://schemas.microsoft.com/office/drawing/2014/main" val="3168733370"/>
+                  </a:ext>
+                </a:extLst>
+              </a:tr>
+              <a:tr h="403412">
+                <a:tc>
+                  <a:txBody>
+                    <a:bodyPr/>
+                    <a:lstStyle/>
+                    <a:p>
+                      <a:pPr algn="l" fontAlgn="b"/>
+                      <a:r>
+                        <a:rPr lang="en-GB" sz="1100" b="0" i="0" u="none" strike="noStrike">
+                          <a:solidFill>
+                            <a:srgbClr val="000000"/>
+                          </a:solidFill>
+                          <a:effectLst/>
+                          <a:latin typeface="Calibri" panose="020F0502020204030204" pitchFamily="34" charset="0"/>
+                        </a:rPr>
+                        <a:t>chr19:6704670</a:t>
+                      </a:r>
+                    </a:p>
+                  </a:txBody>
+                  <a:tcPr marL="7620" marR="7620" marT="7620" marB="0" anchor="b"/>
+                </a:tc>
+                <a:tc>
+                  <a:txBody>
+                    <a:bodyPr/>
+                    <a:lstStyle/>
+                    <a:p>
+                      <a:pPr algn="l" fontAlgn="b"/>
+                      <a:r>
+                        <a:rPr lang="en-GB" sz="1100" b="0" i="0" u="none" strike="noStrike">
+                          <a:solidFill>
+                            <a:srgbClr val="000000"/>
+                          </a:solidFill>
+                          <a:effectLst/>
+                          <a:latin typeface="Calibri" panose="020F0502020204030204" pitchFamily="34" charset="0"/>
+                        </a:rPr>
+                        <a:t>rs11085195</a:t>
+                      </a:r>
+                    </a:p>
+                  </a:txBody>
+                  <a:tcPr marL="7620" marR="7620" marT="7620" marB="0" anchor="b"/>
+                </a:tc>
+                <a:tc>
+                  <a:txBody>
+                    <a:bodyPr/>
+                    <a:lstStyle/>
+                    <a:p>
+                      <a:pPr algn="l" fontAlgn="b"/>
+                      <a:r>
+                        <a:rPr lang="en-GB" sz="1100" b="0" i="0" u="none" strike="noStrike">
+                          <a:solidFill>
+                            <a:srgbClr val="000000"/>
+                          </a:solidFill>
+                          <a:effectLst/>
+                          <a:latin typeface="Calibri" panose="020F0502020204030204" pitchFamily="34" charset="0"/>
+                        </a:rPr>
+                        <a:t>chr19:6704670</a:t>
+                      </a:r>
+                    </a:p>
+                  </a:txBody>
+                  <a:tcPr marL="7620" marR="7620" marT="7620" marB="0" anchor="b"/>
+                </a:tc>
+                <a:tc>
+                  <a:txBody>
+                    <a:bodyPr/>
+                    <a:lstStyle/>
+                    <a:p>
+                      <a:pPr algn="l" fontAlgn="b"/>
+                      <a:r>
+                        <a:rPr lang="en-GB" sz="1100" b="0" i="0" u="none" strike="noStrike">
+                          <a:solidFill>
+                            <a:srgbClr val="000000"/>
+                          </a:solidFill>
+                          <a:effectLst/>
+                          <a:latin typeface="Calibri" panose="020F0502020204030204" pitchFamily="34" charset="0"/>
+                        </a:rPr>
+                        <a:t>T/C</a:t>
+                      </a:r>
+                    </a:p>
+                  </a:txBody>
+                  <a:tcPr marL="7620" marR="7620" marT="7620" marB="0" anchor="b"/>
+                </a:tc>
+                <a:extLst>
+                  <a:ext uri="{0D108BD9-81ED-4DB2-BD59-A6C34878D82A}">
+                    <a16:rowId xmlns:a16="http://schemas.microsoft.com/office/drawing/2014/main" val="1391176935"/>
+                  </a:ext>
+                </a:extLst>
+              </a:tr>
+              <a:tr h="403412">
+                <a:tc>
+                  <a:txBody>
+                    <a:bodyPr/>
+                    <a:lstStyle/>
+                    <a:p>
+                      <a:pPr algn="l" fontAlgn="b"/>
+                      <a:r>
+                        <a:rPr lang="en-GB" sz="1100" b="0" i="0" u="none" strike="noStrike">
+                          <a:solidFill>
+                            <a:srgbClr val="000000"/>
+                          </a:solidFill>
+                          <a:effectLst/>
+                          <a:latin typeface="Calibri" panose="020F0502020204030204" pitchFamily="34" charset="0"/>
+                        </a:rPr>
+                        <a:t>chr19:8094596</a:t>
+                      </a:r>
+                    </a:p>
+                  </a:txBody>
+                  <a:tcPr marL="7620" marR="7620" marT="7620" marB="0" anchor="b"/>
+                </a:tc>
+                <a:tc>
+                  <a:txBody>
+                    <a:bodyPr/>
+                    <a:lstStyle/>
+                    <a:p>
+                      <a:pPr algn="l" fontAlgn="b"/>
+                      <a:r>
+                        <a:rPr lang="en-GB" sz="1100" b="0" i="0" u="none" strike="noStrike">
+                          <a:solidFill>
+                            <a:srgbClr val="000000"/>
+                          </a:solidFill>
+                          <a:effectLst/>
+                          <a:latin typeface="Calibri" panose="020F0502020204030204" pitchFamily="34" charset="0"/>
+                        </a:rPr>
+                        <a:t>rs142682195</a:t>
+                      </a:r>
+                    </a:p>
+                  </a:txBody>
+                  <a:tcPr marL="7620" marR="7620" marT="7620" marB="0" anchor="b"/>
+                </a:tc>
+                <a:tc>
+                  <a:txBody>
+                    <a:bodyPr/>
+                    <a:lstStyle/>
+                    <a:p>
+                      <a:pPr algn="l" fontAlgn="b"/>
+                      <a:r>
+                        <a:rPr lang="en-GB" sz="1100" b="0" i="0" u="none" strike="noStrike">
+                          <a:solidFill>
+                            <a:srgbClr val="000000"/>
+                          </a:solidFill>
+                          <a:effectLst/>
+                          <a:latin typeface="Calibri" panose="020F0502020204030204" pitchFamily="34" charset="0"/>
+                        </a:rPr>
+                        <a:t>chr19:8094596</a:t>
+                      </a:r>
+                    </a:p>
+                  </a:txBody>
+                  <a:tcPr marL="7620" marR="7620" marT="7620" marB="0" anchor="b"/>
+                </a:tc>
+                <a:tc>
+                  <a:txBody>
+                    <a:bodyPr/>
+                    <a:lstStyle/>
+                    <a:p>
+                      <a:pPr algn="l" fontAlgn="b"/>
+                      <a:r>
+                        <a:rPr lang="en-GB" sz="1100" b="0" i="0" u="none" strike="noStrike">
+                          <a:solidFill>
+                            <a:srgbClr val="000000"/>
+                          </a:solidFill>
+                          <a:effectLst/>
+                          <a:latin typeface="Calibri" panose="020F0502020204030204" pitchFamily="34" charset="0"/>
+                        </a:rPr>
+                        <a:t>A/G</a:t>
+                      </a:r>
+                    </a:p>
+                  </a:txBody>
+                  <a:tcPr marL="7620" marR="7620" marT="7620" marB="0" anchor="b"/>
+                </a:tc>
+                <a:extLst>
+                  <a:ext uri="{0D108BD9-81ED-4DB2-BD59-A6C34878D82A}">
+                    <a16:rowId xmlns:a16="http://schemas.microsoft.com/office/drawing/2014/main" val="522236567"/>
+                  </a:ext>
+                </a:extLst>
+              </a:tr>
+              <a:tr h="403412">
+                <a:tc>
+                  <a:txBody>
+                    <a:bodyPr/>
+                    <a:lstStyle/>
+                    <a:p>
+                      <a:pPr algn="l" fontAlgn="b"/>
+                      <a:r>
+                        <a:rPr lang="en-GB" sz="1100" b="0" i="0" u="none" strike="noStrike">
+                          <a:solidFill>
+                            <a:srgbClr val="000000"/>
+                          </a:solidFill>
+                          <a:effectLst/>
+                          <a:latin typeface="Calibri" panose="020F0502020204030204" pitchFamily="34" charset="0"/>
+                        </a:rPr>
+                        <a:t>chr19:8120283</a:t>
+                      </a:r>
+                    </a:p>
+                  </a:txBody>
+                  <a:tcPr marL="7620" marR="7620" marT="7620" marB="0" anchor="b"/>
+                </a:tc>
+                <a:tc>
+                  <a:txBody>
+                    <a:bodyPr/>
+                    <a:lstStyle/>
+                    <a:p>
+                      <a:pPr algn="l" fontAlgn="b"/>
+                      <a:r>
+                        <a:rPr lang="en-GB" sz="1100" b="0" i="0" u="none" strike="noStrike">
+                          <a:solidFill>
+                            <a:srgbClr val="000000"/>
+                          </a:solidFill>
+                          <a:effectLst/>
+                          <a:latin typeface="Calibri" panose="020F0502020204030204" pitchFamily="34" charset="0"/>
+                        </a:rPr>
+                        <a:t>chr19:8120283</a:t>
+                      </a:r>
+                    </a:p>
+                  </a:txBody>
+                  <a:tcPr marL="7620" marR="7620" marT="7620" marB="0" anchor="b"/>
+                </a:tc>
+                <a:tc>
+                  <a:txBody>
+                    <a:bodyPr/>
+                    <a:lstStyle/>
+                    <a:p>
+                      <a:pPr algn="l" fontAlgn="b"/>
+                      <a:r>
+                        <a:rPr lang="en-GB" sz="1100" b="0" i="0" u="none" strike="noStrike">
+                          <a:solidFill>
+                            <a:srgbClr val="000000"/>
+                          </a:solidFill>
+                          <a:effectLst/>
+                          <a:latin typeface="Calibri" panose="020F0502020204030204" pitchFamily="34" charset="0"/>
+                        </a:rPr>
+                        <a:t>chr19:8120283</a:t>
+                      </a:r>
+                    </a:p>
+                  </a:txBody>
+                  <a:tcPr marL="7620" marR="7620" marT="7620" marB="0" anchor="b"/>
+                </a:tc>
+                <a:tc>
+                  <a:txBody>
+                    <a:bodyPr/>
+                    <a:lstStyle/>
+                    <a:p>
+                      <a:pPr algn="l" fontAlgn="b"/>
+                      <a:r>
+                        <a:rPr lang="en-GB" sz="1100" b="0" i="0" u="none" strike="noStrike">
+                          <a:solidFill>
+                            <a:srgbClr val="000000"/>
+                          </a:solidFill>
+                          <a:effectLst/>
+                          <a:latin typeface="Calibri" panose="020F0502020204030204" pitchFamily="34" charset="0"/>
+                        </a:rPr>
+                        <a:t>NA</a:t>
+                      </a:r>
+                    </a:p>
+                  </a:txBody>
+                  <a:tcPr marL="7620" marR="7620" marT="7620" marB="0" anchor="b"/>
+                </a:tc>
+                <a:extLst>
+                  <a:ext uri="{0D108BD9-81ED-4DB2-BD59-A6C34878D82A}">
+                    <a16:rowId xmlns:a16="http://schemas.microsoft.com/office/drawing/2014/main" val="1643906254"/>
+                  </a:ext>
+                </a:extLst>
+              </a:tr>
+              <a:tr h="403412">
+                <a:tc>
+                  <a:txBody>
+                    <a:bodyPr/>
+                    <a:lstStyle/>
+                    <a:p>
+                      <a:pPr algn="l" fontAlgn="b"/>
+                      <a:r>
+                        <a:rPr lang="en-GB" sz="1100" b="0" i="0" u="none" strike="noStrike">
+                          <a:solidFill>
+                            <a:srgbClr val="000000"/>
+                          </a:solidFill>
+                          <a:effectLst/>
+                          <a:latin typeface="Calibri" panose="020F0502020204030204" pitchFamily="34" charset="0"/>
+                        </a:rPr>
+                        <a:t>chr19:13181330</a:t>
+                      </a:r>
+                    </a:p>
+                  </a:txBody>
+                  <a:tcPr marL="7620" marR="7620" marT="7620" marB="0" anchor="b"/>
+                </a:tc>
+                <a:tc>
+                  <a:txBody>
+                    <a:bodyPr/>
+                    <a:lstStyle/>
+                    <a:p>
+                      <a:pPr algn="l" fontAlgn="b"/>
+                      <a:r>
+                        <a:rPr lang="en-GB" sz="1100" b="0" i="0" u="none" strike="noStrike">
+                          <a:solidFill>
+                            <a:srgbClr val="000000"/>
+                          </a:solidFill>
+                          <a:effectLst/>
+                          <a:latin typeface="Calibri" panose="020F0502020204030204" pitchFamily="34" charset="0"/>
+                        </a:rPr>
+                        <a:t>chr19:13181330</a:t>
+                      </a:r>
+                    </a:p>
+                  </a:txBody>
+                  <a:tcPr marL="7620" marR="7620" marT="7620" marB="0" anchor="b"/>
+                </a:tc>
+                <a:tc>
+                  <a:txBody>
+                    <a:bodyPr/>
+                    <a:lstStyle/>
+                    <a:p>
+                      <a:pPr algn="l" fontAlgn="b"/>
+                      <a:r>
+                        <a:rPr lang="en-GB" sz="1100" b="0" i="0" u="none" strike="noStrike">
+                          <a:solidFill>
+                            <a:srgbClr val="000000"/>
+                          </a:solidFill>
+                          <a:effectLst/>
+                          <a:latin typeface="Calibri" panose="020F0502020204030204" pitchFamily="34" charset="0"/>
+                        </a:rPr>
+                        <a:t>chr19:13181330</a:t>
+                      </a:r>
+                    </a:p>
+                  </a:txBody>
+                  <a:tcPr marL="7620" marR="7620" marT="7620" marB="0" anchor="b"/>
+                </a:tc>
+                <a:tc>
+                  <a:txBody>
+                    <a:bodyPr/>
+                    <a:lstStyle/>
+                    <a:p>
+                      <a:pPr algn="l" fontAlgn="b"/>
+                      <a:r>
+                        <a:rPr lang="en-GB" sz="1100" b="0" i="0" u="none" strike="noStrike">
+                          <a:solidFill>
+                            <a:srgbClr val="000000"/>
+                          </a:solidFill>
+                          <a:effectLst/>
+                          <a:latin typeface="Calibri" panose="020F0502020204030204" pitchFamily="34" charset="0"/>
+                        </a:rPr>
+                        <a:t>NA</a:t>
+                      </a:r>
+                    </a:p>
+                  </a:txBody>
+                  <a:tcPr marL="7620" marR="7620" marT="7620" marB="0" anchor="b"/>
+                </a:tc>
+                <a:extLst>
+                  <a:ext uri="{0D108BD9-81ED-4DB2-BD59-A6C34878D82A}">
+                    <a16:rowId xmlns:a16="http://schemas.microsoft.com/office/drawing/2014/main" val="830810826"/>
+                  </a:ext>
+                </a:extLst>
+              </a:tr>
+              <a:tr h="403412">
+                <a:tc>
+                  <a:txBody>
+                    <a:bodyPr/>
+                    <a:lstStyle/>
+                    <a:p>
+                      <a:pPr algn="l" fontAlgn="b"/>
+                      <a:r>
+                        <a:rPr lang="en-GB" sz="1100" b="0" i="0" u="none" strike="noStrike">
+                          <a:solidFill>
+                            <a:srgbClr val="000000"/>
+                          </a:solidFill>
+                          <a:effectLst/>
+                          <a:latin typeface="Calibri" panose="020F0502020204030204" pitchFamily="34" charset="0"/>
+                        </a:rPr>
+                        <a:t>chr19:14165598</a:t>
+                      </a:r>
+                    </a:p>
+                  </a:txBody>
+                  <a:tcPr marL="7620" marR="7620" marT="7620" marB="0" anchor="b"/>
+                </a:tc>
+                <a:tc>
+                  <a:txBody>
+                    <a:bodyPr/>
+                    <a:lstStyle/>
+                    <a:p>
+                      <a:pPr algn="l" fontAlgn="b"/>
+                      <a:r>
+                        <a:rPr lang="en-GB" sz="1100" b="0" i="0" u="none" strike="noStrike">
+                          <a:solidFill>
+                            <a:srgbClr val="000000"/>
+                          </a:solidFill>
+                          <a:effectLst/>
+                          <a:latin typeface="Calibri" panose="020F0502020204030204" pitchFamily="34" charset="0"/>
+                        </a:rPr>
+                        <a:t>rs56361194</a:t>
+                      </a:r>
+                    </a:p>
+                  </a:txBody>
+                  <a:tcPr marL="7620" marR="7620" marT="7620" marB="0" anchor="b"/>
+                </a:tc>
+                <a:tc>
+                  <a:txBody>
+                    <a:bodyPr/>
+                    <a:lstStyle/>
+                    <a:p>
+                      <a:pPr algn="l" fontAlgn="b"/>
+                      <a:r>
+                        <a:rPr lang="en-GB" sz="1100" b="0" i="0" u="none" strike="noStrike">
+                          <a:solidFill>
+                            <a:srgbClr val="000000"/>
+                          </a:solidFill>
+                          <a:effectLst/>
+                          <a:latin typeface="Calibri" panose="020F0502020204030204" pitchFamily="34" charset="0"/>
+                        </a:rPr>
+                        <a:t>chr19:14165598</a:t>
+                      </a:r>
+                    </a:p>
+                  </a:txBody>
+                  <a:tcPr marL="7620" marR="7620" marT="7620" marB="0" anchor="b"/>
+                </a:tc>
+                <a:tc>
+                  <a:txBody>
+                    <a:bodyPr/>
+                    <a:lstStyle/>
+                    <a:p>
+                      <a:pPr algn="l" fontAlgn="b"/>
+                      <a:r>
+                        <a:rPr lang="en-GB" sz="1100" b="0" i="0" u="none" strike="noStrike">
+                          <a:solidFill>
+                            <a:srgbClr val="000000"/>
+                          </a:solidFill>
+                          <a:effectLst/>
+                          <a:latin typeface="Calibri" panose="020F0502020204030204" pitchFamily="34" charset="0"/>
+                        </a:rPr>
+                        <a:t>C/T</a:t>
+                      </a:r>
+                    </a:p>
+                  </a:txBody>
+                  <a:tcPr marL="7620" marR="7620" marT="7620" marB="0" anchor="b"/>
+                </a:tc>
+                <a:extLst>
+                  <a:ext uri="{0D108BD9-81ED-4DB2-BD59-A6C34878D82A}">
+                    <a16:rowId xmlns:a16="http://schemas.microsoft.com/office/drawing/2014/main" val="1195124701"/>
+                  </a:ext>
+                </a:extLst>
+              </a:tr>
+              <a:tr h="403412">
+                <a:tc>
+                  <a:txBody>
+                    <a:bodyPr/>
+                    <a:lstStyle/>
+                    <a:p>
+                      <a:pPr algn="l" fontAlgn="b"/>
+                      <a:r>
+                        <a:rPr lang="en-GB" sz="1100" b="0" i="0" u="none" strike="noStrike">
+                          <a:solidFill>
+                            <a:srgbClr val="000000"/>
+                          </a:solidFill>
+                          <a:effectLst/>
+                          <a:latin typeface="Calibri" panose="020F0502020204030204" pitchFamily="34" charset="0"/>
+                        </a:rPr>
+                        <a:t>chr19:22506594</a:t>
+                      </a:r>
+                    </a:p>
+                  </a:txBody>
+                  <a:tcPr marL="7620" marR="7620" marT="7620" marB="0" anchor="b"/>
+                </a:tc>
+                <a:tc>
+                  <a:txBody>
+                    <a:bodyPr/>
+                    <a:lstStyle/>
+                    <a:p>
+                      <a:pPr algn="l" fontAlgn="b"/>
+                      <a:r>
+                        <a:rPr lang="en-GB" sz="1100" b="0" i="0" u="none" strike="noStrike">
+                          <a:solidFill>
+                            <a:srgbClr val="000000"/>
+                          </a:solidFill>
+                          <a:effectLst/>
+                          <a:latin typeface="Calibri" panose="020F0502020204030204" pitchFamily="34" charset="0"/>
+                        </a:rPr>
+                        <a:t>rs193135521</a:t>
+                      </a:r>
+                    </a:p>
+                  </a:txBody>
+                  <a:tcPr marL="7620" marR="7620" marT="7620" marB="0" anchor="b"/>
+                </a:tc>
+                <a:tc>
+                  <a:txBody>
+                    <a:bodyPr/>
+                    <a:lstStyle/>
+                    <a:p>
+                      <a:pPr algn="l" fontAlgn="b"/>
+                      <a:r>
+                        <a:rPr lang="en-GB" sz="1100" b="0" i="0" u="none" strike="noStrike">
+                          <a:solidFill>
+                            <a:srgbClr val="000000"/>
+                          </a:solidFill>
+                          <a:effectLst/>
+                          <a:latin typeface="Calibri" panose="020F0502020204030204" pitchFamily="34" charset="0"/>
+                        </a:rPr>
+                        <a:t>chr19:22506594</a:t>
+                      </a:r>
+                    </a:p>
+                  </a:txBody>
+                  <a:tcPr marL="7620" marR="7620" marT="7620" marB="0" anchor="b"/>
+                </a:tc>
+                <a:tc>
+                  <a:txBody>
+                    <a:bodyPr/>
+                    <a:lstStyle/>
+                    <a:p>
+                      <a:pPr algn="l" fontAlgn="b"/>
+                      <a:r>
+                        <a:rPr lang="en-GB" sz="1100" b="0" i="0" u="none" strike="noStrike">
+                          <a:solidFill>
+                            <a:srgbClr val="000000"/>
+                          </a:solidFill>
+                          <a:effectLst/>
+                          <a:latin typeface="Calibri" panose="020F0502020204030204" pitchFamily="34" charset="0"/>
+                        </a:rPr>
+                        <a:t>A/G</a:t>
+                      </a:r>
+                    </a:p>
+                  </a:txBody>
+                  <a:tcPr marL="7620" marR="7620" marT="7620" marB="0" anchor="b"/>
+                </a:tc>
+                <a:extLst>
+                  <a:ext uri="{0D108BD9-81ED-4DB2-BD59-A6C34878D82A}">
+                    <a16:rowId xmlns:a16="http://schemas.microsoft.com/office/drawing/2014/main" val="1314175112"/>
+                  </a:ext>
+                </a:extLst>
+              </a:tr>
+              <a:tr h="403412">
+                <a:tc>
+                  <a:txBody>
+                    <a:bodyPr/>
+                    <a:lstStyle/>
+                    <a:p>
+                      <a:pPr algn="l" fontAlgn="b"/>
+                      <a:r>
+                        <a:rPr lang="en-GB" sz="1100" b="0" i="0" u="none" strike="noStrike" dirty="0">
+                          <a:solidFill>
+                            <a:srgbClr val="000000"/>
+                          </a:solidFill>
+                          <a:effectLst/>
+                          <a:latin typeface="Calibri" panose="020F0502020204030204" pitchFamily="34" charset="0"/>
+                        </a:rPr>
+                        <a:t>chr19:54324995</a:t>
+                      </a:r>
+                    </a:p>
+                  </a:txBody>
+                  <a:tcPr marL="7620" marR="7620" marT="7620" marB="0" anchor="b"/>
+                </a:tc>
+                <a:tc>
+                  <a:txBody>
+                    <a:bodyPr/>
+                    <a:lstStyle/>
+                    <a:p>
+                      <a:pPr algn="l" fontAlgn="b"/>
+                      <a:r>
+                        <a:rPr lang="en-GB" sz="1100" b="0" i="0" u="none" strike="noStrike">
+                          <a:solidFill>
+                            <a:srgbClr val="000000"/>
+                          </a:solidFill>
+                          <a:effectLst/>
+                          <a:latin typeface="Calibri" panose="020F0502020204030204" pitchFamily="34" charset="0"/>
+                        </a:rPr>
+                        <a:t>rs4632248</a:t>
+                      </a:r>
+                    </a:p>
+                  </a:txBody>
+                  <a:tcPr marL="7620" marR="7620" marT="7620" marB="0" anchor="b"/>
+                </a:tc>
+                <a:tc>
+                  <a:txBody>
+                    <a:bodyPr/>
+                    <a:lstStyle/>
+                    <a:p>
+                      <a:pPr algn="l" fontAlgn="b"/>
+                      <a:r>
+                        <a:rPr lang="en-GB" sz="1100" b="0" i="0" u="none" strike="noStrike">
+                          <a:solidFill>
+                            <a:srgbClr val="000000"/>
+                          </a:solidFill>
+                          <a:effectLst/>
+                          <a:latin typeface="Calibri" panose="020F0502020204030204" pitchFamily="34" charset="0"/>
+                        </a:rPr>
+                        <a:t>chr19:54324995</a:t>
+                      </a:r>
+                    </a:p>
+                  </a:txBody>
+                  <a:tcPr marL="7620" marR="7620" marT="7620" marB="0" anchor="b"/>
+                </a:tc>
+                <a:tc>
+                  <a:txBody>
+                    <a:bodyPr/>
+                    <a:lstStyle/>
+                    <a:p>
+                      <a:pPr algn="l" fontAlgn="b"/>
+                      <a:r>
+                        <a:rPr lang="en-GB" sz="1100" b="0" i="0" u="none" strike="noStrike" dirty="0">
+                          <a:solidFill>
+                            <a:srgbClr val="000000"/>
+                          </a:solidFill>
+                          <a:effectLst/>
+                          <a:latin typeface="Calibri" panose="020F0502020204030204" pitchFamily="34" charset="0"/>
+                        </a:rPr>
+                        <a:t>G/T</a:t>
+                      </a:r>
+                    </a:p>
+                  </a:txBody>
+                  <a:tcPr marL="7620" marR="7620" marT="7620" marB="0" anchor="b"/>
+                </a:tc>
+                <a:extLst>
+                  <a:ext uri="{0D108BD9-81ED-4DB2-BD59-A6C34878D82A}">
+                    <a16:rowId xmlns:a16="http://schemas.microsoft.com/office/drawing/2014/main" val="964284980"/>
+                  </a:ext>
+                </a:extLst>
+              </a:tr>
+            </a:tbl>
+          </a:graphicData>
+        </a:graphic>
+      </p:graphicFrame>
+    </p:spTree>
+    <p:extLst>
+      <p:ext uri="{BB962C8B-B14F-4D97-AF65-F5344CB8AC3E}">
+        <p14:creationId xmlns:p14="http://schemas.microsoft.com/office/powerpoint/2010/main" val="1015306248"/>
+      </p:ext>
+    </p:extLst>
+  </p:cSld>
+  <p:clrMapOvr>
+    <a:masterClrMapping/>
+  </p:clrMapOvr>
+</p:sld>
+</file>
+
+<file path=ppt/slides/slide11.xml><?xml version="1.0" encoding="utf-8"?>
+<p:sld xmlns:a="http://schemas.openxmlformats.org/drawingml/2006/main" xmlns:r="http://schemas.openxmlformats.org/officeDocument/2006/relationships" xmlns:p="http://schemas.openxmlformats.org/presentationml/2006/main">
+  <p:cSld>
+    <p:spTree>
+      <p:nvGrpSpPr>
+        <p:cNvPr id="1" name=""/>
+        <p:cNvGrpSpPr/>
+        <p:nvPr/>
+      </p:nvGrpSpPr>
+      <p:grpSpPr>
+        <a:xfrm>
+          <a:off x="0" y="0"/>
+          <a:ext cx="0" cy="0"/>
+          <a:chOff x="0" y="0"/>
+          <a:chExt cx="0" cy="0"/>
+        </a:xfrm>
+      </p:grpSpPr>
+      <p:sp>
+        <p:nvSpPr>
+          <p:cNvPr id="2" name="Title 1">
+            <a:extLst>
+              <a:ext uri="{FF2B5EF4-FFF2-40B4-BE49-F238E27FC236}">
+                <a16:creationId xmlns:a16="http://schemas.microsoft.com/office/drawing/2014/main" id="{0B706D4B-56BB-4904-95C8-C7317B2F9042}"/>
+              </a:ext>
+            </a:extLst>
+          </p:cNvPr>
+          <p:cNvSpPr>
+            <a:spLocks noGrp="1"/>
+          </p:cNvSpPr>
+          <p:nvPr>
+            <p:ph type="title"/>
+          </p:nvPr>
+        </p:nvSpPr>
+        <p:spPr/>
+        <p:txBody>
+          <a:bodyPr/>
+          <a:lstStyle/>
+          <a:p>
+            <a:pPr algn="ctr"/>
+            <a:r>
+              <a:rPr lang="en-GB" b="1" dirty="0"/>
+              <a:t>Points</a:t>
+            </a:r>
+          </a:p>
+        </p:txBody>
+      </p:sp>
+      <p:sp>
+        <p:nvSpPr>
+          <p:cNvPr id="3" name="Content Placeholder 2">
+            <a:extLst>
+              <a:ext uri="{FF2B5EF4-FFF2-40B4-BE49-F238E27FC236}">
+                <a16:creationId xmlns:a16="http://schemas.microsoft.com/office/drawing/2014/main" id="{779C168B-FE2B-48BB-9F71-190FE784313F}"/>
+              </a:ext>
+            </a:extLst>
+          </p:cNvPr>
+          <p:cNvSpPr>
+            <a:spLocks noGrp="1"/>
+          </p:cNvSpPr>
+          <p:nvPr>
+            <p:ph idx="1"/>
+          </p:nvPr>
+        </p:nvSpPr>
+        <p:spPr/>
+        <p:txBody>
+          <a:bodyPr/>
+          <a:lstStyle/>
+          <a:p>
+            <a:r>
+              <a:rPr lang="en-GB" dirty="0"/>
+              <a:t>KORA individual level data analysis will be conducted.</a:t>
+            </a:r>
+          </a:p>
+          <a:p>
+            <a:r>
+              <a:rPr lang="en-GB" dirty="0"/>
+              <a:t>A couple of studies will be added.</a:t>
+            </a:r>
+          </a:p>
+          <a:p>
+            <a:r>
+              <a:rPr lang="en-GB" dirty="0"/>
+              <a:t>Additional information, esp. results from PLINK as noted in SCALLOP_INF_I_analysis_plan.md at the GitHub. This should help to use full information from the cohort </a:t>
+            </a:r>
+            <a:r>
+              <a:rPr lang="en-GB"/>
+              <a:t>summary statistics.</a:t>
+            </a:r>
+            <a:endParaRPr lang="en-GB" dirty="0"/>
+          </a:p>
+          <a:p>
+            <a:r>
+              <a:rPr lang="en-GB" dirty="0"/>
+              <a:t>Refined and downstream analysis, as the results shown were based on 1000Genomes extracted from </a:t>
+            </a:r>
+            <a:r>
+              <a:rPr lang="en-GB" dirty="0" err="1"/>
+              <a:t>LocusZoom</a:t>
+            </a:r>
+            <a:r>
+              <a:rPr lang="en-GB" dirty="0"/>
+              <a:t> 1.4 at </a:t>
+            </a:r>
+            <a:r>
+              <a:rPr lang="en-GB" dirty="0" err="1"/>
+              <a:t>tryggve</a:t>
+            </a:r>
+            <a:r>
+              <a:rPr lang="en-GB" dirty="0"/>
+              <a:t>.</a:t>
+            </a:r>
+          </a:p>
+        </p:txBody>
+      </p:sp>
+    </p:spTree>
+    <p:extLst>
+      <p:ext uri="{BB962C8B-B14F-4D97-AF65-F5344CB8AC3E}">
+        <p14:creationId xmlns:p14="http://schemas.microsoft.com/office/powerpoint/2010/main" val="435210134"/>
+      </p:ext>
+    </p:extLst>
+  </p:cSld>
+  <p:clrMapOvr>
+    <a:masterClrMapping/>
+  </p:clrMapOvr>
+</p:sld>
+</file>
+
+<file path=ppt/slides/slide2.xml><?xml version="1.0" encoding="utf-8"?>
+<p:sld xmlns:a="http://schemas.openxmlformats.org/drawingml/2006/main" xmlns:r="http://schemas.openxmlformats.org/officeDocument/2006/relationships" xmlns:p="http://schemas.openxmlformats.org/presentationml/2006/main">
+  <p:cSld>
+    <p:spTree>
+      <p:nvGrpSpPr>
+        <p:cNvPr id="1" name=""/>
+        <p:cNvGrpSpPr/>
+        <p:nvPr/>
+      </p:nvGrpSpPr>
+      <p:grpSpPr>
+        <a:xfrm>
+          <a:off x="0" y="0"/>
+          <a:ext cx="0" cy="0"/>
+          <a:chOff x="0" y="0"/>
+          <a:chExt cx="0" cy="0"/>
+        </a:xfrm>
+      </p:grpSpPr>
+      <p:sp>
+        <p:nvSpPr>
+          <p:cNvPr id="2" name="Title 1">
+            <a:extLst>
+              <a:ext uri="{FF2B5EF4-FFF2-40B4-BE49-F238E27FC236}">
+                <a16:creationId xmlns:a16="http://schemas.microsoft.com/office/drawing/2014/main" id="{1F69134D-F90E-41D5-9F55-4D96564E9B91}"/>
+              </a:ext>
+            </a:extLst>
+          </p:cNvPr>
+          <p:cNvSpPr>
+            <a:spLocks noGrp="1"/>
+          </p:cNvSpPr>
+          <p:nvPr>
+            <p:ph type="title"/>
+          </p:nvPr>
+        </p:nvSpPr>
+        <p:spPr/>
+        <p:txBody>
+          <a:bodyPr/>
+          <a:lstStyle/>
+          <a:p>
+            <a:pPr algn="ctr"/>
+            <a:r>
+              <a:rPr lang="en-GB" b="1" dirty="0"/>
+              <a:t>Outlines</a:t>
+            </a:r>
+          </a:p>
+        </p:txBody>
+      </p:sp>
+      <p:sp>
+        <p:nvSpPr>
+          <p:cNvPr id="3" name="Content Placeholder 2">
+            <a:extLst>
+              <a:ext uri="{FF2B5EF4-FFF2-40B4-BE49-F238E27FC236}">
+                <a16:creationId xmlns:a16="http://schemas.microsoft.com/office/drawing/2014/main" id="{48072E72-4BD3-49C3-A7B4-5468A4C45270}"/>
+              </a:ext>
+            </a:extLst>
+          </p:cNvPr>
+          <p:cNvSpPr>
+            <a:spLocks noGrp="1"/>
+          </p:cNvSpPr>
+          <p:nvPr>
+            <p:ph idx="1"/>
+          </p:nvPr>
+        </p:nvSpPr>
+        <p:spPr/>
+        <p:txBody>
+          <a:bodyPr/>
+          <a:lstStyle/>
+          <a:p>
+            <a:r>
+              <a:rPr lang="en-GB" dirty="0"/>
+              <a:t>Summary data from EGCUT, INTERVAL, NSPHS, ORCADES, STABILITY, STANLEY, VIS.</a:t>
+            </a:r>
+          </a:p>
+          <a:p>
+            <a:r>
+              <a:rPr lang="en-GB" dirty="0"/>
+              <a:t>METAL (WEIGHTS &gt;= 50, SCHEME STDERR).</a:t>
+            </a:r>
+          </a:p>
+          <a:p>
+            <a:r>
+              <a:rPr lang="en-GB" dirty="0"/>
+              <a:t>PLINK –clumping and GCTA –</a:t>
+            </a:r>
+            <a:r>
+              <a:rPr lang="en-GB" dirty="0" err="1"/>
+              <a:t>cojo-slct</a:t>
+            </a:r>
+            <a:r>
+              <a:rPr lang="en-GB" dirty="0"/>
+              <a:t>.</a:t>
+            </a:r>
+          </a:p>
+          <a:p>
+            <a:r>
+              <a:rPr lang="en-GB" dirty="0"/>
+              <a:t>Shown for </a:t>
+            </a:r>
+            <a:r>
+              <a:rPr lang="en-GB" i="1" dirty="0"/>
+              <a:t>TNFRSF11B</a:t>
+            </a:r>
+            <a:r>
+              <a:rPr lang="en-GB" dirty="0"/>
+              <a:t>, chr8:119935796-119964439 (OPG) and </a:t>
+            </a:r>
+            <a:r>
+              <a:rPr lang="en-GB" i="1" dirty="0"/>
+              <a:t>TNFSF14</a:t>
+            </a:r>
+            <a:r>
+              <a:rPr lang="en-GB" dirty="0"/>
+              <a:t>, chr19:6663148-6670599 (TNFSF14).</a:t>
+            </a:r>
+          </a:p>
+          <a:p>
+            <a:endParaRPr lang="en-GB" dirty="0"/>
+          </a:p>
+        </p:txBody>
+      </p:sp>
+    </p:spTree>
+    <p:extLst>
+      <p:ext uri="{BB962C8B-B14F-4D97-AF65-F5344CB8AC3E}">
+        <p14:creationId xmlns:p14="http://schemas.microsoft.com/office/powerpoint/2010/main" val="4250041035"/>
+      </p:ext>
+    </p:extLst>
+  </p:cSld>
+  <p:clrMapOvr>
+    <a:masterClrMapping/>
+  </p:clrMapOvr>
+</p:sld>
+</file>
+
+<file path=ppt/slides/slide3.xml><?xml version="1.0" encoding="utf-8"?>
+<p:sld xmlns:a="http://schemas.openxmlformats.org/drawingml/2006/main" xmlns:r="http://schemas.openxmlformats.org/officeDocument/2006/relationships" xmlns:p="http://schemas.openxmlformats.org/presentationml/2006/main">
+  <p:cSld>
+    <p:spTree>
+      <p:nvGrpSpPr>
+        <p:cNvPr id="1" name=""/>
+        <p:cNvGrpSpPr/>
+        <p:nvPr/>
+      </p:nvGrpSpPr>
+      <p:grpSpPr>
+        <a:xfrm>
+          <a:off x="0" y="0"/>
+          <a:ext cx="0" cy="0"/>
+          <a:chOff x="0" y="0"/>
+          <a:chExt cx="0" cy="0"/>
+        </a:xfrm>
+      </p:grpSpPr>
+      <p:sp>
+        <p:nvSpPr>
+          <p:cNvPr id="2" name="Title 1">
+            <a:extLst>
+              <a:ext uri="{FF2B5EF4-FFF2-40B4-BE49-F238E27FC236}">
+                <a16:creationId xmlns:a16="http://schemas.microsoft.com/office/drawing/2014/main" id="{494E8068-5B4A-4560-B3C9-C5546F7D9AC7}"/>
+              </a:ext>
+            </a:extLst>
+          </p:cNvPr>
+          <p:cNvSpPr>
+            <a:spLocks noGrp="1"/>
+          </p:cNvSpPr>
+          <p:nvPr>
+            <p:ph type="title"/>
+          </p:nvPr>
+        </p:nvSpPr>
+        <p:spPr/>
+        <p:txBody>
+          <a:bodyPr/>
+          <a:lstStyle/>
+          <a:p>
+            <a:pPr algn="ctr"/>
+            <a:r>
+              <a:rPr lang="en-GB" b="1" dirty="0"/>
+              <a:t>OPG</a:t>
+            </a:r>
+          </a:p>
+        </p:txBody>
+      </p:sp>
+      <p:pic>
+        <p:nvPicPr>
+          <p:cNvPr id="5" name="Content Placeholder 4">
+            <a:extLst>
+              <a:ext uri="{FF2B5EF4-FFF2-40B4-BE49-F238E27FC236}">
+                <a16:creationId xmlns:a16="http://schemas.microsoft.com/office/drawing/2014/main" id="{C7021785-460B-40EE-A5DA-CB147EB434FD}"/>
+              </a:ext>
+            </a:extLst>
+          </p:cNvPr>
+          <p:cNvPicPr>
+            <a:picLocks noGrp="1" noChangeAspect="1"/>
+          </p:cNvPicPr>
+          <p:nvPr>
+            <p:ph idx="1"/>
+          </p:nvPr>
+        </p:nvPicPr>
+        <p:blipFill>
+          <a:blip r:embed="rId2" cstate="hqprint">
+            <a:extLst>
+              <a:ext uri="{28A0092B-C50C-407E-A947-70E740481C1C}">
+                <a14:useLocalDpi xmlns:a14="http://schemas.microsoft.com/office/drawing/2010/main" val="0"/>
+              </a:ext>
+            </a:extLst>
+          </a:blip>
+          <a:stretch>
+            <a:fillRect/>
+          </a:stretch>
+        </p:blipFill>
+        <p:spPr>
+          <a:xfrm>
+            <a:off x="3485197" y="1825625"/>
+            <a:ext cx="5221605" cy="4351338"/>
+          </a:xfrm>
+        </p:spPr>
+      </p:pic>
+    </p:spTree>
+    <p:extLst>
+      <p:ext uri="{BB962C8B-B14F-4D97-AF65-F5344CB8AC3E}">
+        <p14:creationId xmlns:p14="http://schemas.microsoft.com/office/powerpoint/2010/main" val="3886496727"/>
+      </p:ext>
+    </p:extLst>
+  </p:cSld>
+  <p:clrMapOvr>
+    <a:masterClrMapping/>
+  </p:clrMapOvr>
+</p:sld>
+</file>
+
+<file path=ppt/slides/slide4.xml><?xml version="1.0" encoding="utf-8"?>
+<p:sld xmlns:a="http://schemas.openxmlformats.org/drawingml/2006/main" xmlns:r="http://schemas.openxmlformats.org/officeDocument/2006/relationships" xmlns:p="http://schemas.openxmlformats.org/presentationml/2006/main">
+  <p:cSld>
+    <p:spTree>
+      <p:nvGrpSpPr>
+        <p:cNvPr id="1" name=""/>
+        <p:cNvGrpSpPr/>
+        <p:nvPr/>
+      </p:nvGrpSpPr>
+      <p:grpSpPr>
+        <a:xfrm>
+          <a:off x="0" y="0"/>
+          <a:ext cx="0" cy="0"/>
+          <a:chOff x="0" y="0"/>
+          <a:chExt cx="0" cy="0"/>
+        </a:xfrm>
+      </p:grpSpPr>
+      <p:sp>
+        <p:nvSpPr>
+          <p:cNvPr id="2" name="Title 1">
+            <a:extLst>
+              <a:ext uri="{FF2B5EF4-FFF2-40B4-BE49-F238E27FC236}">
+                <a16:creationId xmlns:a16="http://schemas.microsoft.com/office/drawing/2014/main" id="{204DEE30-94F8-4E15-920F-6CE46512A8EE}"/>
+              </a:ext>
+            </a:extLst>
+          </p:cNvPr>
+          <p:cNvSpPr>
+            <a:spLocks noGrp="1"/>
+          </p:cNvSpPr>
+          <p:nvPr>
+            <p:ph type="title"/>
+          </p:nvPr>
+        </p:nvSpPr>
+        <p:spPr/>
+        <p:txBody>
+          <a:bodyPr/>
+          <a:lstStyle/>
+          <a:p>
+            <a:pPr algn="ctr"/>
+            <a:r>
+              <a:rPr lang="en-GB" b="1" dirty="0"/>
+              <a:t>OPG</a:t>
+            </a:r>
+          </a:p>
+        </p:txBody>
+      </p:sp>
+      <p:pic>
+        <p:nvPicPr>
+          <p:cNvPr id="5" name="Content Placeholder 4">
+            <a:extLst>
+              <a:ext uri="{FF2B5EF4-FFF2-40B4-BE49-F238E27FC236}">
+                <a16:creationId xmlns:a16="http://schemas.microsoft.com/office/drawing/2014/main" id="{D0158210-8B92-4198-B8BB-92BDED33F9B3}"/>
+              </a:ext>
+            </a:extLst>
+          </p:cNvPr>
+          <p:cNvPicPr>
+            <a:picLocks noGrp="1" noChangeAspect="1"/>
+          </p:cNvPicPr>
+          <p:nvPr>
+            <p:ph idx="1"/>
+          </p:nvPr>
+        </p:nvPicPr>
+        <p:blipFill>
+          <a:blip r:embed="rId2" cstate="hqprint">
+            <a:extLst>
+              <a:ext uri="{28A0092B-C50C-407E-A947-70E740481C1C}">
+                <a14:useLocalDpi xmlns:a14="http://schemas.microsoft.com/office/drawing/2010/main" val="0"/>
+              </a:ext>
+            </a:extLst>
+          </a:blip>
+          <a:stretch>
+            <a:fillRect/>
+          </a:stretch>
+        </p:blipFill>
+        <p:spPr>
+          <a:xfrm>
+            <a:off x="3485197" y="1825625"/>
+            <a:ext cx="5221605" cy="4351338"/>
+          </a:xfrm>
+        </p:spPr>
+      </p:pic>
+    </p:spTree>
+    <p:extLst>
+      <p:ext uri="{BB962C8B-B14F-4D97-AF65-F5344CB8AC3E}">
+        <p14:creationId xmlns:p14="http://schemas.microsoft.com/office/powerpoint/2010/main" val="1687079971"/>
+      </p:ext>
+    </p:extLst>
+  </p:cSld>
+  <p:clrMapOvr>
+    <a:masterClrMapping/>
+  </p:clrMapOvr>
+</p:sld>
+</file>
+
+<file path=ppt/slides/slide5.xml><?xml version="1.0" encoding="utf-8"?>
+<p:sld xmlns:a="http://schemas.openxmlformats.org/drawingml/2006/main" xmlns:r="http://schemas.openxmlformats.org/officeDocument/2006/relationships" xmlns:p="http://schemas.openxmlformats.org/presentationml/2006/main">
+  <p:cSld>
+    <p:spTree>
+      <p:nvGrpSpPr>
+        <p:cNvPr id="1" name=""/>
+        <p:cNvGrpSpPr/>
+        <p:nvPr/>
+      </p:nvGrpSpPr>
+      <p:grpSpPr>
+        <a:xfrm>
+          <a:off x="0" y="0"/>
+          <a:ext cx="0" cy="0"/>
+          <a:chOff x="0" y="0"/>
+          <a:chExt cx="0" cy="0"/>
+        </a:xfrm>
+      </p:grpSpPr>
+      <p:sp>
+        <p:nvSpPr>
+          <p:cNvPr id="2" name="Title 1">
+            <a:extLst>
+              <a:ext uri="{FF2B5EF4-FFF2-40B4-BE49-F238E27FC236}">
+                <a16:creationId xmlns:a16="http://schemas.microsoft.com/office/drawing/2014/main" id="{02C0671C-CA76-4C12-872F-B01E1B44FD8F}"/>
+              </a:ext>
+            </a:extLst>
+          </p:cNvPr>
+          <p:cNvSpPr>
+            <a:spLocks noGrp="1"/>
+          </p:cNvSpPr>
+          <p:nvPr>
+            <p:ph type="title"/>
+          </p:nvPr>
+        </p:nvSpPr>
+        <p:spPr/>
+        <p:txBody>
+          <a:bodyPr/>
+          <a:lstStyle/>
+          <a:p>
+            <a:pPr algn="ctr"/>
+            <a:r>
+              <a:rPr lang="en-GB" b="1" dirty="0"/>
+              <a:t>OPG</a:t>
+            </a:r>
+          </a:p>
+        </p:txBody>
+      </p:sp>
+      <p:pic>
+        <p:nvPicPr>
+          <p:cNvPr id="5" name="Content Placeholder 4"/>
+          <p:cNvPicPr>
+            <a:picLocks noGrp="1" noChangeAspect="1"/>
+          </p:cNvPicPr>
+          <p:nvPr>
+            <p:ph idx="1"/>
+          </p:nvPr>
+        </p:nvPicPr>
+        <p:blipFill>
+          <a:blip r:embed="rId2" cstate="hqprint">
+            <a:extLst>
+              <a:ext uri="{28A0092B-C50C-407E-A947-70E740481C1C}">
+                <a14:useLocalDpi xmlns:a14="http://schemas.microsoft.com/office/drawing/2010/main" val="0"/>
+              </a:ext>
+            </a:extLst>
+          </a:blip>
+          <a:stretch>
+            <a:fillRect/>
+          </a:stretch>
+        </p:blipFill>
+        <p:spPr>
+          <a:xfrm>
+            <a:off x="2987901" y="1811337"/>
+            <a:ext cx="6216197" cy="4351338"/>
+          </a:xfrm>
+        </p:spPr>
+      </p:pic>
+    </p:spTree>
+    <p:extLst>
+      <p:ext uri="{BB962C8B-B14F-4D97-AF65-F5344CB8AC3E}">
+        <p14:creationId xmlns:p14="http://schemas.microsoft.com/office/powerpoint/2010/main" val="3561060757"/>
+      </p:ext>
+    </p:extLst>
+  </p:cSld>
+  <p:clrMapOvr>
+    <a:masterClrMapping/>
+  </p:clrMapOvr>
+</p:sld>
+</file>
+
+<file path=ppt/slides/slide6.xml><?xml version="1.0" encoding="utf-8"?>
+<p:sld xmlns:a="http://schemas.openxmlformats.org/drawingml/2006/main" xmlns:r="http://schemas.openxmlformats.org/officeDocument/2006/relationships" xmlns:p="http://schemas.openxmlformats.org/presentationml/2006/main">
+  <p:cSld>
+    <p:spTree>
+      <p:nvGrpSpPr>
+        <p:cNvPr id="1" name=""/>
+        <p:cNvGrpSpPr/>
+        <p:nvPr/>
+      </p:nvGrpSpPr>
+      <p:grpSpPr>
+        <a:xfrm>
+          <a:off x="0" y="0"/>
+          <a:ext cx="0" cy="0"/>
+          <a:chOff x="0" y="0"/>
+          <a:chExt cx="0" cy="0"/>
+        </a:xfrm>
+      </p:grpSpPr>
+      <p:sp>
+        <p:nvSpPr>
+          <p:cNvPr id="2" name="Title 1">
+            <a:extLst>
+              <a:ext uri="{FF2B5EF4-FFF2-40B4-BE49-F238E27FC236}">
+                <a16:creationId xmlns:a16="http://schemas.microsoft.com/office/drawing/2014/main" id="{D827E6D8-8853-4E5D-844A-D136D0E5C6AA}"/>
+              </a:ext>
+            </a:extLst>
+          </p:cNvPr>
+          <p:cNvSpPr>
+            <a:spLocks noGrp="1"/>
+          </p:cNvSpPr>
+          <p:nvPr>
+            <p:ph type="title"/>
+          </p:nvPr>
+        </p:nvSpPr>
+        <p:spPr/>
+        <p:txBody>
+          <a:bodyPr/>
+          <a:lstStyle/>
+          <a:p>
+            <a:pPr algn="ctr"/>
+            <a:r>
+              <a:rPr lang="en-GB" b="1" dirty="0"/>
+              <a:t>TNFSF14</a:t>
+            </a:r>
+          </a:p>
+        </p:txBody>
+      </p:sp>
+      <p:pic>
+        <p:nvPicPr>
+          <p:cNvPr id="5" name="Content Placeholder 4">
+            <a:extLst>
+              <a:ext uri="{FF2B5EF4-FFF2-40B4-BE49-F238E27FC236}">
+                <a16:creationId xmlns:a16="http://schemas.microsoft.com/office/drawing/2014/main" id="{A46F396E-EC3F-472D-BDAC-18F55CCE05F8}"/>
+              </a:ext>
+            </a:extLst>
+          </p:cNvPr>
+          <p:cNvPicPr>
+            <a:picLocks noGrp="1" noChangeAspect="1"/>
+          </p:cNvPicPr>
+          <p:nvPr>
+            <p:ph idx="1"/>
+          </p:nvPr>
+        </p:nvPicPr>
+        <p:blipFill>
+          <a:blip r:embed="rId2" cstate="hqprint">
+            <a:extLst>
+              <a:ext uri="{28A0092B-C50C-407E-A947-70E740481C1C}">
+                <a14:useLocalDpi xmlns:a14="http://schemas.microsoft.com/office/drawing/2010/main" val="0"/>
+              </a:ext>
+            </a:extLst>
+          </a:blip>
+          <a:stretch>
+            <a:fillRect/>
+          </a:stretch>
+        </p:blipFill>
+        <p:spPr>
+          <a:xfrm>
+            <a:off x="3485197" y="1825625"/>
+            <a:ext cx="5221605" cy="4351338"/>
+          </a:xfrm>
+        </p:spPr>
+      </p:pic>
+    </p:spTree>
+    <p:extLst>
+      <p:ext uri="{BB962C8B-B14F-4D97-AF65-F5344CB8AC3E}">
+        <p14:creationId xmlns:p14="http://schemas.microsoft.com/office/powerpoint/2010/main" val="3021896654"/>
+      </p:ext>
+    </p:extLst>
+  </p:cSld>
+  <p:clrMapOvr>
+    <a:masterClrMapping/>
+  </p:clrMapOvr>
+</p:sld>
+</file>
+
+<file path=ppt/slides/slide7.xml><?xml version="1.0" encoding="utf-8"?>
+<p:sld xmlns:a="http://schemas.openxmlformats.org/drawingml/2006/main" xmlns:r="http://schemas.openxmlformats.org/officeDocument/2006/relationships" xmlns:p="http://schemas.openxmlformats.org/presentationml/2006/main">
+  <p:cSld>
+    <p:spTree>
+      <p:nvGrpSpPr>
+        <p:cNvPr id="1" name=""/>
+        <p:cNvGrpSpPr/>
+        <p:nvPr/>
+      </p:nvGrpSpPr>
+      <p:grpSpPr>
+        <a:xfrm>
+          <a:off x="0" y="0"/>
+          <a:ext cx="0" cy="0"/>
+          <a:chOff x="0" y="0"/>
+          <a:chExt cx="0" cy="0"/>
+        </a:xfrm>
+      </p:grpSpPr>
+      <p:sp>
+        <p:nvSpPr>
+          <p:cNvPr id="2" name="Title 1">
+            <a:extLst>
+              <a:ext uri="{FF2B5EF4-FFF2-40B4-BE49-F238E27FC236}">
+                <a16:creationId xmlns:a16="http://schemas.microsoft.com/office/drawing/2014/main" id="{22E061F3-53D2-44D0-9FA7-6C36C1B70C67}"/>
+              </a:ext>
+            </a:extLst>
+          </p:cNvPr>
+          <p:cNvSpPr>
+            <a:spLocks noGrp="1"/>
+          </p:cNvSpPr>
+          <p:nvPr>
+            <p:ph type="title"/>
+          </p:nvPr>
+        </p:nvSpPr>
+        <p:spPr/>
+        <p:txBody>
+          <a:bodyPr/>
+          <a:lstStyle/>
+          <a:p>
+            <a:pPr algn="ctr"/>
+            <a:r>
+              <a:rPr lang="en-GB" b="1" dirty="0"/>
+              <a:t>TNFSF14</a:t>
+            </a:r>
+          </a:p>
+        </p:txBody>
+      </p:sp>
+      <p:pic>
+        <p:nvPicPr>
+          <p:cNvPr id="5" name="Content Placeholder 4">
+            <a:extLst>
+              <a:ext uri="{FF2B5EF4-FFF2-40B4-BE49-F238E27FC236}">
+                <a16:creationId xmlns:a16="http://schemas.microsoft.com/office/drawing/2014/main" id="{A0FE9C86-F4AD-4D9F-8CF6-B1F7DED79717}"/>
+              </a:ext>
+            </a:extLst>
+          </p:cNvPr>
+          <p:cNvPicPr>
+            <a:picLocks noGrp="1" noChangeAspect="1"/>
+          </p:cNvPicPr>
+          <p:nvPr>
+            <p:ph idx="1"/>
+          </p:nvPr>
+        </p:nvPicPr>
+        <p:blipFill>
+          <a:blip r:embed="rId2" cstate="hqprint">
+            <a:extLst>
+              <a:ext uri="{28A0092B-C50C-407E-A947-70E740481C1C}">
+                <a14:useLocalDpi xmlns:a14="http://schemas.microsoft.com/office/drawing/2010/main" val="0"/>
+              </a:ext>
+            </a:extLst>
+          </a:blip>
+          <a:stretch>
+            <a:fillRect/>
+          </a:stretch>
+        </p:blipFill>
+        <p:spPr>
+          <a:xfrm>
+            <a:off x="3485197" y="1825625"/>
+            <a:ext cx="5221605" cy="4351338"/>
+          </a:xfrm>
+        </p:spPr>
+      </p:pic>
+    </p:spTree>
+    <p:extLst>
+      <p:ext uri="{BB962C8B-B14F-4D97-AF65-F5344CB8AC3E}">
+        <p14:creationId xmlns:p14="http://schemas.microsoft.com/office/powerpoint/2010/main" val="930619527"/>
+      </p:ext>
+    </p:extLst>
+  </p:cSld>
+  <p:clrMapOvr>
+    <a:masterClrMapping/>
+  </p:clrMapOvr>
+</p:sld>
+</file>
+
+<file path=ppt/slides/slide8.xml><?xml version="1.0" encoding="utf-8"?>
+<p:sld xmlns:a="http://schemas.openxmlformats.org/drawingml/2006/main" xmlns:r="http://schemas.openxmlformats.org/officeDocument/2006/relationships" xmlns:p="http://schemas.openxmlformats.org/presentationml/2006/main">
+  <p:cSld>
+    <p:spTree>
+      <p:nvGrpSpPr>
+        <p:cNvPr id="1" name=""/>
+        <p:cNvGrpSpPr/>
+        <p:nvPr/>
+      </p:nvGrpSpPr>
+      <p:grpSpPr>
+        <a:xfrm>
+          <a:off x="0" y="0"/>
+          <a:ext cx="0" cy="0"/>
+          <a:chOff x="0" y="0"/>
+          <a:chExt cx="0" cy="0"/>
+        </a:xfrm>
+      </p:grpSpPr>
+      <p:sp>
+        <p:nvSpPr>
+          <p:cNvPr id="2" name="Title 1">
+            <a:extLst>
+              <a:ext uri="{FF2B5EF4-FFF2-40B4-BE49-F238E27FC236}">
+                <a16:creationId xmlns:a16="http://schemas.microsoft.com/office/drawing/2014/main" id="{09DF4E42-7AC2-4A9F-94CF-7436518ACA4D}"/>
+              </a:ext>
+            </a:extLst>
+          </p:cNvPr>
+          <p:cNvSpPr>
+            <a:spLocks noGrp="1"/>
+          </p:cNvSpPr>
+          <p:nvPr>
+            <p:ph type="title"/>
+          </p:nvPr>
+        </p:nvSpPr>
+        <p:spPr/>
+        <p:txBody>
+          <a:bodyPr/>
+          <a:lstStyle/>
+          <a:p>
+            <a:pPr algn="ctr"/>
+            <a:r>
+              <a:rPr lang="en-GB" b="1" dirty="0"/>
+              <a:t>TNFSF14</a:t>
+            </a:r>
+          </a:p>
+        </p:txBody>
+      </p:sp>
+      <p:pic>
+        <p:nvPicPr>
+          <p:cNvPr id="5" name="Content Placeholder 4"/>
+          <p:cNvPicPr>
+            <a:picLocks noGrp="1" noChangeAspect="1"/>
+          </p:cNvPicPr>
+          <p:nvPr>
+            <p:ph idx="1"/>
+          </p:nvPr>
+        </p:nvPicPr>
+        <p:blipFill>
+          <a:blip r:embed="rId2" cstate="print">
+            <a:extLst>
+              <a:ext uri="{28A0092B-C50C-407E-A947-70E740481C1C}">
+                <a14:useLocalDpi xmlns:a14="http://schemas.microsoft.com/office/drawing/2010/main" val="0"/>
+              </a:ext>
+            </a:extLst>
+          </a:blip>
+          <a:stretch>
+            <a:fillRect/>
+          </a:stretch>
+        </p:blipFill>
+        <p:spPr>
+          <a:xfrm>
+            <a:off x="2987901" y="1825625"/>
+            <a:ext cx="6216197" cy="4351338"/>
+          </a:xfrm>
+        </p:spPr>
+      </p:pic>
+    </p:spTree>
+    <p:extLst>
+      <p:ext uri="{BB962C8B-B14F-4D97-AF65-F5344CB8AC3E}">
+        <p14:creationId xmlns:p14="http://schemas.microsoft.com/office/powerpoint/2010/main" val="3595052693"/>
+      </p:ext>
+    </p:extLst>
+  </p:cSld>
+  <p:clrMapOvr>
+    <a:masterClrMapping/>
+  </p:clrMapOvr>
+</p:sld>
+</file>
+
+<file path=ppt/slides/slide9.xml><?xml version="1.0" encoding="utf-8"?>
+<p:sld xmlns:a="http://schemas.openxmlformats.org/drawingml/2006/main" xmlns:r="http://schemas.openxmlformats.org/officeDocument/2006/relationships" xmlns:p="http://schemas.openxmlformats.org/presentationml/2006/main">
+  <p:cSld>
+    <p:spTree>
+      <p:nvGrpSpPr>
+        <p:cNvPr id="1" name=""/>
+        <p:cNvGrpSpPr/>
+        <p:nvPr/>
+      </p:nvGrpSpPr>
+      <p:grpSpPr>
+        <a:xfrm>
+          <a:off x="0" y="0"/>
+          <a:ext cx="0" cy="0"/>
+          <a:chOff x="0" y="0"/>
+          <a:chExt cx="0" cy="0"/>
+        </a:xfrm>
+      </p:grpSpPr>
+      <p:sp>
+        <p:nvSpPr>
+          <p:cNvPr id="2" name="Title 1">
+            <a:extLst>
+              <a:ext uri="{FF2B5EF4-FFF2-40B4-BE49-F238E27FC236}">
                 <a16:creationId xmlns:a16="http://schemas.microsoft.com/office/drawing/2014/main" id="{D0BA512C-8CEF-4309-B018-8E8F8D9382B5}"/>
               </a:ext>
             </a:extLst>
@@ -7488,3254 +9955,6 @@
     <p:extLst>
       <p:ext uri="{BB962C8B-B14F-4D97-AF65-F5344CB8AC3E}">
         <p14:creationId xmlns:p14="http://schemas.microsoft.com/office/powerpoint/2010/main" val="1682900558"/>
-      </p:ext>
-    </p:extLst>
-  </p:cSld>
-  <p:clrMapOvr>
-    <a:masterClrMapping/>
-  </p:clrMapOvr>
-</p:sld>
-</file>
-
-<file path=ppt/slides/slide11.xml><?xml version="1.0" encoding="utf-8"?>
-<p:sld xmlns:a="http://schemas.openxmlformats.org/drawingml/2006/main" xmlns:r="http://schemas.openxmlformats.org/officeDocument/2006/relationships" xmlns:p="http://schemas.openxmlformats.org/presentationml/2006/main">
-  <p:cSld>
-    <p:spTree>
-      <p:nvGrpSpPr>
-        <p:cNvPr id="1" name=""/>
-        <p:cNvGrpSpPr/>
-        <p:nvPr/>
-      </p:nvGrpSpPr>
-      <p:grpSpPr>
-        <a:xfrm>
-          <a:off x="0" y="0"/>
-          <a:ext cx="0" cy="0"/>
-          <a:chOff x="0" y="0"/>
-          <a:chExt cx="0" cy="0"/>
-        </a:xfrm>
-      </p:grpSpPr>
-      <p:sp>
-        <p:nvSpPr>
-          <p:cNvPr id="2" name="Title 1">
-            <a:extLst>
-              <a:ext uri="{FF2B5EF4-FFF2-40B4-BE49-F238E27FC236}">
-                <a16:creationId xmlns:a16="http://schemas.microsoft.com/office/drawing/2014/main" id="{C502F099-9616-49AF-AD69-A97C6AEDC211}"/>
-              </a:ext>
-            </a:extLst>
-          </p:cNvPr>
-          <p:cNvSpPr>
-            <a:spLocks noGrp="1"/>
-          </p:cNvSpPr>
-          <p:nvPr>
-            <p:ph type="title"/>
-          </p:nvPr>
-        </p:nvSpPr>
-        <p:spPr>
-          <a:xfrm>
-            <a:off x="0" y="0"/>
-            <a:ext cx="4947920" cy="6858000"/>
-          </a:xfrm>
-        </p:spPr>
-        <p:txBody>
-          <a:bodyPr>
-            <a:normAutofit/>
-          </a:bodyPr>
-          <a:lstStyle/>
-          <a:p>
-            <a:pPr algn="ctr"/>
-            <a:r>
-              <a:rPr lang="en-GB" b="1" dirty="0"/>
-              <a:t>SNP information (</a:t>
-            </a:r>
-            <a:r>
-              <a:rPr lang="en-GB" b="1" dirty="0" err="1"/>
-              <a:t>PhenoScanner</a:t>
-            </a:r>
-            <a:r>
-              <a:rPr lang="en-GB" b="1" dirty="0"/>
-              <a:t>)</a:t>
-            </a:r>
-            <a:br>
-              <a:rPr lang="en-GB" b="1" dirty="0"/>
-            </a:br>
-            <a:r>
-              <a:rPr lang="en-GB" b="1" dirty="0"/>
-              <a:t>chr17:26694861</a:t>
-            </a:r>
-            <a:br>
-              <a:rPr lang="en-GB" b="1" dirty="0"/>
-            </a:br>
-            <a:r>
-              <a:rPr lang="en-GB" b="1" dirty="0"/>
-              <a:t>rs704:</a:t>
-            </a:r>
-            <a:br>
-              <a:rPr lang="en-GB" b="1" dirty="0"/>
-            </a:br>
-            <a:r>
-              <a:rPr lang="en-GB" b="1" dirty="0"/>
-              <a:t>Kwan JS,2014, PMID25080503, allele G ~ decrease of </a:t>
-            </a:r>
-            <a:r>
-              <a:rPr lang="en-GB" b="1" dirty="0" err="1"/>
-              <a:t>Osteoprotegerin</a:t>
-            </a:r>
-            <a:r>
-              <a:rPr lang="en-GB" b="1" dirty="0"/>
-              <a:t> levels (p=1e-9).</a:t>
-            </a:r>
-            <a:br>
-              <a:rPr lang="en-GB" b="1" dirty="0"/>
-            </a:br>
-            <a:endParaRPr lang="en-GB" b="1" dirty="0"/>
-          </a:p>
-        </p:txBody>
-      </p:sp>
-      <p:graphicFrame>
-        <p:nvGraphicFramePr>
-          <p:cNvPr id="5" name="Content Placeholder 4">
-            <a:extLst>
-              <a:ext uri="{FF2B5EF4-FFF2-40B4-BE49-F238E27FC236}">
-                <a16:creationId xmlns:a16="http://schemas.microsoft.com/office/drawing/2014/main" id="{887C0A28-9FD4-45FC-AB9C-8D5755CB04FD}"/>
-              </a:ext>
-            </a:extLst>
-          </p:cNvPr>
-          <p:cNvGraphicFramePr>
-            <a:graphicFrameLocks noGrp="1"/>
-          </p:cNvGraphicFramePr>
-          <p:nvPr>
-            <p:ph idx="1"/>
-            <p:extLst>
-              <p:ext uri="{D42A27DB-BD31-4B8C-83A1-F6EECF244321}">
-                <p14:modId xmlns:p14="http://schemas.microsoft.com/office/powerpoint/2010/main" val="2208170802"/>
-              </p:ext>
-            </p:extLst>
-          </p:nvPr>
-        </p:nvGraphicFramePr>
-        <p:xfrm>
-          <a:off x="5354320" y="0"/>
-          <a:ext cx="6837681" cy="6858004"/>
-        </p:xfrm>
-        <a:graphic>
-          <a:graphicData uri="http://schemas.openxmlformats.org/drawingml/2006/table">
-            <a:tbl>
-              <a:tblPr firstRow="1" bandRow="1">
-                <a:tableStyleId>{5C22544A-7EE6-4342-B048-85BDC9FD1C3A}</a:tableStyleId>
-              </a:tblPr>
-              <a:tblGrid>
-                <a:gridCol w="2206375">
-                  <a:extLst>
-                    <a:ext uri="{9D8B030D-6E8A-4147-A177-3AD203B41FA5}">
-                      <a16:colId xmlns:a16="http://schemas.microsoft.com/office/drawing/2014/main" val="3862113751"/>
-                    </a:ext>
-                  </a:extLst>
-                </a:gridCol>
-                <a:gridCol w="1790078">
-                  <a:extLst>
-                    <a:ext uri="{9D8B030D-6E8A-4147-A177-3AD203B41FA5}">
-                      <a16:colId xmlns:a16="http://schemas.microsoft.com/office/drawing/2014/main" val="2135184577"/>
-                    </a:ext>
-                  </a:extLst>
-                </a:gridCol>
-                <a:gridCol w="1727633">
-                  <a:extLst>
-                    <a:ext uri="{9D8B030D-6E8A-4147-A177-3AD203B41FA5}">
-                      <a16:colId xmlns:a16="http://schemas.microsoft.com/office/drawing/2014/main" val="3567808460"/>
-                    </a:ext>
-                  </a:extLst>
-                </a:gridCol>
-                <a:gridCol w="1113595">
-                  <a:extLst>
-                    <a:ext uri="{9D8B030D-6E8A-4147-A177-3AD203B41FA5}">
-                      <a16:colId xmlns:a16="http://schemas.microsoft.com/office/drawing/2014/main" val="2099834370"/>
-                    </a:ext>
-                  </a:extLst>
-                </a:gridCol>
-              </a:tblGrid>
-              <a:tr h="403412">
-                <a:tc>
-                  <a:txBody>
-                    <a:bodyPr/>
-                    <a:lstStyle/>
-                    <a:p>
-                      <a:pPr algn="l" fontAlgn="b"/>
-                      <a:r>
-                        <a:rPr lang="en-GB" sz="1100" b="1" i="0" u="none" strike="noStrike" dirty="0">
-                          <a:solidFill>
-                            <a:srgbClr val="000000"/>
-                          </a:solidFill>
-                          <a:effectLst/>
-                          <a:latin typeface="Calibri" panose="020F0502020204030204" pitchFamily="34" charset="0"/>
-                        </a:rPr>
-                        <a:t>SNP</a:t>
-                      </a:r>
-                    </a:p>
-                  </a:txBody>
-                  <a:tcPr marL="7620" marR="7620" marT="7620" marB="0" anchor="b"/>
-                </a:tc>
-                <a:tc>
-                  <a:txBody>
-                    <a:bodyPr/>
-                    <a:lstStyle/>
-                    <a:p>
-                      <a:pPr algn="l" fontAlgn="b"/>
-                      <a:r>
-                        <a:rPr lang="en-GB" sz="1100" b="1" i="0" u="none" strike="noStrike" dirty="0" err="1">
-                          <a:solidFill>
-                            <a:srgbClr val="000000"/>
-                          </a:solidFill>
-                          <a:effectLst/>
-                          <a:latin typeface="Calibri" panose="020F0502020204030204" pitchFamily="34" charset="0"/>
-                        </a:rPr>
-                        <a:t>rsID</a:t>
-                      </a:r>
-                      <a:endParaRPr lang="en-GB" sz="1100" b="1" i="0" u="none" strike="noStrike" dirty="0">
-                        <a:solidFill>
-                          <a:srgbClr val="000000"/>
-                        </a:solidFill>
-                        <a:effectLst/>
-                        <a:latin typeface="Calibri" panose="020F0502020204030204" pitchFamily="34" charset="0"/>
-                      </a:endParaRPr>
-                    </a:p>
-                  </a:txBody>
-                  <a:tcPr marL="7620" marR="7620" marT="7620" marB="0" anchor="b"/>
-                </a:tc>
-                <a:tc>
-                  <a:txBody>
-                    <a:bodyPr/>
-                    <a:lstStyle/>
-                    <a:p>
-                      <a:pPr algn="l" fontAlgn="b"/>
-                      <a:r>
-                        <a:rPr lang="en-GB" sz="1100" b="1" i="0" u="none" strike="noStrike">
-                          <a:solidFill>
-                            <a:srgbClr val="000000"/>
-                          </a:solidFill>
-                          <a:effectLst/>
-                          <a:latin typeface="Calibri" panose="020F0502020204030204" pitchFamily="34" charset="0"/>
-                        </a:rPr>
-                        <a:t>Pos (hg19)</a:t>
-                      </a:r>
-                    </a:p>
-                  </a:txBody>
-                  <a:tcPr marL="7620" marR="7620" marT="7620" marB="0" anchor="b"/>
-                </a:tc>
-                <a:tc>
-                  <a:txBody>
-                    <a:bodyPr/>
-                    <a:lstStyle/>
-                    <a:p>
-                      <a:pPr algn="l" fontAlgn="b"/>
-                      <a:r>
-                        <a:rPr lang="en-GB" sz="1100" b="1" i="0" u="none" strike="noStrike" dirty="0">
-                          <a:solidFill>
-                            <a:srgbClr val="000000"/>
-                          </a:solidFill>
-                          <a:effectLst/>
-                          <a:latin typeface="Calibri" panose="020F0502020204030204" pitchFamily="34" charset="0"/>
-                        </a:rPr>
-                        <a:t>Alleles</a:t>
-                      </a:r>
-                    </a:p>
-                  </a:txBody>
-                  <a:tcPr marL="7620" marR="7620" marT="7620" marB="0" anchor="b"/>
-                </a:tc>
-                <a:extLst>
-                  <a:ext uri="{0D108BD9-81ED-4DB2-BD59-A6C34878D82A}">
-                    <a16:rowId xmlns:a16="http://schemas.microsoft.com/office/drawing/2014/main" val="2311789186"/>
-                  </a:ext>
-                </a:extLst>
-              </a:tr>
-              <a:tr h="403412">
-                <a:tc>
-                  <a:txBody>
-                    <a:bodyPr/>
-                    <a:lstStyle/>
-                    <a:p>
-                      <a:pPr algn="l" fontAlgn="b"/>
-                      <a:r>
-                        <a:rPr lang="en-GB" sz="1100" b="0" i="0" u="none" strike="noStrike">
-                          <a:solidFill>
-                            <a:srgbClr val="000000"/>
-                          </a:solidFill>
-                          <a:effectLst/>
-                          <a:latin typeface="Calibri" panose="020F0502020204030204" pitchFamily="34" charset="0"/>
-                        </a:rPr>
-                        <a:t>chr8:119867209</a:t>
-                      </a:r>
-                    </a:p>
-                  </a:txBody>
-                  <a:tcPr marL="7620" marR="7620" marT="7620" marB="0" anchor="b"/>
-                </a:tc>
-                <a:tc>
-                  <a:txBody>
-                    <a:bodyPr/>
-                    <a:lstStyle/>
-                    <a:p>
-                      <a:pPr algn="l" fontAlgn="b"/>
-                      <a:r>
-                        <a:rPr lang="en-GB" sz="1100" b="0" i="0" u="none" strike="noStrike" dirty="0">
-                          <a:solidFill>
-                            <a:srgbClr val="000000"/>
-                          </a:solidFill>
-                          <a:effectLst/>
-                          <a:latin typeface="Calibri" panose="020F0502020204030204" pitchFamily="34" charset="0"/>
-                        </a:rPr>
-                        <a:t>rs149577650</a:t>
-                      </a:r>
-                    </a:p>
-                  </a:txBody>
-                  <a:tcPr marL="7620" marR="7620" marT="7620" marB="0" anchor="b"/>
-                </a:tc>
-                <a:tc>
-                  <a:txBody>
-                    <a:bodyPr/>
-                    <a:lstStyle/>
-                    <a:p>
-                      <a:pPr algn="l" fontAlgn="b"/>
-                      <a:r>
-                        <a:rPr lang="en-GB" sz="1100" b="0" i="0" u="none" strike="noStrike">
-                          <a:solidFill>
-                            <a:srgbClr val="000000"/>
-                          </a:solidFill>
-                          <a:effectLst/>
-                          <a:latin typeface="Calibri" panose="020F0502020204030204" pitchFamily="34" charset="0"/>
-                        </a:rPr>
-                        <a:t>chr8:119867209</a:t>
-                      </a:r>
-                    </a:p>
-                  </a:txBody>
-                  <a:tcPr marL="7620" marR="7620" marT="7620" marB="0" anchor="b"/>
-                </a:tc>
-                <a:tc>
-                  <a:txBody>
-                    <a:bodyPr/>
-                    <a:lstStyle/>
-                    <a:p>
-                      <a:pPr algn="l" fontAlgn="b"/>
-                      <a:r>
-                        <a:rPr lang="en-GB" sz="1100" b="0" i="0" u="none" strike="noStrike">
-                          <a:solidFill>
-                            <a:srgbClr val="000000"/>
-                          </a:solidFill>
-                          <a:effectLst/>
-                          <a:latin typeface="Calibri" panose="020F0502020204030204" pitchFamily="34" charset="0"/>
-                        </a:rPr>
-                        <a:t>A/C</a:t>
-                      </a:r>
-                    </a:p>
-                  </a:txBody>
-                  <a:tcPr marL="7620" marR="7620" marT="7620" marB="0" anchor="b"/>
-                </a:tc>
-                <a:extLst>
-                  <a:ext uri="{0D108BD9-81ED-4DB2-BD59-A6C34878D82A}">
-                    <a16:rowId xmlns:a16="http://schemas.microsoft.com/office/drawing/2014/main" val="2214996260"/>
-                  </a:ext>
-                </a:extLst>
-              </a:tr>
-              <a:tr h="403412">
-                <a:tc>
-                  <a:txBody>
-                    <a:bodyPr/>
-                    <a:lstStyle/>
-                    <a:p>
-                      <a:pPr algn="l" fontAlgn="b"/>
-                      <a:r>
-                        <a:rPr lang="en-GB" sz="1100" b="0" i="0" u="none" strike="noStrike">
-                          <a:solidFill>
-                            <a:srgbClr val="000000"/>
-                          </a:solidFill>
-                          <a:effectLst/>
-                          <a:latin typeface="Calibri" panose="020F0502020204030204" pitchFamily="34" charset="0"/>
-                        </a:rPr>
-                        <a:t>chr8:120081031</a:t>
-                      </a:r>
-                    </a:p>
-                  </a:txBody>
-                  <a:tcPr marL="7620" marR="7620" marT="7620" marB="0" anchor="b"/>
-                </a:tc>
-                <a:tc>
-                  <a:txBody>
-                    <a:bodyPr/>
-                    <a:lstStyle/>
-                    <a:p>
-                      <a:pPr algn="l" fontAlgn="b"/>
-                      <a:r>
-                        <a:rPr lang="en-GB" sz="1100" b="0" i="0" u="none" strike="noStrike">
-                          <a:solidFill>
-                            <a:srgbClr val="000000"/>
-                          </a:solidFill>
-                          <a:effectLst/>
-                          <a:latin typeface="Calibri" panose="020F0502020204030204" pitchFamily="34" charset="0"/>
-                        </a:rPr>
-                        <a:t>rs2247769</a:t>
-                      </a:r>
-                    </a:p>
-                  </a:txBody>
-                  <a:tcPr marL="7620" marR="7620" marT="7620" marB="0" anchor="b"/>
-                </a:tc>
-                <a:tc>
-                  <a:txBody>
-                    <a:bodyPr/>
-                    <a:lstStyle/>
-                    <a:p>
-                      <a:pPr algn="l" fontAlgn="b"/>
-                      <a:r>
-                        <a:rPr lang="en-GB" sz="1100" b="0" i="0" u="none" strike="noStrike">
-                          <a:solidFill>
-                            <a:srgbClr val="000000"/>
-                          </a:solidFill>
-                          <a:effectLst/>
-                          <a:latin typeface="Calibri" panose="020F0502020204030204" pitchFamily="34" charset="0"/>
-                        </a:rPr>
-                        <a:t>chr8:120081031</a:t>
-                      </a:r>
-                    </a:p>
-                  </a:txBody>
-                  <a:tcPr marL="7620" marR="7620" marT="7620" marB="0" anchor="b"/>
-                </a:tc>
-                <a:tc>
-                  <a:txBody>
-                    <a:bodyPr/>
-                    <a:lstStyle/>
-                    <a:p>
-                      <a:pPr algn="l" fontAlgn="b"/>
-                      <a:r>
-                        <a:rPr lang="en-GB" sz="1100" b="0" i="0" u="none" strike="noStrike">
-                          <a:solidFill>
-                            <a:srgbClr val="000000"/>
-                          </a:solidFill>
-                          <a:effectLst/>
-                          <a:latin typeface="Calibri" panose="020F0502020204030204" pitchFamily="34" charset="0"/>
-                        </a:rPr>
-                        <a:t>C/T</a:t>
-                      </a:r>
-                    </a:p>
-                  </a:txBody>
-                  <a:tcPr marL="7620" marR="7620" marT="7620" marB="0" anchor="b"/>
-                </a:tc>
-                <a:extLst>
-                  <a:ext uri="{0D108BD9-81ED-4DB2-BD59-A6C34878D82A}">
-                    <a16:rowId xmlns:a16="http://schemas.microsoft.com/office/drawing/2014/main" val="463528673"/>
-                  </a:ext>
-                </a:extLst>
-              </a:tr>
-              <a:tr h="403412">
-                <a:tc>
-                  <a:txBody>
-                    <a:bodyPr/>
-                    <a:lstStyle/>
-                    <a:p>
-                      <a:pPr algn="l" fontAlgn="b"/>
-                      <a:r>
-                        <a:rPr lang="en-GB" sz="1100" b="0" i="0" u="none" strike="noStrike">
-                          <a:solidFill>
-                            <a:srgbClr val="FF0000"/>
-                          </a:solidFill>
-                          <a:effectLst/>
-                          <a:latin typeface="Calibri" panose="020F0502020204030204" pitchFamily="34" charset="0"/>
-                        </a:rPr>
-                        <a:t>chr17:26694861</a:t>
-                      </a:r>
-                    </a:p>
-                  </a:txBody>
-                  <a:tcPr marL="7620" marR="7620" marT="7620" marB="0" anchor="b"/>
-                </a:tc>
-                <a:tc>
-                  <a:txBody>
-                    <a:bodyPr/>
-                    <a:lstStyle/>
-                    <a:p>
-                      <a:pPr algn="l" fontAlgn="b"/>
-                      <a:r>
-                        <a:rPr lang="en-GB" sz="1100" b="0" i="0" u="none" strike="noStrike">
-                          <a:solidFill>
-                            <a:srgbClr val="FF0000"/>
-                          </a:solidFill>
-                          <a:effectLst/>
-                          <a:latin typeface="Calibri" panose="020F0502020204030204" pitchFamily="34" charset="0"/>
-                        </a:rPr>
-                        <a:t>rs704</a:t>
-                      </a:r>
-                    </a:p>
-                  </a:txBody>
-                  <a:tcPr marL="7620" marR="7620" marT="7620" marB="0" anchor="b"/>
-                </a:tc>
-                <a:tc>
-                  <a:txBody>
-                    <a:bodyPr/>
-                    <a:lstStyle/>
-                    <a:p>
-                      <a:pPr algn="l" fontAlgn="b"/>
-                      <a:r>
-                        <a:rPr lang="en-GB" sz="1100" b="0" i="0" u="none" strike="noStrike">
-                          <a:solidFill>
-                            <a:srgbClr val="FF0000"/>
-                          </a:solidFill>
-                          <a:effectLst/>
-                          <a:latin typeface="Calibri" panose="020F0502020204030204" pitchFamily="34" charset="0"/>
-                        </a:rPr>
-                        <a:t>chr17:26694861</a:t>
-                      </a:r>
-                    </a:p>
-                  </a:txBody>
-                  <a:tcPr marL="7620" marR="7620" marT="7620" marB="0" anchor="b"/>
-                </a:tc>
-                <a:tc>
-                  <a:txBody>
-                    <a:bodyPr/>
-                    <a:lstStyle/>
-                    <a:p>
-                      <a:pPr algn="l" fontAlgn="b"/>
-                      <a:r>
-                        <a:rPr lang="en-GB" sz="1100" b="0" i="0" u="none" strike="noStrike" dirty="0">
-                          <a:solidFill>
-                            <a:srgbClr val="FF0000"/>
-                          </a:solidFill>
-                          <a:effectLst/>
-                          <a:latin typeface="Calibri" panose="020F0502020204030204" pitchFamily="34" charset="0"/>
-                        </a:rPr>
-                        <a:t>G/A</a:t>
-                      </a:r>
-                    </a:p>
-                  </a:txBody>
-                  <a:tcPr marL="7620" marR="7620" marT="7620" marB="0" anchor="b"/>
-                </a:tc>
-                <a:extLst>
-                  <a:ext uri="{0D108BD9-81ED-4DB2-BD59-A6C34878D82A}">
-                    <a16:rowId xmlns:a16="http://schemas.microsoft.com/office/drawing/2014/main" val="4201455789"/>
-                  </a:ext>
-                </a:extLst>
-              </a:tr>
-              <a:tr h="403412">
-                <a:tc>
-                  <a:txBody>
-                    <a:bodyPr/>
-                    <a:lstStyle/>
-                    <a:p>
-                      <a:pPr algn="l" fontAlgn="b"/>
-                      <a:r>
-                        <a:rPr lang="en-GB" sz="1100" b="0" i="0" u="none" strike="noStrike" dirty="0">
-                          <a:solidFill>
-                            <a:srgbClr val="000000"/>
-                          </a:solidFill>
-                          <a:effectLst/>
-                          <a:latin typeface="Calibri" panose="020F0502020204030204" pitchFamily="34" charset="0"/>
-                        </a:rPr>
-                        <a:t>chr19:1227505</a:t>
-                      </a:r>
-                    </a:p>
-                  </a:txBody>
-                  <a:tcPr marL="7620" marR="7620" marT="7620" marB="0" anchor="b"/>
-                </a:tc>
-                <a:tc>
-                  <a:txBody>
-                    <a:bodyPr/>
-                    <a:lstStyle/>
-                    <a:p>
-                      <a:pPr algn="l" fontAlgn="b"/>
-                      <a:r>
-                        <a:rPr lang="en-GB" sz="1100" b="0" i="0" u="none" strike="noStrike">
-                          <a:solidFill>
-                            <a:srgbClr val="000000"/>
-                          </a:solidFill>
-                          <a:effectLst/>
-                          <a:latin typeface="Calibri" panose="020F0502020204030204" pitchFamily="34" charset="0"/>
-                        </a:rPr>
-                        <a:t>rs7259447</a:t>
-                      </a:r>
-                    </a:p>
-                  </a:txBody>
-                  <a:tcPr marL="7620" marR="7620" marT="7620" marB="0" anchor="b"/>
-                </a:tc>
-                <a:tc>
-                  <a:txBody>
-                    <a:bodyPr/>
-                    <a:lstStyle/>
-                    <a:p>
-                      <a:pPr algn="l" fontAlgn="b"/>
-                      <a:r>
-                        <a:rPr lang="en-GB" sz="1100" b="0" i="0" u="none" strike="noStrike">
-                          <a:solidFill>
-                            <a:srgbClr val="000000"/>
-                          </a:solidFill>
-                          <a:effectLst/>
-                          <a:latin typeface="Calibri" panose="020F0502020204030204" pitchFamily="34" charset="0"/>
-                        </a:rPr>
-                        <a:t>chr19:1227505</a:t>
-                      </a:r>
-                    </a:p>
-                  </a:txBody>
-                  <a:tcPr marL="7620" marR="7620" marT="7620" marB="0" anchor="b"/>
-                </a:tc>
-                <a:tc>
-                  <a:txBody>
-                    <a:bodyPr/>
-                    <a:lstStyle/>
-                    <a:p>
-                      <a:pPr algn="l" fontAlgn="b"/>
-                      <a:r>
-                        <a:rPr lang="en-GB" sz="1100" b="0" i="0" u="none" strike="noStrike">
-                          <a:solidFill>
-                            <a:srgbClr val="000000"/>
-                          </a:solidFill>
-                          <a:effectLst/>
-                          <a:latin typeface="Calibri" panose="020F0502020204030204" pitchFamily="34" charset="0"/>
-                        </a:rPr>
-                        <a:t>C/T</a:t>
-                      </a:r>
-                    </a:p>
-                  </a:txBody>
-                  <a:tcPr marL="7620" marR="7620" marT="7620" marB="0" anchor="b"/>
-                </a:tc>
-                <a:extLst>
-                  <a:ext uri="{0D108BD9-81ED-4DB2-BD59-A6C34878D82A}">
-                    <a16:rowId xmlns:a16="http://schemas.microsoft.com/office/drawing/2014/main" val="2380621020"/>
-                  </a:ext>
-                </a:extLst>
-              </a:tr>
-              <a:tr h="403412">
-                <a:tc>
-                  <a:txBody>
-                    <a:bodyPr/>
-                    <a:lstStyle/>
-                    <a:p>
-                      <a:pPr algn="l" fontAlgn="b"/>
-                      <a:r>
-                        <a:rPr lang="en-GB" sz="1100" b="0" i="0" u="none" strike="noStrike">
-                          <a:solidFill>
-                            <a:srgbClr val="000000"/>
-                          </a:solidFill>
-                          <a:effectLst/>
-                          <a:latin typeface="Calibri" panose="020F0502020204030204" pitchFamily="34" charset="0"/>
-                        </a:rPr>
-                        <a:t>chr19:1403959</a:t>
-                      </a:r>
-                    </a:p>
-                  </a:txBody>
-                  <a:tcPr marL="7620" marR="7620" marT="7620" marB="0" anchor="b"/>
-                </a:tc>
-                <a:tc>
-                  <a:txBody>
-                    <a:bodyPr/>
-                    <a:lstStyle/>
-                    <a:p>
-                      <a:pPr algn="l" fontAlgn="b"/>
-                      <a:r>
-                        <a:rPr lang="en-GB" sz="1100" b="0" i="0" u="none" strike="noStrike">
-                          <a:solidFill>
-                            <a:srgbClr val="000000"/>
-                          </a:solidFill>
-                          <a:effectLst/>
-                          <a:latin typeface="Calibri" panose="020F0502020204030204" pitchFamily="34" charset="0"/>
-                        </a:rPr>
-                        <a:t>chr19:1403959</a:t>
-                      </a:r>
-                    </a:p>
-                  </a:txBody>
-                  <a:tcPr marL="7620" marR="7620" marT="7620" marB="0" anchor="b"/>
-                </a:tc>
-                <a:tc>
-                  <a:txBody>
-                    <a:bodyPr/>
-                    <a:lstStyle/>
-                    <a:p>
-                      <a:pPr algn="l" fontAlgn="b"/>
-                      <a:r>
-                        <a:rPr lang="en-GB" sz="1100" b="0" i="0" u="none" strike="noStrike">
-                          <a:solidFill>
-                            <a:srgbClr val="000000"/>
-                          </a:solidFill>
-                          <a:effectLst/>
-                          <a:latin typeface="Calibri" panose="020F0502020204030204" pitchFamily="34" charset="0"/>
-                        </a:rPr>
-                        <a:t>chr19:1403959</a:t>
-                      </a:r>
-                    </a:p>
-                  </a:txBody>
-                  <a:tcPr marL="7620" marR="7620" marT="7620" marB="0" anchor="b"/>
-                </a:tc>
-                <a:tc>
-                  <a:txBody>
-                    <a:bodyPr/>
-                    <a:lstStyle/>
-                    <a:p>
-                      <a:pPr algn="l" fontAlgn="b"/>
-                      <a:r>
-                        <a:rPr lang="en-GB" sz="1100" b="0" i="0" u="none" strike="noStrike">
-                          <a:solidFill>
-                            <a:srgbClr val="000000"/>
-                          </a:solidFill>
-                          <a:effectLst/>
-                          <a:latin typeface="Calibri" panose="020F0502020204030204" pitchFamily="34" charset="0"/>
-                        </a:rPr>
-                        <a:t>C/G</a:t>
-                      </a:r>
-                    </a:p>
-                  </a:txBody>
-                  <a:tcPr marL="7620" marR="7620" marT="7620" marB="0" anchor="b"/>
-                </a:tc>
-                <a:extLst>
-                  <a:ext uri="{0D108BD9-81ED-4DB2-BD59-A6C34878D82A}">
-                    <a16:rowId xmlns:a16="http://schemas.microsoft.com/office/drawing/2014/main" val="631381923"/>
-                  </a:ext>
-                </a:extLst>
-              </a:tr>
-              <a:tr h="403412">
-                <a:tc>
-                  <a:txBody>
-                    <a:bodyPr/>
-                    <a:lstStyle/>
-                    <a:p>
-                      <a:pPr algn="l" fontAlgn="b"/>
-                      <a:r>
-                        <a:rPr lang="en-GB" sz="1100" b="0" i="0" u="none" strike="noStrike">
-                          <a:solidFill>
-                            <a:srgbClr val="000000"/>
-                          </a:solidFill>
-                          <a:effectLst/>
-                          <a:latin typeface="Calibri" panose="020F0502020204030204" pitchFamily="34" charset="0"/>
-                        </a:rPr>
-                        <a:t>chr19:3932314</a:t>
-                      </a:r>
-                    </a:p>
-                  </a:txBody>
-                  <a:tcPr marL="7620" marR="7620" marT="7620" marB="0" anchor="b"/>
-                </a:tc>
-                <a:tc>
-                  <a:txBody>
-                    <a:bodyPr/>
-                    <a:lstStyle/>
-                    <a:p>
-                      <a:pPr algn="l" fontAlgn="b"/>
-                      <a:r>
-                        <a:rPr lang="en-GB" sz="1100" b="0" i="0" u="none" strike="noStrike">
-                          <a:solidFill>
-                            <a:srgbClr val="000000"/>
-                          </a:solidFill>
-                          <a:effectLst/>
-                          <a:latin typeface="Calibri" panose="020F0502020204030204" pitchFamily="34" charset="0"/>
-                        </a:rPr>
-                        <a:t>rs149200741</a:t>
-                      </a:r>
-                    </a:p>
-                  </a:txBody>
-                  <a:tcPr marL="7620" marR="7620" marT="7620" marB="0" anchor="b"/>
-                </a:tc>
-                <a:tc>
-                  <a:txBody>
-                    <a:bodyPr/>
-                    <a:lstStyle/>
-                    <a:p>
-                      <a:pPr algn="l" fontAlgn="b"/>
-                      <a:r>
-                        <a:rPr lang="en-GB" sz="1100" b="0" i="0" u="none" strike="noStrike">
-                          <a:solidFill>
-                            <a:srgbClr val="000000"/>
-                          </a:solidFill>
-                          <a:effectLst/>
-                          <a:latin typeface="Calibri" panose="020F0502020204030204" pitchFamily="34" charset="0"/>
-                        </a:rPr>
-                        <a:t>chr19:3932314</a:t>
-                      </a:r>
-                    </a:p>
-                  </a:txBody>
-                  <a:tcPr marL="7620" marR="7620" marT="7620" marB="0" anchor="b"/>
-                </a:tc>
-                <a:tc>
-                  <a:txBody>
-                    <a:bodyPr/>
-                    <a:lstStyle/>
-                    <a:p>
-                      <a:pPr algn="l" fontAlgn="b"/>
-                      <a:r>
-                        <a:rPr lang="en-GB" sz="1100" b="0" i="0" u="none" strike="noStrike">
-                          <a:solidFill>
-                            <a:srgbClr val="000000"/>
-                          </a:solidFill>
-                          <a:effectLst/>
-                          <a:latin typeface="Calibri" panose="020F0502020204030204" pitchFamily="34" charset="0"/>
-                        </a:rPr>
-                        <a:t>C/T</a:t>
-                      </a:r>
-                    </a:p>
-                  </a:txBody>
-                  <a:tcPr marL="7620" marR="7620" marT="7620" marB="0" anchor="b"/>
-                </a:tc>
-                <a:extLst>
-                  <a:ext uri="{0D108BD9-81ED-4DB2-BD59-A6C34878D82A}">
-                    <a16:rowId xmlns:a16="http://schemas.microsoft.com/office/drawing/2014/main" val="280472112"/>
-                  </a:ext>
-                </a:extLst>
-              </a:tr>
-              <a:tr h="403412">
-                <a:tc>
-                  <a:txBody>
-                    <a:bodyPr/>
-                    <a:lstStyle/>
-                    <a:p>
-                      <a:pPr algn="l" fontAlgn="b"/>
-                      <a:r>
-                        <a:rPr lang="en-GB" sz="1100" b="0" i="0" u="none" strike="noStrike">
-                          <a:solidFill>
-                            <a:srgbClr val="000000"/>
-                          </a:solidFill>
-                          <a:effectLst/>
-                          <a:latin typeface="Calibri" panose="020F0502020204030204" pitchFamily="34" charset="0"/>
-                        </a:rPr>
-                        <a:t>chr19:6641765</a:t>
-                      </a:r>
-                    </a:p>
-                  </a:txBody>
-                  <a:tcPr marL="7620" marR="7620" marT="7620" marB="0" anchor="b"/>
-                </a:tc>
-                <a:tc>
-                  <a:txBody>
-                    <a:bodyPr/>
-                    <a:lstStyle/>
-                    <a:p>
-                      <a:pPr algn="l" fontAlgn="b"/>
-                      <a:r>
-                        <a:rPr lang="en-GB" sz="1100" b="0" i="0" u="none" strike="noStrike">
-                          <a:solidFill>
-                            <a:srgbClr val="000000"/>
-                          </a:solidFill>
-                          <a:effectLst/>
-                          <a:latin typeface="Calibri" panose="020F0502020204030204" pitchFamily="34" charset="0"/>
-                        </a:rPr>
-                        <a:t>rs56029314</a:t>
-                      </a:r>
-                    </a:p>
-                  </a:txBody>
-                  <a:tcPr marL="7620" marR="7620" marT="7620" marB="0" anchor="b"/>
-                </a:tc>
-                <a:tc>
-                  <a:txBody>
-                    <a:bodyPr/>
-                    <a:lstStyle/>
-                    <a:p>
-                      <a:pPr algn="l" fontAlgn="b"/>
-                      <a:r>
-                        <a:rPr lang="en-GB" sz="1100" b="0" i="0" u="none" strike="noStrike">
-                          <a:solidFill>
-                            <a:srgbClr val="000000"/>
-                          </a:solidFill>
-                          <a:effectLst/>
-                          <a:latin typeface="Calibri" panose="020F0502020204030204" pitchFamily="34" charset="0"/>
-                        </a:rPr>
-                        <a:t>chr19:6641765</a:t>
-                      </a:r>
-                    </a:p>
-                  </a:txBody>
-                  <a:tcPr marL="7620" marR="7620" marT="7620" marB="0" anchor="b"/>
-                </a:tc>
-                <a:tc>
-                  <a:txBody>
-                    <a:bodyPr/>
-                    <a:lstStyle/>
-                    <a:p>
-                      <a:pPr algn="l" fontAlgn="b"/>
-                      <a:r>
-                        <a:rPr lang="en-GB" sz="1100" b="0" i="0" u="none" strike="noStrike">
-                          <a:solidFill>
-                            <a:srgbClr val="000000"/>
-                          </a:solidFill>
-                          <a:effectLst/>
-                          <a:latin typeface="Calibri" panose="020F0502020204030204" pitchFamily="34" charset="0"/>
-                        </a:rPr>
-                        <a:t>C/T</a:t>
-                      </a:r>
-                    </a:p>
-                  </a:txBody>
-                  <a:tcPr marL="7620" marR="7620" marT="7620" marB="0" anchor="b"/>
-                </a:tc>
-                <a:extLst>
-                  <a:ext uri="{0D108BD9-81ED-4DB2-BD59-A6C34878D82A}">
-                    <a16:rowId xmlns:a16="http://schemas.microsoft.com/office/drawing/2014/main" val="1016826138"/>
-                  </a:ext>
-                </a:extLst>
-              </a:tr>
-              <a:tr h="403412">
-                <a:tc>
-                  <a:txBody>
-                    <a:bodyPr/>
-                    <a:lstStyle/>
-                    <a:p>
-                      <a:pPr algn="l" fontAlgn="b"/>
-                      <a:r>
-                        <a:rPr lang="en-GB" sz="1100" b="0" i="0" u="none" strike="noStrike" dirty="0">
-                          <a:solidFill>
-                            <a:srgbClr val="000000"/>
-                          </a:solidFill>
-                          <a:effectLst/>
-                          <a:latin typeface="Calibri" panose="020F0502020204030204" pitchFamily="34" charset="0"/>
-                        </a:rPr>
-                        <a:t>chr19:6665020</a:t>
-                      </a:r>
-                    </a:p>
-                  </a:txBody>
-                  <a:tcPr marL="7620" marR="7620" marT="7620" marB="0" anchor="b"/>
-                </a:tc>
-                <a:tc>
-                  <a:txBody>
-                    <a:bodyPr/>
-                    <a:lstStyle/>
-                    <a:p>
-                      <a:pPr algn="l" fontAlgn="b"/>
-                      <a:r>
-                        <a:rPr lang="en-GB" sz="1100" b="0" i="0" u="none" strike="noStrike">
-                          <a:solidFill>
-                            <a:srgbClr val="000000"/>
-                          </a:solidFill>
-                          <a:effectLst/>
-                          <a:latin typeface="Calibri" panose="020F0502020204030204" pitchFamily="34" charset="0"/>
-                        </a:rPr>
-                        <a:t>rs344560</a:t>
-                      </a:r>
-                    </a:p>
-                  </a:txBody>
-                  <a:tcPr marL="7620" marR="7620" marT="7620" marB="0" anchor="b"/>
-                </a:tc>
-                <a:tc>
-                  <a:txBody>
-                    <a:bodyPr/>
-                    <a:lstStyle/>
-                    <a:p>
-                      <a:pPr algn="l" fontAlgn="b"/>
-                      <a:r>
-                        <a:rPr lang="en-GB" sz="1100" b="0" i="0" u="none" strike="noStrike">
-                          <a:solidFill>
-                            <a:srgbClr val="000000"/>
-                          </a:solidFill>
-                          <a:effectLst/>
-                          <a:latin typeface="Calibri" panose="020F0502020204030204" pitchFamily="34" charset="0"/>
-                        </a:rPr>
-                        <a:t>chr19:6665020</a:t>
-                      </a:r>
-                    </a:p>
-                  </a:txBody>
-                  <a:tcPr marL="7620" marR="7620" marT="7620" marB="0" anchor="b"/>
-                </a:tc>
-                <a:tc>
-                  <a:txBody>
-                    <a:bodyPr/>
-                    <a:lstStyle/>
-                    <a:p>
-                      <a:pPr algn="l" fontAlgn="b"/>
-                      <a:r>
-                        <a:rPr lang="en-GB" sz="1100" b="0" i="0" u="none" strike="noStrike">
-                          <a:solidFill>
-                            <a:srgbClr val="000000"/>
-                          </a:solidFill>
-                          <a:effectLst/>
-                          <a:latin typeface="Calibri" panose="020F0502020204030204" pitchFamily="34" charset="0"/>
-                        </a:rPr>
-                        <a:t>T/C</a:t>
-                      </a:r>
-                    </a:p>
-                  </a:txBody>
-                  <a:tcPr marL="7620" marR="7620" marT="7620" marB="0" anchor="b"/>
-                </a:tc>
-                <a:extLst>
-                  <a:ext uri="{0D108BD9-81ED-4DB2-BD59-A6C34878D82A}">
-                    <a16:rowId xmlns:a16="http://schemas.microsoft.com/office/drawing/2014/main" val="3637693929"/>
-                  </a:ext>
-                </a:extLst>
-              </a:tr>
-              <a:tr h="403412">
-                <a:tc>
-                  <a:txBody>
-                    <a:bodyPr/>
-                    <a:lstStyle/>
-                    <a:p>
-                      <a:pPr algn="l" fontAlgn="b"/>
-                      <a:r>
-                        <a:rPr lang="en-GB" sz="1100" b="0" i="0" u="none" strike="noStrike">
-                          <a:solidFill>
-                            <a:srgbClr val="000000"/>
-                          </a:solidFill>
-                          <a:effectLst/>
-                          <a:latin typeface="Calibri" panose="020F0502020204030204" pitchFamily="34" charset="0"/>
-                        </a:rPr>
-                        <a:t>chr19:6673889</a:t>
-                      </a:r>
-                    </a:p>
-                  </a:txBody>
-                  <a:tcPr marL="7620" marR="7620" marT="7620" marB="0" anchor="b"/>
-                </a:tc>
-                <a:tc>
-                  <a:txBody>
-                    <a:bodyPr/>
-                    <a:lstStyle/>
-                    <a:p>
-                      <a:pPr algn="l" fontAlgn="b"/>
-                      <a:r>
-                        <a:rPr lang="en-GB" sz="1100" b="0" i="0" u="none" strike="noStrike">
-                          <a:solidFill>
-                            <a:srgbClr val="000000"/>
-                          </a:solidFill>
-                          <a:effectLst/>
-                          <a:latin typeface="Calibri" panose="020F0502020204030204" pitchFamily="34" charset="0"/>
-                        </a:rPr>
-                        <a:t>rs6510917</a:t>
-                      </a:r>
-                    </a:p>
-                  </a:txBody>
-                  <a:tcPr marL="7620" marR="7620" marT="7620" marB="0" anchor="b"/>
-                </a:tc>
-                <a:tc>
-                  <a:txBody>
-                    <a:bodyPr/>
-                    <a:lstStyle/>
-                    <a:p>
-                      <a:pPr algn="l" fontAlgn="b"/>
-                      <a:r>
-                        <a:rPr lang="en-GB" sz="1100" b="0" i="0" u="none" strike="noStrike" dirty="0">
-                          <a:solidFill>
-                            <a:srgbClr val="000000"/>
-                          </a:solidFill>
-                          <a:effectLst/>
-                          <a:latin typeface="Calibri" panose="020F0502020204030204" pitchFamily="34" charset="0"/>
-                        </a:rPr>
-                        <a:t>chr19:6673889</a:t>
-                      </a:r>
-                    </a:p>
-                  </a:txBody>
-                  <a:tcPr marL="7620" marR="7620" marT="7620" marB="0" anchor="b"/>
-                </a:tc>
-                <a:tc>
-                  <a:txBody>
-                    <a:bodyPr/>
-                    <a:lstStyle/>
-                    <a:p>
-                      <a:pPr algn="l" fontAlgn="b"/>
-                      <a:r>
-                        <a:rPr lang="en-GB" sz="1100" b="0" i="0" u="none" strike="noStrike">
-                          <a:solidFill>
-                            <a:srgbClr val="000000"/>
-                          </a:solidFill>
-                          <a:effectLst/>
-                          <a:latin typeface="Calibri" panose="020F0502020204030204" pitchFamily="34" charset="0"/>
-                        </a:rPr>
-                        <a:t>A/G</a:t>
-                      </a:r>
-                    </a:p>
-                  </a:txBody>
-                  <a:tcPr marL="7620" marR="7620" marT="7620" marB="0" anchor="b"/>
-                </a:tc>
-                <a:extLst>
-                  <a:ext uri="{0D108BD9-81ED-4DB2-BD59-A6C34878D82A}">
-                    <a16:rowId xmlns:a16="http://schemas.microsoft.com/office/drawing/2014/main" val="3168733370"/>
-                  </a:ext>
-                </a:extLst>
-              </a:tr>
-              <a:tr h="403412">
-                <a:tc>
-                  <a:txBody>
-                    <a:bodyPr/>
-                    <a:lstStyle/>
-                    <a:p>
-                      <a:pPr algn="l" fontAlgn="b"/>
-                      <a:r>
-                        <a:rPr lang="en-GB" sz="1100" b="0" i="0" u="none" strike="noStrike">
-                          <a:solidFill>
-                            <a:srgbClr val="000000"/>
-                          </a:solidFill>
-                          <a:effectLst/>
-                          <a:latin typeface="Calibri" panose="020F0502020204030204" pitchFamily="34" charset="0"/>
-                        </a:rPr>
-                        <a:t>chr19:6704670</a:t>
-                      </a:r>
-                    </a:p>
-                  </a:txBody>
-                  <a:tcPr marL="7620" marR="7620" marT="7620" marB="0" anchor="b"/>
-                </a:tc>
-                <a:tc>
-                  <a:txBody>
-                    <a:bodyPr/>
-                    <a:lstStyle/>
-                    <a:p>
-                      <a:pPr algn="l" fontAlgn="b"/>
-                      <a:r>
-                        <a:rPr lang="en-GB" sz="1100" b="0" i="0" u="none" strike="noStrike">
-                          <a:solidFill>
-                            <a:srgbClr val="000000"/>
-                          </a:solidFill>
-                          <a:effectLst/>
-                          <a:latin typeface="Calibri" panose="020F0502020204030204" pitchFamily="34" charset="0"/>
-                        </a:rPr>
-                        <a:t>rs11085195</a:t>
-                      </a:r>
-                    </a:p>
-                  </a:txBody>
-                  <a:tcPr marL="7620" marR="7620" marT="7620" marB="0" anchor="b"/>
-                </a:tc>
-                <a:tc>
-                  <a:txBody>
-                    <a:bodyPr/>
-                    <a:lstStyle/>
-                    <a:p>
-                      <a:pPr algn="l" fontAlgn="b"/>
-                      <a:r>
-                        <a:rPr lang="en-GB" sz="1100" b="0" i="0" u="none" strike="noStrike">
-                          <a:solidFill>
-                            <a:srgbClr val="000000"/>
-                          </a:solidFill>
-                          <a:effectLst/>
-                          <a:latin typeface="Calibri" panose="020F0502020204030204" pitchFamily="34" charset="0"/>
-                        </a:rPr>
-                        <a:t>chr19:6704670</a:t>
-                      </a:r>
-                    </a:p>
-                  </a:txBody>
-                  <a:tcPr marL="7620" marR="7620" marT="7620" marB="0" anchor="b"/>
-                </a:tc>
-                <a:tc>
-                  <a:txBody>
-                    <a:bodyPr/>
-                    <a:lstStyle/>
-                    <a:p>
-                      <a:pPr algn="l" fontAlgn="b"/>
-                      <a:r>
-                        <a:rPr lang="en-GB" sz="1100" b="0" i="0" u="none" strike="noStrike">
-                          <a:solidFill>
-                            <a:srgbClr val="000000"/>
-                          </a:solidFill>
-                          <a:effectLst/>
-                          <a:latin typeface="Calibri" panose="020F0502020204030204" pitchFamily="34" charset="0"/>
-                        </a:rPr>
-                        <a:t>T/C</a:t>
-                      </a:r>
-                    </a:p>
-                  </a:txBody>
-                  <a:tcPr marL="7620" marR="7620" marT="7620" marB="0" anchor="b"/>
-                </a:tc>
-                <a:extLst>
-                  <a:ext uri="{0D108BD9-81ED-4DB2-BD59-A6C34878D82A}">
-                    <a16:rowId xmlns:a16="http://schemas.microsoft.com/office/drawing/2014/main" val="1391176935"/>
-                  </a:ext>
-                </a:extLst>
-              </a:tr>
-              <a:tr h="403412">
-                <a:tc>
-                  <a:txBody>
-                    <a:bodyPr/>
-                    <a:lstStyle/>
-                    <a:p>
-                      <a:pPr algn="l" fontAlgn="b"/>
-                      <a:r>
-                        <a:rPr lang="en-GB" sz="1100" b="0" i="0" u="none" strike="noStrike">
-                          <a:solidFill>
-                            <a:srgbClr val="000000"/>
-                          </a:solidFill>
-                          <a:effectLst/>
-                          <a:latin typeface="Calibri" panose="020F0502020204030204" pitchFamily="34" charset="0"/>
-                        </a:rPr>
-                        <a:t>chr19:8094596</a:t>
-                      </a:r>
-                    </a:p>
-                  </a:txBody>
-                  <a:tcPr marL="7620" marR="7620" marT="7620" marB="0" anchor="b"/>
-                </a:tc>
-                <a:tc>
-                  <a:txBody>
-                    <a:bodyPr/>
-                    <a:lstStyle/>
-                    <a:p>
-                      <a:pPr algn="l" fontAlgn="b"/>
-                      <a:r>
-                        <a:rPr lang="en-GB" sz="1100" b="0" i="0" u="none" strike="noStrike">
-                          <a:solidFill>
-                            <a:srgbClr val="000000"/>
-                          </a:solidFill>
-                          <a:effectLst/>
-                          <a:latin typeface="Calibri" panose="020F0502020204030204" pitchFamily="34" charset="0"/>
-                        </a:rPr>
-                        <a:t>rs142682195</a:t>
-                      </a:r>
-                    </a:p>
-                  </a:txBody>
-                  <a:tcPr marL="7620" marR="7620" marT="7620" marB="0" anchor="b"/>
-                </a:tc>
-                <a:tc>
-                  <a:txBody>
-                    <a:bodyPr/>
-                    <a:lstStyle/>
-                    <a:p>
-                      <a:pPr algn="l" fontAlgn="b"/>
-                      <a:r>
-                        <a:rPr lang="en-GB" sz="1100" b="0" i="0" u="none" strike="noStrike">
-                          <a:solidFill>
-                            <a:srgbClr val="000000"/>
-                          </a:solidFill>
-                          <a:effectLst/>
-                          <a:latin typeface="Calibri" panose="020F0502020204030204" pitchFamily="34" charset="0"/>
-                        </a:rPr>
-                        <a:t>chr19:8094596</a:t>
-                      </a:r>
-                    </a:p>
-                  </a:txBody>
-                  <a:tcPr marL="7620" marR="7620" marT="7620" marB="0" anchor="b"/>
-                </a:tc>
-                <a:tc>
-                  <a:txBody>
-                    <a:bodyPr/>
-                    <a:lstStyle/>
-                    <a:p>
-                      <a:pPr algn="l" fontAlgn="b"/>
-                      <a:r>
-                        <a:rPr lang="en-GB" sz="1100" b="0" i="0" u="none" strike="noStrike">
-                          <a:solidFill>
-                            <a:srgbClr val="000000"/>
-                          </a:solidFill>
-                          <a:effectLst/>
-                          <a:latin typeface="Calibri" panose="020F0502020204030204" pitchFamily="34" charset="0"/>
-                        </a:rPr>
-                        <a:t>A/G</a:t>
-                      </a:r>
-                    </a:p>
-                  </a:txBody>
-                  <a:tcPr marL="7620" marR="7620" marT="7620" marB="0" anchor="b"/>
-                </a:tc>
-                <a:extLst>
-                  <a:ext uri="{0D108BD9-81ED-4DB2-BD59-A6C34878D82A}">
-                    <a16:rowId xmlns:a16="http://schemas.microsoft.com/office/drawing/2014/main" val="522236567"/>
-                  </a:ext>
-                </a:extLst>
-              </a:tr>
-              <a:tr h="403412">
-                <a:tc>
-                  <a:txBody>
-                    <a:bodyPr/>
-                    <a:lstStyle/>
-                    <a:p>
-                      <a:pPr algn="l" fontAlgn="b"/>
-                      <a:r>
-                        <a:rPr lang="en-GB" sz="1100" b="0" i="0" u="none" strike="noStrike">
-                          <a:solidFill>
-                            <a:srgbClr val="000000"/>
-                          </a:solidFill>
-                          <a:effectLst/>
-                          <a:latin typeface="Calibri" panose="020F0502020204030204" pitchFamily="34" charset="0"/>
-                        </a:rPr>
-                        <a:t>chr19:8120283</a:t>
-                      </a:r>
-                    </a:p>
-                  </a:txBody>
-                  <a:tcPr marL="7620" marR="7620" marT="7620" marB="0" anchor="b"/>
-                </a:tc>
-                <a:tc>
-                  <a:txBody>
-                    <a:bodyPr/>
-                    <a:lstStyle/>
-                    <a:p>
-                      <a:pPr algn="l" fontAlgn="b"/>
-                      <a:r>
-                        <a:rPr lang="en-GB" sz="1100" b="0" i="0" u="none" strike="noStrike">
-                          <a:solidFill>
-                            <a:srgbClr val="000000"/>
-                          </a:solidFill>
-                          <a:effectLst/>
-                          <a:latin typeface="Calibri" panose="020F0502020204030204" pitchFamily="34" charset="0"/>
-                        </a:rPr>
-                        <a:t>chr19:8120283</a:t>
-                      </a:r>
-                    </a:p>
-                  </a:txBody>
-                  <a:tcPr marL="7620" marR="7620" marT="7620" marB="0" anchor="b"/>
-                </a:tc>
-                <a:tc>
-                  <a:txBody>
-                    <a:bodyPr/>
-                    <a:lstStyle/>
-                    <a:p>
-                      <a:pPr algn="l" fontAlgn="b"/>
-                      <a:r>
-                        <a:rPr lang="en-GB" sz="1100" b="0" i="0" u="none" strike="noStrike">
-                          <a:solidFill>
-                            <a:srgbClr val="000000"/>
-                          </a:solidFill>
-                          <a:effectLst/>
-                          <a:latin typeface="Calibri" panose="020F0502020204030204" pitchFamily="34" charset="0"/>
-                        </a:rPr>
-                        <a:t>chr19:8120283</a:t>
-                      </a:r>
-                    </a:p>
-                  </a:txBody>
-                  <a:tcPr marL="7620" marR="7620" marT="7620" marB="0" anchor="b"/>
-                </a:tc>
-                <a:tc>
-                  <a:txBody>
-                    <a:bodyPr/>
-                    <a:lstStyle/>
-                    <a:p>
-                      <a:pPr algn="l" fontAlgn="b"/>
-                      <a:r>
-                        <a:rPr lang="en-GB" sz="1100" b="0" i="0" u="none" strike="noStrike">
-                          <a:solidFill>
-                            <a:srgbClr val="000000"/>
-                          </a:solidFill>
-                          <a:effectLst/>
-                          <a:latin typeface="Calibri" panose="020F0502020204030204" pitchFamily="34" charset="0"/>
-                        </a:rPr>
-                        <a:t>NA</a:t>
-                      </a:r>
-                    </a:p>
-                  </a:txBody>
-                  <a:tcPr marL="7620" marR="7620" marT="7620" marB="0" anchor="b"/>
-                </a:tc>
-                <a:extLst>
-                  <a:ext uri="{0D108BD9-81ED-4DB2-BD59-A6C34878D82A}">
-                    <a16:rowId xmlns:a16="http://schemas.microsoft.com/office/drawing/2014/main" val="1643906254"/>
-                  </a:ext>
-                </a:extLst>
-              </a:tr>
-              <a:tr h="403412">
-                <a:tc>
-                  <a:txBody>
-                    <a:bodyPr/>
-                    <a:lstStyle/>
-                    <a:p>
-                      <a:pPr algn="l" fontAlgn="b"/>
-                      <a:r>
-                        <a:rPr lang="en-GB" sz="1100" b="0" i="0" u="none" strike="noStrike">
-                          <a:solidFill>
-                            <a:srgbClr val="000000"/>
-                          </a:solidFill>
-                          <a:effectLst/>
-                          <a:latin typeface="Calibri" panose="020F0502020204030204" pitchFamily="34" charset="0"/>
-                        </a:rPr>
-                        <a:t>chr19:13181330</a:t>
-                      </a:r>
-                    </a:p>
-                  </a:txBody>
-                  <a:tcPr marL="7620" marR="7620" marT="7620" marB="0" anchor="b"/>
-                </a:tc>
-                <a:tc>
-                  <a:txBody>
-                    <a:bodyPr/>
-                    <a:lstStyle/>
-                    <a:p>
-                      <a:pPr algn="l" fontAlgn="b"/>
-                      <a:r>
-                        <a:rPr lang="en-GB" sz="1100" b="0" i="0" u="none" strike="noStrike">
-                          <a:solidFill>
-                            <a:srgbClr val="000000"/>
-                          </a:solidFill>
-                          <a:effectLst/>
-                          <a:latin typeface="Calibri" panose="020F0502020204030204" pitchFamily="34" charset="0"/>
-                        </a:rPr>
-                        <a:t>chr19:13181330</a:t>
-                      </a:r>
-                    </a:p>
-                  </a:txBody>
-                  <a:tcPr marL="7620" marR="7620" marT="7620" marB="0" anchor="b"/>
-                </a:tc>
-                <a:tc>
-                  <a:txBody>
-                    <a:bodyPr/>
-                    <a:lstStyle/>
-                    <a:p>
-                      <a:pPr algn="l" fontAlgn="b"/>
-                      <a:r>
-                        <a:rPr lang="en-GB" sz="1100" b="0" i="0" u="none" strike="noStrike">
-                          <a:solidFill>
-                            <a:srgbClr val="000000"/>
-                          </a:solidFill>
-                          <a:effectLst/>
-                          <a:latin typeface="Calibri" panose="020F0502020204030204" pitchFamily="34" charset="0"/>
-                        </a:rPr>
-                        <a:t>chr19:13181330</a:t>
-                      </a:r>
-                    </a:p>
-                  </a:txBody>
-                  <a:tcPr marL="7620" marR="7620" marT="7620" marB="0" anchor="b"/>
-                </a:tc>
-                <a:tc>
-                  <a:txBody>
-                    <a:bodyPr/>
-                    <a:lstStyle/>
-                    <a:p>
-                      <a:pPr algn="l" fontAlgn="b"/>
-                      <a:r>
-                        <a:rPr lang="en-GB" sz="1100" b="0" i="0" u="none" strike="noStrike">
-                          <a:solidFill>
-                            <a:srgbClr val="000000"/>
-                          </a:solidFill>
-                          <a:effectLst/>
-                          <a:latin typeface="Calibri" panose="020F0502020204030204" pitchFamily="34" charset="0"/>
-                        </a:rPr>
-                        <a:t>NA</a:t>
-                      </a:r>
-                    </a:p>
-                  </a:txBody>
-                  <a:tcPr marL="7620" marR="7620" marT="7620" marB="0" anchor="b"/>
-                </a:tc>
-                <a:extLst>
-                  <a:ext uri="{0D108BD9-81ED-4DB2-BD59-A6C34878D82A}">
-                    <a16:rowId xmlns:a16="http://schemas.microsoft.com/office/drawing/2014/main" val="830810826"/>
-                  </a:ext>
-                </a:extLst>
-              </a:tr>
-              <a:tr h="403412">
-                <a:tc>
-                  <a:txBody>
-                    <a:bodyPr/>
-                    <a:lstStyle/>
-                    <a:p>
-                      <a:pPr algn="l" fontAlgn="b"/>
-                      <a:r>
-                        <a:rPr lang="en-GB" sz="1100" b="0" i="0" u="none" strike="noStrike">
-                          <a:solidFill>
-                            <a:srgbClr val="000000"/>
-                          </a:solidFill>
-                          <a:effectLst/>
-                          <a:latin typeface="Calibri" panose="020F0502020204030204" pitchFamily="34" charset="0"/>
-                        </a:rPr>
-                        <a:t>chr19:14165598</a:t>
-                      </a:r>
-                    </a:p>
-                  </a:txBody>
-                  <a:tcPr marL="7620" marR="7620" marT="7620" marB="0" anchor="b"/>
-                </a:tc>
-                <a:tc>
-                  <a:txBody>
-                    <a:bodyPr/>
-                    <a:lstStyle/>
-                    <a:p>
-                      <a:pPr algn="l" fontAlgn="b"/>
-                      <a:r>
-                        <a:rPr lang="en-GB" sz="1100" b="0" i="0" u="none" strike="noStrike">
-                          <a:solidFill>
-                            <a:srgbClr val="000000"/>
-                          </a:solidFill>
-                          <a:effectLst/>
-                          <a:latin typeface="Calibri" panose="020F0502020204030204" pitchFamily="34" charset="0"/>
-                        </a:rPr>
-                        <a:t>rs56361194</a:t>
-                      </a:r>
-                    </a:p>
-                  </a:txBody>
-                  <a:tcPr marL="7620" marR="7620" marT="7620" marB="0" anchor="b"/>
-                </a:tc>
-                <a:tc>
-                  <a:txBody>
-                    <a:bodyPr/>
-                    <a:lstStyle/>
-                    <a:p>
-                      <a:pPr algn="l" fontAlgn="b"/>
-                      <a:r>
-                        <a:rPr lang="en-GB" sz="1100" b="0" i="0" u="none" strike="noStrike">
-                          <a:solidFill>
-                            <a:srgbClr val="000000"/>
-                          </a:solidFill>
-                          <a:effectLst/>
-                          <a:latin typeface="Calibri" panose="020F0502020204030204" pitchFamily="34" charset="0"/>
-                        </a:rPr>
-                        <a:t>chr19:14165598</a:t>
-                      </a:r>
-                    </a:p>
-                  </a:txBody>
-                  <a:tcPr marL="7620" marR="7620" marT="7620" marB="0" anchor="b"/>
-                </a:tc>
-                <a:tc>
-                  <a:txBody>
-                    <a:bodyPr/>
-                    <a:lstStyle/>
-                    <a:p>
-                      <a:pPr algn="l" fontAlgn="b"/>
-                      <a:r>
-                        <a:rPr lang="en-GB" sz="1100" b="0" i="0" u="none" strike="noStrike">
-                          <a:solidFill>
-                            <a:srgbClr val="000000"/>
-                          </a:solidFill>
-                          <a:effectLst/>
-                          <a:latin typeface="Calibri" panose="020F0502020204030204" pitchFamily="34" charset="0"/>
-                        </a:rPr>
-                        <a:t>C/T</a:t>
-                      </a:r>
-                    </a:p>
-                  </a:txBody>
-                  <a:tcPr marL="7620" marR="7620" marT="7620" marB="0" anchor="b"/>
-                </a:tc>
-                <a:extLst>
-                  <a:ext uri="{0D108BD9-81ED-4DB2-BD59-A6C34878D82A}">
-                    <a16:rowId xmlns:a16="http://schemas.microsoft.com/office/drawing/2014/main" val="1195124701"/>
-                  </a:ext>
-                </a:extLst>
-              </a:tr>
-              <a:tr h="403412">
-                <a:tc>
-                  <a:txBody>
-                    <a:bodyPr/>
-                    <a:lstStyle/>
-                    <a:p>
-                      <a:pPr algn="l" fontAlgn="b"/>
-                      <a:r>
-                        <a:rPr lang="en-GB" sz="1100" b="0" i="0" u="none" strike="noStrike">
-                          <a:solidFill>
-                            <a:srgbClr val="000000"/>
-                          </a:solidFill>
-                          <a:effectLst/>
-                          <a:latin typeface="Calibri" panose="020F0502020204030204" pitchFamily="34" charset="0"/>
-                        </a:rPr>
-                        <a:t>chr19:22506594</a:t>
-                      </a:r>
-                    </a:p>
-                  </a:txBody>
-                  <a:tcPr marL="7620" marR="7620" marT="7620" marB="0" anchor="b"/>
-                </a:tc>
-                <a:tc>
-                  <a:txBody>
-                    <a:bodyPr/>
-                    <a:lstStyle/>
-                    <a:p>
-                      <a:pPr algn="l" fontAlgn="b"/>
-                      <a:r>
-                        <a:rPr lang="en-GB" sz="1100" b="0" i="0" u="none" strike="noStrike">
-                          <a:solidFill>
-                            <a:srgbClr val="000000"/>
-                          </a:solidFill>
-                          <a:effectLst/>
-                          <a:latin typeface="Calibri" panose="020F0502020204030204" pitchFamily="34" charset="0"/>
-                        </a:rPr>
-                        <a:t>rs193135521</a:t>
-                      </a:r>
-                    </a:p>
-                  </a:txBody>
-                  <a:tcPr marL="7620" marR="7620" marT="7620" marB="0" anchor="b"/>
-                </a:tc>
-                <a:tc>
-                  <a:txBody>
-                    <a:bodyPr/>
-                    <a:lstStyle/>
-                    <a:p>
-                      <a:pPr algn="l" fontAlgn="b"/>
-                      <a:r>
-                        <a:rPr lang="en-GB" sz="1100" b="0" i="0" u="none" strike="noStrike">
-                          <a:solidFill>
-                            <a:srgbClr val="000000"/>
-                          </a:solidFill>
-                          <a:effectLst/>
-                          <a:latin typeface="Calibri" panose="020F0502020204030204" pitchFamily="34" charset="0"/>
-                        </a:rPr>
-                        <a:t>chr19:22506594</a:t>
-                      </a:r>
-                    </a:p>
-                  </a:txBody>
-                  <a:tcPr marL="7620" marR="7620" marT="7620" marB="0" anchor="b"/>
-                </a:tc>
-                <a:tc>
-                  <a:txBody>
-                    <a:bodyPr/>
-                    <a:lstStyle/>
-                    <a:p>
-                      <a:pPr algn="l" fontAlgn="b"/>
-                      <a:r>
-                        <a:rPr lang="en-GB" sz="1100" b="0" i="0" u="none" strike="noStrike">
-                          <a:solidFill>
-                            <a:srgbClr val="000000"/>
-                          </a:solidFill>
-                          <a:effectLst/>
-                          <a:latin typeface="Calibri" panose="020F0502020204030204" pitchFamily="34" charset="0"/>
-                        </a:rPr>
-                        <a:t>A/G</a:t>
-                      </a:r>
-                    </a:p>
-                  </a:txBody>
-                  <a:tcPr marL="7620" marR="7620" marT="7620" marB="0" anchor="b"/>
-                </a:tc>
-                <a:extLst>
-                  <a:ext uri="{0D108BD9-81ED-4DB2-BD59-A6C34878D82A}">
-                    <a16:rowId xmlns:a16="http://schemas.microsoft.com/office/drawing/2014/main" val="1314175112"/>
-                  </a:ext>
-                </a:extLst>
-              </a:tr>
-              <a:tr h="403412">
-                <a:tc>
-                  <a:txBody>
-                    <a:bodyPr/>
-                    <a:lstStyle/>
-                    <a:p>
-                      <a:pPr algn="l" fontAlgn="b"/>
-                      <a:r>
-                        <a:rPr lang="en-GB" sz="1100" b="0" i="0" u="none" strike="noStrike" dirty="0">
-                          <a:solidFill>
-                            <a:srgbClr val="000000"/>
-                          </a:solidFill>
-                          <a:effectLst/>
-                          <a:latin typeface="Calibri" panose="020F0502020204030204" pitchFamily="34" charset="0"/>
-                        </a:rPr>
-                        <a:t>chr19:54324995</a:t>
-                      </a:r>
-                    </a:p>
-                  </a:txBody>
-                  <a:tcPr marL="7620" marR="7620" marT="7620" marB="0" anchor="b"/>
-                </a:tc>
-                <a:tc>
-                  <a:txBody>
-                    <a:bodyPr/>
-                    <a:lstStyle/>
-                    <a:p>
-                      <a:pPr algn="l" fontAlgn="b"/>
-                      <a:r>
-                        <a:rPr lang="en-GB" sz="1100" b="0" i="0" u="none" strike="noStrike">
-                          <a:solidFill>
-                            <a:srgbClr val="000000"/>
-                          </a:solidFill>
-                          <a:effectLst/>
-                          <a:latin typeface="Calibri" panose="020F0502020204030204" pitchFamily="34" charset="0"/>
-                        </a:rPr>
-                        <a:t>rs4632248</a:t>
-                      </a:r>
-                    </a:p>
-                  </a:txBody>
-                  <a:tcPr marL="7620" marR="7620" marT="7620" marB="0" anchor="b"/>
-                </a:tc>
-                <a:tc>
-                  <a:txBody>
-                    <a:bodyPr/>
-                    <a:lstStyle/>
-                    <a:p>
-                      <a:pPr algn="l" fontAlgn="b"/>
-                      <a:r>
-                        <a:rPr lang="en-GB" sz="1100" b="0" i="0" u="none" strike="noStrike">
-                          <a:solidFill>
-                            <a:srgbClr val="000000"/>
-                          </a:solidFill>
-                          <a:effectLst/>
-                          <a:latin typeface="Calibri" panose="020F0502020204030204" pitchFamily="34" charset="0"/>
-                        </a:rPr>
-                        <a:t>chr19:54324995</a:t>
-                      </a:r>
-                    </a:p>
-                  </a:txBody>
-                  <a:tcPr marL="7620" marR="7620" marT="7620" marB="0" anchor="b"/>
-                </a:tc>
-                <a:tc>
-                  <a:txBody>
-                    <a:bodyPr/>
-                    <a:lstStyle/>
-                    <a:p>
-                      <a:pPr algn="l" fontAlgn="b"/>
-                      <a:r>
-                        <a:rPr lang="en-GB" sz="1100" b="0" i="0" u="none" strike="noStrike" dirty="0">
-                          <a:solidFill>
-                            <a:srgbClr val="000000"/>
-                          </a:solidFill>
-                          <a:effectLst/>
-                          <a:latin typeface="Calibri" panose="020F0502020204030204" pitchFamily="34" charset="0"/>
-                        </a:rPr>
-                        <a:t>G/T</a:t>
-                      </a:r>
-                    </a:p>
-                  </a:txBody>
-                  <a:tcPr marL="7620" marR="7620" marT="7620" marB="0" anchor="b"/>
-                </a:tc>
-                <a:extLst>
-                  <a:ext uri="{0D108BD9-81ED-4DB2-BD59-A6C34878D82A}">
-                    <a16:rowId xmlns:a16="http://schemas.microsoft.com/office/drawing/2014/main" val="964284980"/>
-                  </a:ext>
-                </a:extLst>
-              </a:tr>
-            </a:tbl>
-          </a:graphicData>
-        </a:graphic>
-      </p:graphicFrame>
-    </p:spTree>
-    <p:extLst>
-      <p:ext uri="{BB962C8B-B14F-4D97-AF65-F5344CB8AC3E}">
-        <p14:creationId xmlns:p14="http://schemas.microsoft.com/office/powerpoint/2010/main" val="1015306248"/>
-      </p:ext>
-    </p:extLst>
-  </p:cSld>
-  <p:clrMapOvr>
-    <a:masterClrMapping/>
-  </p:clrMapOvr>
-</p:sld>
-</file>
-
-<file path=ppt/slides/slide12.xml><?xml version="1.0" encoding="utf-8"?>
-<p:sld xmlns:a="http://schemas.openxmlformats.org/drawingml/2006/main" xmlns:r="http://schemas.openxmlformats.org/officeDocument/2006/relationships" xmlns:p="http://schemas.openxmlformats.org/presentationml/2006/main">
-  <p:cSld>
-    <p:spTree>
-      <p:nvGrpSpPr>
-        <p:cNvPr id="1" name=""/>
-        <p:cNvGrpSpPr/>
-        <p:nvPr/>
-      </p:nvGrpSpPr>
-      <p:grpSpPr>
-        <a:xfrm>
-          <a:off x="0" y="0"/>
-          <a:ext cx="0" cy="0"/>
-          <a:chOff x="0" y="0"/>
-          <a:chExt cx="0" cy="0"/>
-        </a:xfrm>
-      </p:grpSpPr>
-      <p:sp>
-        <p:nvSpPr>
-          <p:cNvPr id="2" name="Title 1">
-            <a:extLst>
-              <a:ext uri="{FF2B5EF4-FFF2-40B4-BE49-F238E27FC236}">
-                <a16:creationId xmlns:a16="http://schemas.microsoft.com/office/drawing/2014/main" id="{0B706D4B-56BB-4904-95C8-C7317B2F9042}"/>
-              </a:ext>
-            </a:extLst>
-          </p:cNvPr>
-          <p:cNvSpPr>
-            <a:spLocks noGrp="1"/>
-          </p:cNvSpPr>
-          <p:nvPr>
-            <p:ph type="title"/>
-          </p:nvPr>
-        </p:nvSpPr>
-        <p:spPr/>
-        <p:txBody>
-          <a:bodyPr/>
-          <a:lstStyle/>
-          <a:p>
-            <a:pPr algn="ctr"/>
-            <a:r>
-              <a:rPr lang="en-GB" b="1" dirty="0"/>
-              <a:t>Points</a:t>
-            </a:r>
-          </a:p>
-        </p:txBody>
-      </p:sp>
-      <p:sp>
-        <p:nvSpPr>
-          <p:cNvPr id="3" name="Content Placeholder 2">
-            <a:extLst>
-              <a:ext uri="{FF2B5EF4-FFF2-40B4-BE49-F238E27FC236}">
-                <a16:creationId xmlns:a16="http://schemas.microsoft.com/office/drawing/2014/main" id="{779C168B-FE2B-48BB-9F71-190FE784313F}"/>
-              </a:ext>
-            </a:extLst>
-          </p:cNvPr>
-          <p:cNvSpPr>
-            <a:spLocks noGrp="1"/>
-          </p:cNvSpPr>
-          <p:nvPr>
-            <p:ph idx="1"/>
-          </p:nvPr>
-        </p:nvSpPr>
-        <p:spPr/>
-        <p:txBody>
-          <a:bodyPr/>
-          <a:lstStyle/>
-          <a:p>
-            <a:r>
-              <a:rPr lang="en-GB" dirty="0"/>
-              <a:t>KORA individual level data analysis will be conducted.</a:t>
-            </a:r>
-          </a:p>
-          <a:p>
-            <a:r>
-              <a:rPr lang="en-GB" dirty="0"/>
-              <a:t>A couple of studies will be added.</a:t>
-            </a:r>
-          </a:p>
-          <a:p>
-            <a:r>
-              <a:rPr lang="en-GB" dirty="0"/>
-              <a:t>Additional information, esp. results from PLINK as noted in SCALLOP_INF_I_analysis_plan.md at the GitHub. This should help to use full information from the cohort </a:t>
-            </a:r>
-            <a:r>
-              <a:rPr lang="en-GB"/>
-              <a:t>summary statistics.</a:t>
-            </a:r>
-            <a:endParaRPr lang="en-GB" dirty="0"/>
-          </a:p>
-          <a:p>
-            <a:r>
-              <a:rPr lang="en-GB" dirty="0"/>
-              <a:t>Refined and downstream analysis, as the results shown were based on 1000Genomes extracted from </a:t>
-            </a:r>
-            <a:r>
-              <a:rPr lang="en-GB" dirty="0" err="1"/>
-              <a:t>LocusZoom</a:t>
-            </a:r>
-            <a:r>
-              <a:rPr lang="en-GB" dirty="0"/>
-              <a:t> 1.4 at </a:t>
-            </a:r>
-            <a:r>
-              <a:rPr lang="en-GB" dirty="0" err="1"/>
-              <a:t>tryggve</a:t>
-            </a:r>
-            <a:r>
-              <a:rPr lang="en-GB" dirty="0"/>
-              <a:t>.</a:t>
-            </a:r>
-          </a:p>
-        </p:txBody>
-      </p:sp>
-    </p:spTree>
-    <p:extLst>
-      <p:ext uri="{BB962C8B-B14F-4D97-AF65-F5344CB8AC3E}">
-        <p14:creationId xmlns:p14="http://schemas.microsoft.com/office/powerpoint/2010/main" val="435210134"/>
-      </p:ext>
-    </p:extLst>
-  </p:cSld>
-  <p:clrMapOvr>
-    <a:masterClrMapping/>
-  </p:clrMapOvr>
-</p:sld>
-</file>
-
-<file path=ppt/slides/slide2.xml><?xml version="1.0" encoding="utf-8"?>
-<p:sld xmlns:a="http://schemas.openxmlformats.org/drawingml/2006/main" xmlns:r="http://schemas.openxmlformats.org/officeDocument/2006/relationships" xmlns:p="http://schemas.openxmlformats.org/presentationml/2006/main">
-  <p:cSld>
-    <p:spTree>
-      <p:nvGrpSpPr>
-        <p:cNvPr id="1" name=""/>
-        <p:cNvGrpSpPr/>
-        <p:nvPr/>
-      </p:nvGrpSpPr>
-      <p:grpSpPr>
-        <a:xfrm>
-          <a:off x="0" y="0"/>
-          <a:ext cx="0" cy="0"/>
-          <a:chOff x="0" y="0"/>
-          <a:chExt cx="0" cy="0"/>
-        </a:xfrm>
-      </p:grpSpPr>
-      <p:sp>
-        <p:nvSpPr>
-          <p:cNvPr id="2" name="Title 1">
-            <a:extLst>
-              <a:ext uri="{FF2B5EF4-FFF2-40B4-BE49-F238E27FC236}">
-                <a16:creationId xmlns:a16="http://schemas.microsoft.com/office/drawing/2014/main" id="{1F69134D-F90E-41D5-9F55-4D96564E9B91}"/>
-              </a:ext>
-            </a:extLst>
-          </p:cNvPr>
-          <p:cNvSpPr>
-            <a:spLocks noGrp="1"/>
-          </p:cNvSpPr>
-          <p:nvPr>
-            <p:ph type="title"/>
-          </p:nvPr>
-        </p:nvSpPr>
-        <p:spPr/>
-        <p:txBody>
-          <a:bodyPr/>
-          <a:lstStyle/>
-          <a:p>
-            <a:pPr algn="ctr"/>
-            <a:r>
-              <a:rPr lang="en-GB" b="1" dirty="0"/>
-              <a:t>Outlines</a:t>
-            </a:r>
-          </a:p>
-        </p:txBody>
-      </p:sp>
-      <p:sp>
-        <p:nvSpPr>
-          <p:cNvPr id="3" name="Content Placeholder 2">
-            <a:extLst>
-              <a:ext uri="{FF2B5EF4-FFF2-40B4-BE49-F238E27FC236}">
-                <a16:creationId xmlns:a16="http://schemas.microsoft.com/office/drawing/2014/main" id="{48072E72-4BD3-49C3-A7B4-5468A4C45270}"/>
-              </a:ext>
-            </a:extLst>
-          </p:cNvPr>
-          <p:cNvSpPr>
-            <a:spLocks noGrp="1"/>
-          </p:cNvSpPr>
-          <p:nvPr>
-            <p:ph idx="1"/>
-          </p:nvPr>
-        </p:nvSpPr>
-        <p:spPr/>
-        <p:txBody>
-          <a:bodyPr/>
-          <a:lstStyle/>
-          <a:p>
-            <a:r>
-              <a:rPr lang="en-GB" dirty="0"/>
-              <a:t>Summary data from EGCUT, INTERVAL, NSPHS, ORCADES, STABILITY, STANLEY, VIS.</a:t>
-            </a:r>
-          </a:p>
-          <a:p>
-            <a:r>
-              <a:rPr lang="en-GB" dirty="0"/>
-              <a:t>METAL (WEIGHTS &gt;= 50, SCHEME STDERR).</a:t>
-            </a:r>
-          </a:p>
-          <a:p>
-            <a:r>
-              <a:rPr lang="en-GB" dirty="0"/>
-              <a:t>PLINK –clumping and GCTA –</a:t>
-            </a:r>
-            <a:r>
-              <a:rPr lang="en-GB" dirty="0" err="1"/>
-              <a:t>cojo-slct</a:t>
-            </a:r>
-            <a:r>
-              <a:rPr lang="en-GB" dirty="0"/>
-              <a:t>.</a:t>
-            </a:r>
-          </a:p>
-          <a:p>
-            <a:r>
-              <a:rPr lang="en-GB" dirty="0"/>
-              <a:t>Shown for </a:t>
-            </a:r>
-            <a:r>
-              <a:rPr lang="en-GB" i="1" dirty="0"/>
-              <a:t>TNFRSF11B</a:t>
-            </a:r>
-            <a:r>
-              <a:rPr lang="en-GB" dirty="0"/>
-              <a:t>, chr8:119935796-119964439 (OPG) and </a:t>
-            </a:r>
-            <a:r>
-              <a:rPr lang="en-GB" i="1" dirty="0"/>
-              <a:t>TNFSF14</a:t>
-            </a:r>
-            <a:r>
-              <a:rPr lang="en-GB" dirty="0"/>
-              <a:t>, chr19:6663148-6670599 (TNFSF14).</a:t>
-            </a:r>
-          </a:p>
-          <a:p>
-            <a:endParaRPr lang="en-GB" dirty="0"/>
-          </a:p>
-        </p:txBody>
-      </p:sp>
-    </p:spTree>
-    <p:extLst>
-      <p:ext uri="{BB962C8B-B14F-4D97-AF65-F5344CB8AC3E}">
-        <p14:creationId xmlns:p14="http://schemas.microsoft.com/office/powerpoint/2010/main" val="4250041035"/>
-      </p:ext>
-    </p:extLst>
-  </p:cSld>
-  <p:clrMapOvr>
-    <a:masterClrMapping/>
-  </p:clrMapOvr>
-</p:sld>
-</file>
-
-<file path=ppt/slides/slide3.xml><?xml version="1.0" encoding="utf-8"?>
-<p:sld xmlns:a="http://schemas.openxmlformats.org/drawingml/2006/main" xmlns:r="http://schemas.openxmlformats.org/officeDocument/2006/relationships" xmlns:p="http://schemas.openxmlformats.org/presentationml/2006/main">
-  <p:cSld>
-    <p:spTree>
-      <p:nvGrpSpPr>
-        <p:cNvPr id="1" name=""/>
-        <p:cNvGrpSpPr/>
-        <p:nvPr/>
-      </p:nvGrpSpPr>
-      <p:grpSpPr>
-        <a:xfrm>
-          <a:off x="0" y="0"/>
-          <a:ext cx="0" cy="0"/>
-          <a:chOff x="0" y="0"/>
-          <a:chExt cx="0" cy="0"/>
-        </a:xfrm>
-      </p:grpSpPr>
-      <p:sp>
-        <p:nvSpPr>
-          <p:cNvPr id="2" name="Title 1">
-            <a:extLst>
-              <a:ext uri="{FF2B5EF4-FFF2-40B4-BE49-F238E27FC236}">
-                <a16:creationId xmlns:a16="http://schemas.microsoft.com/office/drawing/2014/main" id="{494E8068-5B4A-4560-B3C9-C5546F7D9AC7}"/>
-              </a:ext>
-            </a:extLst>
-          </p:cNvPr>
-          <p:cNvSpPr>
-            <a:spLocks noGrp="1"/>
-          </p:cNvSpPr>
-          <p:nvPr>
-            <p:ph type="title"/>
-          </p:nvPr>
-        </p:nvSpPr>
-        <p:spPr/>
-        <p:txBody>
-          <a:bodyPr/>
-          <a:lstStyle/>
-          <a:p>
-            <a:pPr algn="ctr"/>
-            <a:r>
-              <a:rPr lang="en-GB" b="1" dirty="0"/>
-              <a:t>OPG</a:t>
-            </a:r>
-          </a:p>
-        </p:txBody>
-      </p:sp>
-      <p:pic>
-        <p:nvPicPr>
-          <p:cNvPr id="5" name="Content Placeholder 4">
-            <a:extLst>
-              <a:ext uri="{FF2B5EF4-FFF2-40B4-BE49-F238E27FC236}">
-                <a16:creationId xmlns:a16="http://schemas.microsoft.com/office/drawing/2014/main" id="{C7021785-460B-40EE-A5DA-CB147EB434FD}"/>
-              </a:ext>
-            </a:extLst>
-          </p:cNvPr>
-          <p:cNvPicPr>
-            <a:picLocks noGrp="1" noChangeAspect="1"/>
-          </p:cNvPicPr>
-          <p:nvPr>
-            <p:ph idx="1"/>
-          </p:nvPr>
-        </p:nvPicPr>
-        <p:blipFill>
-          <a:blip r:embed="rId2" cstate="hqprint">
-            <a:extLst>
-              <a:ext uri="{28A0092B-C50C-407E-A947-70E740481C1C}">
-                <a14:useLocalDpi xmlns:a14="http://schemas.microsoft.com/office/drawing/2010/main" val="0"/>
-              </a:ext>
-            </a:extLst>
-          </a:blip>
-          <a:stretch>
-            <a:fillRect/>
-          </a:stretch>
-        </p:blipFill>
-        <p:spPr>
-          <a:xfrm>
-            <a:off x="3485197" y="1825625"/>
-            <a:ext cx="5221605" cy="4351338"/>
-          </a:xfrm>
-        </p:spPr>
-      </p:pic>
-    </p:spTree>
-    <p:extLst>
-      <p:ext uri="{BB962C8B-B14F-4D97-AF65-F5344CB8AC3E}">
-        <p14:creationId xmlns:p14="http://schemas.microsoft.com/office/powerpoint/2010/main" val="3886496727"/>
-      </p:ext>
-    </p:extLst>
-  </p:cSld>
-  <p:clrMapOvr>
-    <a:masterClrMapping/>
-  </p:clrMapOvr>
-</p:sld>
-</file>
-
-<file path=ppt/slides/slide4.xml><?xml version="1.0" encoding="utf-8"?>
-<p:sld xmlns:a="http://schemas.openxmlformats.org/drawingml/2006/main" xmlns:r="http://schemas.openxmlformats.org/officeDocument/2006/relationships" xmlns:p="http://schemas.openxmlformats.org/presentationml/2006/main">
-  <p:cSld>
-    <p:spTree>
-      <p:nvGrpSpPr>
-        <p:cNvPr id="1" name=""/>
-        <p:cNvGrpSpPr/>
-        <p:nvPr/>
-      </p:nvGrpSpPr>
-      <p:grpSpPr>
-        <a:xfrm>
-          <a:off x="0" y="0"/>
-          <a:ext cx="0" cy="0"/>
-          <a:chOff x="0" y="0"/>
-          <a:chExt cx="0" cy="0"/>
-        </a:xfrm>
-      </p:grpSpPr>
-      <p:sp>
-        <p:nvSpPr>
-          <p:cNvPr id="2" name="Title 1">
-            <a:extLst>
-              <a:ext uri="{FF2B5EF4-FFF2-40B4-BE49-F238E27FC236}">
-                <a16:creationId xmlns:a16="http://schemas.microsoft.com/office/drawing/2014/main" id="{204DEE30-94F8-4E15-920F-6CE46512A8EE}"/>
-              </a:ext>
-            </a:extLst>
-          </p:cNvPr>
-          <p:cNvSpPr>
-            <a:spLocks noGrp="1"/>
-          </p:cNvSpPr>
-          <p:nvPr>
-            <p:ph type="title"/>
-          </p:nvPr>
-        </p:nvSpPr>
-        <p:spPr/>
-        <p:txBody>
-          <a:bodyPr/>
-          <a:lstStyle/>
-          <a:p>
-            <a:pPr algn="ctr"/>
-            <a:r>
-              <a:rPr lang="en-GB" b="1" dirty="0"/>
-              <a:t>OPG</a:t>
-            </a:r>
-          </a:p>
-        </p:txBody>
-      </p:sp>
-      <p:pic>
-        <p:nvPicPr>
-          <p:cNvPr id="5" name="Content Placeholder 4">
-            <a:extLst>
-              <a:ext uri="{FF2B5EF4-FFF2-40B4-BE49-F238E27FC236}">
-                <a16:creationId xmlns:a16="http://schemas.microsoft.com/office/drawing/2014/main" id="{D0158210-8B92-4198-B8BB-92BDED33F9B3}"/>
-              </a:ext>
-            </a:extLst>
-          </p:cNvPr>
-          <p:cNvPicPr>
-            <a:picLocks noGrp="1" noChangeAspect="1"/>
-          </p:cNvPicPr>
-          <p:nvPr>
-            <p:ph idx="1"/>
-          </p:nvPr>
-        </p:nvPicPr>
-        <p:blipFill>
-          <a:blip r:embed="rId2" cstate="hqprint">
-            <a:extLst>
-              <a:ext uri="{28A0092B-C50C-407E-A947-70E740481C1C}">
-                <a14:useLocalDpi xmlns:a14="http://schemas.microsoft.com/office/drawing/2010/main" val="0"/>
-              </a:ext>
-            </a:extLst>
-          </a:blip>
-          <a:stretch>
-            <a:fillRect/>
-          </a:stretch>
-        </p:blipFill>
-        <p:spPr>
-          <a:xfrm>
-            <a:off x="3485197" y="1825625"/>
-            <a:ext cx="5221605" cy="4351338"/>
-          </a:xfrm>
-        </p:spPr>
-      </p:pic>
-    </p:spTree>
-    <p:extLst>
-      <p:ext uri="{BB962C8B-B14F-4D97-AF65-F5344CB8AC3E}">
-        <p14:creationId xmlns:p14="http://schemas.microsoft.com/office/powerpoint/2010/main" val="1687079971"/>
-      </p:ext>
-    </p:extLst>
-  </p:cSld>
-  <p:clrMapOvr>
-    <a:masterClrMapping/>
-  </p:clrMapOvr>
-</p:sld>
-</file>
-
-<file path=ppt/slides/slide5.xml><?xml version="1.0" encoding="utf-8"?>
-<p:sld xmlns:a="http://schemas.openxmlformats.org/drawingml/2006/main" xmlns:r="http://schemas.openxmlformats.org/officeDocument/2006/relationships" xmlns:p="http://schemas.openxmlformats.org/presentationml/2006/main">
-  <p:cSld>
-    <p:spTree>
-      <p:nvGrpSpPr>
-        <p:cNvPr id="1" name=""/>
-        <p:cNvGrpSpPr/>
-        <p:nvPr/>
-      </p:nvGrpSpPr>
-      <p:grpSpPr>
-        <a:xfrm>
-          <a:off x="0" y="0"/>
-          <a:ext cx="0" cy="0"/>
-          <a:chOff x="0" y="0"/>
-          <a:chExt cx="0" cy="0"/>
-        </a:xfrm>
-      </p:grpSpPr>
-      <p:sp>
-        <p:nvSpPr>
-          <p:cNvPr id="2" name="Title 1">
-            <a:extLst>
-              <a:ext uri="{FF2B5EF4-FFF2-40B4-BE49-F238E27FC236}">
-                <a16:creationId xmlns:a16="http://schemas.microsoft.com/office/drawing/2014/main" id="{02C0671C-CA76-4C12-872F-B01E1B44FD8F}"/>
-              </a:ext>
-            </a:extLst>
-          </p:cNvPr>
-          <p:cNvSpPr>
-            <a:spLocks noGrp="1"/>
-          </p:cNvSpPr>
-          <p:nvPr>
-            <p:ph type="title"/>
-          </p:nvPr>
-        </p:nvSpPr>
-        <p:spPr/>
-        <p:txBody>
-          <a:bodyPr/>
-          <a:lstStyle/>
-          <a:p>
-            <a:pPr algn="ctr"/>
-            <a:r>
-              <a:rPr lang="en-GB" b="1" dirty="0"/>
-              <a:t>OPG</a:t>
-            </a:r>
-          </a:p>
-        </p:txBody>
-      </p:sp>
-      <p:pic>
-        <p:nvPicPr>
-          <p:cNvPr id="5" name="Content Placeholder 4"/>
-          <p:cNvPicPr>
-            <a:picLocks noGrp="1" noChangeAspect="1"/>
-          </p:cNvPicPr>
-          <p:nvPr>
-            <p:ph idx="1"/>
-          </p:nvPr>
-        </p:nvPicPr>
-        <p:blipFill>
-          <a:blip r:embed="rId2" cstate="hqprint">
-            <a:extLst>
-              <a:ext uri="{28A0092B-C50C-407E-A947-70E740481C1C}">
-                <a14:useLocalDpi xmlns:a14="http://schemas.microsoft.com/office/drawing/2010/main" val="0"/>
-              </a:ext>
-            </a:extLst>
-          </a:blip>
-          <a:stretch>
-            <a:fillRect/>
-          </a:stretch>
-        </p:blipFill>
-        <p:spPr>
-          <a:xfrm>
-            <a:off x="2987901" y="1825625"/>
-            <a:ext cx="6216197" cy="4351338"/>
-          </a:xfrm>
-        </p:spPr>
-      </p:pic>
-    </p:spTree>
-    <p:extLst>
-      <p:ext uri="{BB962C8B-B14F-4D97-AF65-F5344CB8AC3E}">
-        <p14:creationId xmlns:p14="http://schemas.microsoft.com/office/powerpoint/2010/main" val="3561060757"/>
-      </p:ext>
-    </p:extLst>
-  </p:cSld>
-  <p:clrMapOvr>
-    <a:masterClrMapping/>
-  </p:clrMapOvr>
-</p:sld>
-</file>
-
-<file path=ppt/slides/slide6.xml><?xml version="1.0" encoding="utf-8"?>
-<p:sld xmlns:a="http://schemas.openxmlformats.org/drawingml/2006/main" xmlns:r="http://schemas.openxmlformats.org/officeDocument/2006/relationships" xmlns:p="http://schemas.openxmlformats.org/presentationml/2006/main">
-  <p:cSld>
-    <p:spTree>
-      <p:nvGrpSpPr>
-        <p:cNvPr id="1" name=""/>
-        <p:cNvGrpSpPr/>
-        <p:nvPr/>
-      </p:nvGrpSpPr>
-      <p:grpSpPr>
-        <a:xfrm>
-          <a:off x="0" y="0"/>
-          <a:ext cx="0" cy="0"/>
-          <a:chOff x="0" y="0"/>
-          <a:chExt cx="0" cy="0"/>
-        </a:xfrm>
-      </p:grpSpPr>
-      <p:sp>
-        <p:nvSpPr>
-          <p:cNvPr id="2" name="Title 1">
-            <a:extLst>
-              <a:ext uri="{FF2B5EF4-FFF2-40B4-BE49-F238E27FC236}">
-                <a16:creationId xmlns:a16="http://schemas.microsoft.com/office/drawing/2014/main" id="{D827E6D8-8853-4E5D-844A-D136D0E5C6AA}"/>
-              </a:ext>
-            </a:extLst>
-          </p:cNvPr>
-          <p:cNvSpPr>
-            <a:spLocks noGrp="1"/>
-          </p:cNvSpPr>
-          <p:nvPr>
-            <p:ph type="title"/>
-          </p:nvPr>
-        </p:nvSpPr>
-        <p:spPr/>
-        <p:txBody>
-          <a:bodyPr/>
-          <a:lstStyle/>
-          <a:p>
-            <a:pPr algn="ctr"/>
-            <a:r>
-              <a:rPr lang="en-GB" b="1" dirty="0"/>
-              <a:t>TNFSF14</a:t>
-            </a:r>
-          </a:p>
-        </p:txBody>
-      </p:sp>
-      <p:pic>
-        <p:nvPicPr>
-          <p:cNvPr id="5" name="Content Placeholder 4">
-            <a:extLst>
-              <a:ext uri="{FF2B5EF4-FFF2-40B4-BE49-F238E27FC236}">
-                <a16:creationId xmlns:a16="http://schemas.microsoft.com/office/drawing/2014/main" id="{A46F396E-EC3F-472D-BDAC-18F55CCE05F8}"/>
-              </a:ext>
-            </a:extLst>
-          </p:cNvPr>
-          <p:cNvPicPr>
-            <a:picLocks noGrp="1" noChangeAspect="1"/>
-          </p:cNvPicPr>
-          <p:nvPr>
-            <p:ph idx="1"/>
-          </p:nvPr>
-        </p:nvPicPr>
-        <p:blipFill>
-          <a:blip r:embed="rId2" cstate="hqprint">
-            <a:extLst>
-              <a:ext uri="{28A0092B-C50C-407E-A947-70E740481C1C}">
-                <a14:useLocalDpi xmlns:a14="http://schemas.microsoft.com/office/drawing/2010/main" val="0"/>
-              </a:ext>
-            </a:extLst>
-          </a:blip>
-          <a:stretch>
-            <a:fillRect/>
-          </a:stretch>
-        </p:blipFill>
-        <p:spPr>
-          <a:xfrm>
-            <a:off x="3485197" y="1825625"/>
-            <a:ext cx="5221605" cy="4351338"/>
-          </a:xfrm>
-        </p:spPr>
-      </p:pic>
-    </p:spTree>
-    <p:extLst>
-      <p:ext uri="{BB962C8B-B14F-4D97-AF65-F5344CB8AC3E}">
-        <p14:creationId xmlns:p14="http://schemas.microsoft.com/office/powerpoint/2010/main" val="3021896654"/>
-      </p:ext>
-    </p:extLst>
-  </p:cSld>
-  <p:clrMapOvr>
-    <a:masterClrMapping/>
-  </p:clrMapOvr>
-</p:sld>
-</file>
-
-<file path=ppt/slides/slide7.xml><?xml version="1.0" encoding="utf-8"?>
-<p:sld xmlns:a="http://schemas.openxmlformats.org/drawingml/2006/main" xmlns:r="http://schemas.openxmlformats.org/officeDocument/2006/relationships" xmlns:p="http://schemas.openxmlformats.org/presentationml/2006/main">
-  <p:cSld>
-    <p:spTree>
-      <p:nvGrpSpPr>
-        <p:cNvPr id="1" name=""/>
-        <p:cNvGrpSpPr/>
-        <p:nvPr/>
-      </p:nvGrpSpPr>
-      <p:grpSpPr>
-        <a:xfrm>
-          <a:off x="0" y="0"/>
-          <a:ext cx="0" cy="0"/>
-          <a:chOff x="0" y="0"/>
-          <a:chExt cx="0" cy="0"/>
-        </a:xfrm>
-      </p:grpSpPr>
-      <p:sp>
-        <p:nvSpPr>
-          <p:cNvPr id="2" name="Title 1">
-            <a:extLst>
-              <a:ext uri="{FF2B5EF4-FFF2-40B4-BE49-F238E27FC236}">
-                <a16:creationId xmlns:a16="http://schemas.microsoft.com/office/drawing/2014/main" id="{22E061F3-53D2-44D0-9FA7-6C36C1B70C67}"/>
-              </a:ext>
-            </a:extLst>
-          </p:cNvPr>
-          <p:cNvSpPr>
-            <a:spLocks noGrp="1"/>
-          </p:cNvSpPr>
-          <p:nvPr>
-            <p:ph type="title"/>
-          </p:nvPr>
-        </p:nvSpPr>
-        <p:spPr/>
-        <p:txBody>
-          <a:bodyPr/>
-          <a:lstStyle/>
-          <a:p>
-            <a:pPr algn="ctr"/>
-            <a:r>
-              <a:rPr lang="en-GB" b="1" dirty="0"/>
-              <a:t>TNFSF14</a:t>
-            </a:r>
-          </a:p>
-        </p:txBody>
-      </p:sp>
-      <p:pic>
-        <p:nvPicPr>
-          <p:cNvPr id="5" name="Content Placeholder 4">
-            <a:extLst>
-              <a:ext uri="{FF2B5EF4-FFF2-40B4-BE49-F238E27FC236}">
-                <a16:creationId xmlns:a16="http://schemas.microsoft.com/office/drawing/2014/main" id="{A0FE9C86-F4AD-4D9F-8CF6-B1F7DED79717}"/>
-              </a:ext>
-            </a:extLst>
-          </p:cNvPr>
-          <p:cNvPicPr>
-            <a:picLocks noGrp="1" noChangeAspect="1"/>
-          </p:cNvPicPr>
-          <p:nvPr>
-            <p:ph idx="1"/>
-          </p:nvPr>
-        </p:nvPicPr>
-        <p:blipFill>
-          <a:blip r:embed="rId2" cstate="hqprint">
-            <a:extLst>
-              <a:ext uri="{28A0092B-C50C-407E-A947-70E740481C1C}">
-                <a14:useLocalDpi xmlns:a14="http://schemas.microsoft.com/office/drawing/2010/main" val="0"/>
-              </a:ext>
-            </a:extLst>
-          </a:blip>
-          <a:stretch>
-            <a:fillRect/>
-          </a:stretch>
-        </p:blipFill>
-        <p:spPr>
-          <a:xfrm>
-            <a:off x="3485197" y="1825625"/>
-            <a:ext cx="5221605" cy="4351338"/>
-          </a:xfrm>
-        </p:spPr>
-      </p:pic>
-    </p:spTree>
-    <p:extLst>
-      <p:ext uri="{BB962C8B-B14F-4D97-AF65-F5344CB8AC3E}">
-        <p14:creationId xmlns:p14="http://schemas.microsoft.com/office/powerpoint/2010/main" val="930619527"/>
-      </p:ext>
-    </p:extLst>
-  </p:cSld>
-  <p:clrMapOvr>
-    <a:masterClrMapping/>
-  </p:clrMapOvr>
-</p:sld>
-</file>
-
-<file path=ppt/slides/slide8.xml><?xml version="1.0" encoding="utf-8"?>
-<p:sld xmlns:a="http://schemas.openxmlformats.org/drawingml/2006/main" xmlns:r="http://schemas.openxmlformats.org/officeDocument/2006/relationships" xmlns:p="http://schemas.openxmlformats.org/presentationml/2006/main">
-  <p:cSld>
-    <p:spTree>
-      <p:nvGrpSpPr>
-        <p:cNvPr id="1" name=""/>
-        <p:cNvGrpSpPr/>
-        <p:nvPr/>
-      </p:nvGrpSpPr>
-      <p:grpSpPr>
-        <a:xfrm>
-          <a:off x="0" y="0"/>
-          <a:ext cx="0" cy="0"/>
-          <a:chOff x="0" y="0"/>
-          <a:chExt cx="0" cy="0"/>
-        </a:xfrm>
-      </p:grpSpPr>
-      <p:sp>
-        <p:nvSpPr>
-          <p:cNvPr id="2" name="Title 1">
-            <a:extLst>
-              <a:ext uri="{FF2B5EF4-FFF2-40B4-BE49-F238E27FC236}">
-                <a16:creationId xmlns:a16="http://schemas.microsoft.com/office/drawing/2014/main" id="{09DF4E42-7AC2-4A9F-94CF-7436518ACA4D}"/>
-              </a:ext>
-            </a:extLst>
-          </p:cNvPr>
-          <p:cNvSpPr>
-            <a:spLocks noGrp="1"/>
-          </p:cNvSpPr>
-          <p:nvPr>
-            <p:ph type="title"/>
-          </p:nvPr>
-        </p:nvSpPr>
-        <p:spPr/>
-        <p:txBody>
-          <a:bodyPr/>
-          <a:lstStyle/>
-          <a:p>
-            <a:pPr algn="ctr"/>
-            <a:r>
-              <a:rPr lang="en-GB" b="1" dirty="0"/>
-              <a:t>TNFSF14</a:t>
-            </a:r>
-          </a:p>
-        </p:txBody>
-      </p:sp>
-      <p:pic>
-        <p:nvPicPr>
-          <p:cNvPr id="5" name="Content Placeholder 4"/>
-          <p:cNvPicPr>
-            <a:picLocks noGrp="1" noChangeAspect="1"/>
-          </p:cNvPicPr>
-          <p:nvPr>
-            <p:ph idx="1"/>
-          </p:nvPr>
-        </p:nvPicPr>
-        <p:blipFill>
-          <a:blip r:embed="rId2" cstate="print">
-            <a:extLst>
-              <a:ext uri="{28A0092B-C50C-407E-A947-70E740481C1C}">
-                <a14:useLocalDpi xmlns:a14="http://schemas.microsoft.com/office/drawing/2010/main" val="0"/>
-              </a:ext>
-            </a:extLst>
-          </a:blip>
-          <a:stretch>
-            <a:fillRect/>
-          </a:stretch>
-        </p:blipFill>
-        <p:spPr>
-          <a:xfrm>
-            <a:off x="2987901" y="1825625"/>
-            <a:ext cx="6216197" cy="4351338"/>
-          </a:xfrm>
-        </p:spPr>
-      </p:pic>
-    </p:spTree>
-    <p:extLst>
-      <p:ext uri="{BB962C8B-B14F-4D97-AF65-F5344CB8AC3E}">
-        <p14:creationId xmlns:p14="http://schemas.microsoft.com/office/powerpoint/2010/main" val="3595052693"/>
-      </p:ext>
-    </p:extLst>
-  </p:cSld>
-  <p:clrMapOvr>
-    <a:masterClrMapping/>
-  </p:clrMapOvr>
-</p:sld>
-</file>
-
-<file path=ppt/slides/slide9.xml><?xml version="1.0" encoding="utf-8"?>
-<p:sld xmlns:a="http://schemas.openxmlformats.org/drawingml/2006/main" xmlns:r="http://schemas.openxmlformats.org/officeDocument/2006/relationships" xmlns:p="http://schemas.openxmlformats.org/presentationml/2006/main">
-  <p:cSld>
-    <p:spTree>
-      <p:nvGrpSpPr>
-        <p:cNvPr id="1" name=""/>
-        <p:cNvGrpSpPr/>
-        <p:nvPr/>
-      </p:nvGrpSpPr>
-      <p:grpSpPr>
-        <a:xfrm>
-          <a:off x="0" y="0"/>
-          <a:ext cx="0" cy="0"/>
-          <a:chOff x="0" y="0"/>
-          <a:chExt cx="0" cy="0"/>
-        </a:xfrm>
-      </p:grpSpPr>
-      <p:sp>
-        <p:nvSpPr>
-          <p:cNvPr id="2" name="Title 1">
-            <a:extLst>
-              <a:ext uri="{FF2B5EF4-FFF2-40B4-BE49-F238E27FC236}">
-                <a16:creationId xmlns:a16="http://schemas.microsoft.com/office/drawing/2014/main" id="{8F530C25-C370-48AF-AF81-36C2CABFA249}"/>
-              </a:ext>
-            </a:extLst>
-          </p:cNvPr>
-          <p:cNvSpPr>
-            <a:spLocks noGrp="1"/>
-          </p:cNvSpPr>
-          <p:nvPr>
-            <p:ph type="title"/>
-          </p:nvPr>
-        </p:nvSpPr>
-        <p:spPr/>
-        <p:txBody>
-          <a:bodyPr/>
-          <a:lstStyle/>
-          <a:p>
-            <a:pPr algn="ctr"/>
-            <a:r>
-              <a:rPr lang="en-GB" b="1" dirty="0"/>
-              <a:t>cis/trans classification </a:t>
-            </a:r>
-            <a:r>
-              <a:rPr lang="en-GB" b="1" dirty="0" smtClean="0"/>
-              <a:t>(hits/</a:t>
-            </a:r>
-            <a:r>
-              <a:rPr lang="en-GB" b="1" dirty="0" err="1" smtClean="0"/>
-              <a:t>jma.cojo</a:t>
-            </a:r>
-            <a:r>
-              <a:rPr lang="en-GB" b="1" dirty="0" smtClean="0"/>
-              <a:t>) results</a:t>
-            </a:r>
-            <a:endParaRPr lang="en-GB" b="1" dirty="0"/>
-          </a:p>
-        </p:txBody>
-      </p:sp>
-      <p:graphicFrame>
-        <p:nvGraphicFramePr>
-          <p:cNvPr id="4" name="Content Placeholder 3">
-            <a:extLst>
-              <a:ext uri="{FF2B5EF4-FFF2-40B4-BE49-F238E27FC236}">
-                <a16:creationId xmlns:a16="http://schemas.microsoft.com/office/drawing/2014/main" id="{1B08B556-05BA-45F8-BBE6-CA6497A7266A}"/>
-              </a:ext>
-            </a:extLst>
-          </p:cNvPr>
-          <p:cNvGraphicFramePr>
-            <a:graphicFrameLocks noGrp="1"/>
-          </p:cNvGraphicFramePr>
-          <p:nvPr>
-            <p:ph idx="1"/>
-            <p:extLst>
-              <p:ext uri="{D42A27DB-BD31-4B8C-83A1-F6EECF244321}">
-                <p14:modId xmlns:p14="http://schemas.microsoft.com/office/powerpoint/2010/main" val="1449053860"/>
-              </p:ext>
-            </p:extLst>
-          </p:nvPr>
-        </p:nvGraphicFramePr>
-        <p:xfrm>
-          <a:off x="838200" y="1825625"/>
-          <a:ext cx="10515600" cy="1483360"/>
-        </p:xfrm>
-        <a:graphic>
-          <a:graphicData uri="http://schemas.openxmlformats.org/drawingml/2006/table">
-            <a:tbl>
-              <a:tblPr firstRow="1" bandRow="1">
-                <a:tableStyleId>{5C22544A-7EE6-4342-B048-85BDC9FD1C3A}</a:tableStyleId>
-              </a:tblPr>
-              <a:tblGrid>
-                <a:gridCol w="3505200">
-                  <a:extLst>
-                    <a:ext uri="{9D8B030D-6E8A-4147-A177-3AD203B41FA5}">
-                      <a16:colId xmlns:a16="http://schemas.microsoft.com/office/drawing/2014/main" val="1938924577"/>
-                    </a:ext>
-                  </a:extLst>
-                </a:gridCol>
-                <a:gridCol w="3505200">
-                  <a:extLst>
-                    <a:ext uri="{9D8B030D-6E8A-4147-A177-3AD203B41FA5}">
-                      <a16:colId xmlns:a16="http://schemas.microsoft.com/office/drawing/2014/main" val="1798375131"/>
-                    </a:ext>
-                  </a:extLst>
-                </a:gridCol>
-                <a:gridCol w="1752600">
-                  <a:extLst>
-                    <a:ext uri="{9D8B030D-6E8A-4147-A177-3AD203B41FA5}">
-                      <a16:colId xmlns:a16="http://schemas.microsoft.com/office/drawing/2014/main" val="2856925570"/>
-                    </a:ext>
-                  </a:extLst>
-                </a:gridCol>
-                <a:gridCol w="1752600">
-                  <a:extLst>
-                    <a:ext uri="{9D8B030D-6E8A-4147-A177-3AD203B41FA5}">
-                      <a16:colId xmlns:a16="http://schemas.microsoft.com/office/drawing/2014/main" val="2679560071"/>
-                    </a:ext>
-                  </a:extLst>
-                </a:gridCol>
-              </a:tblGrid>
-              <a:tr h="370840">
-                <a:tc>
-                  <a:txBody>
-                    <a:bodyPr/>
-                    <a:lstStyle/>
-                    <a:p>
-                      <a:pPr algn="ctr"/>
-                      <a:r>
-                        <a:rPr lang="en-GB" dirty="0"/>
-                        <a:t>HGNC symbol (TARGET)</a:t>
-                      </a:r>
-                    </a:p>
-                  </a:txBody>
-                  <a:tcPr/>
-                </a:tc>
-                <a:tc>
-                  <a:txBody>
-                    <a:bodyPr/>
-                    <a:lstStyle/>
-                    <a:p>
-                      <a:pPr algn="ctr"/>
-                      <a:r>
-                        <a:rPr lang="en-GB" dirty="0"/>
-                        <a:t>cis</a:t>
-                      </a:r>
-                    </a:p>
-                  </a:txBody>
-                  <a:tcPr/>
-                </a:tc>
-                <a:tc>
-                  <a:txBody>
-                    <a:bodyPr/>
-                    <a:lstStyle/>
-                    <a:p>
-                      <a:pPr algn="ctr"/>
-                      <a:r>
-                        <a:rPr lang="en-GB" dirty="0"/>
-                        <a:t>trans</a:t>
-                      </a:r>
-                    </a:p>
-                  </a:txBody>
-                  <a:tcPr/>
-                </a:tc>
-                <a:tc>
-                  <a:txBody>
-                    <a:bodyPr/>
-                    <a:lstStyle/>
-                    <a:p>
-                      <a:pPr algn="ctr"/>
-                      <a:r>
-                        <a:rPr lang="en-GB" dirty="0"/>
-                        <a:t>Total</a:t>
-                      </a:r>
-                    </a:p>
-                  </a:txBody>
-                  <a:tcPr/>
-                </a:tc>
-                <a:extLst>
-                  <a:ext uri="{0D108BD9-81ED-4DB2-BD59-A6C34878D82A}">
-                    <a16:rowId xmlns:a16="http://schemas.microsoft.com/office/drawing/2014/main" val="1967377721"/>
-                  </a:ext>
-                </a:extLst>
-              </a:tr>
-              <a:tr h="370840">
-                <a:tc>
-                  <a:txBody>
-                    <a:bodyPr/>
-                    <a:lstStyle/>
-                    <a:p>
-                      <a:pPr algn="ctr"/>
-                      <a:r>
-                        <a:rPr lang="en-GB" b="1" i="1" dirty="0"/>
-                        <a:t>TNFRSF11B</a:t>
-                      </a:r>
-                      <a:r>
-                        <a:rPr lang="en-GB" b="1" dirty="0"/>
-                        <a:t> (OPG)</a:t>
-                      </a:r>
-                    </a:p>
-                  </a:txBody>
-                  <a:tcPr/>
-                </a:tc>
-                <a:tc>
-                  <a:txBody>
-                    <a:bodyPr/>
-                    <a:lstStyle/>
-                    <a:p>
-                      <a:pPr algn="ctr"/>
-                      <a:r>
-                        <a:rPr lang="en-GB" dirty="0" smtClean="0"/>
-                        <a:t>196</a:t>
-                      </a:r>
-                      <a:endParaRPr lang="en-GB" dirty="0"/>
-                    </a:p>
-                  </a:txBody>
-                  <a:tcPr/>
-                </a:tc>
-                <a:tc>
-                  <a:txBody>
-                    <a:bodyPr/>
-                    <a:lstStyle/>
-                    <a:p>
-                      <a:pPr algn="ctr"/>
-                      <a:r>
-                        <a:rPr lang="en-GB" dirty="0" smtClean="0"/>
-                        <a:t>0</a:t>
-                      </a:r>
-                      <a:endParaRPr lang="en-GB" dirty="0"/>
-                    </a:p>
-                  </a:txBody>
-                  <a:tcPr/>
-                </a:tc>
-                <a:tc>
-                  <a:txBody>
-                    <a:bodyPr/>
-                    <a:lstStyle/>
-                    <a:p>
-                      <a:pPr algn="ctr"/>
-                      <a:r>
-                        <a:rPr lang="en-GB" dirty="0" smtClean="0"/>
-                        <a:t>196</a:t>
-                      </a:r>
-                      <a:endParaRPr lang="en-GB" dirty="0"/>
-                    </a:p>
-                  </a:txBody>
-                  <a:tcPr/>
-                </a:tc>
-                <a:extLst>
-                  <a:ext uri="{0D108BD9-81ED-4DB2-BD59-A6C34878D82A}">
-                    <a16:rowId xmlns:a16="http://schemas.microsoft.com/office/drawing/2014/main" val="208597695"/>
-                  </a:ext>
-                </a:extLst>
-              </a:tr>
-              <a:tr h="370840">
-                <a:tc>
-                  <a:txBody>
-                    <a:bodyPr/>
-                    <a:lstStyle/>
-                    <a:p>
-                      <a:pPr marL="0" marR="0" lvl="0" indent="0" algn="ctr" defTabSz="914400" rtl="0" eaLnBrk="1" fontAlgn="auto" latinLnBrk="0" hangingPunct="1">
-                        <a:lnSpc>
-                          <a:spcPct val="100000"/>
-                        </a:lnSpc>
-                        <a:spcBef>
-                          <a:spcPts val="0"/>
-                        </a:spcBef>
-                        <a:spcAft>
-                          <a:spcPts val="0"/>
-                        </a:spcAft>
-                        <a:buClrTx/>
-                        <a:buSzTx/>
-                        <a:buFontTx/>
-                        <a:buNone/>
-                        <a:tabLst/>
-                        <a:defRPr/>
-                      </a:pPr>
-                      <a:r>
-                        <a:rPr lang="en-GB" b="1" i="1" dirty="0"/>
-                        <a:t>TNFSF14 </a:t>
-                      </a:r>
-                      <a:r>
-                        <a:rPr lang="en-GB" b="1" i="0" dirty="0"/>
-                        <a:t>(</a:t>
-                      </a:r>
-                      <a:r>
-                        <a:rPr lang="en-GB" b="1" dirty="0"/>
-                        <a:t>TNFSF14</a:t>
-                      </a:r>
-                      <a:r>
-                        <a:rPr lang="en-GB" b="1" i="0" dirty="0"/>
-                        <a:t>)</a:t>
-                      </a:r>
-                      <a:endParaRPr lang="en-GB" b="1" i="1" dirty="0"/>
-                    </a:p>
-                  </a:txBody>
-                  <a:tcPr/>
-                </a:tc>
-                <a:tc>
-                  <a:txBody>
-                    <a:bodyPr/>
-                    <a:lstStyle/>
-                    <a:p>
-                      <a:pPr algn="ctr"/>
-                      <a:r>
-                        <a:rPr lang="en-GB" dirty="0" smtClean="0"/>
-                        <a:t>34</a:t>
-                      </a:r>
-                      <a:endParaRPr lang="en-GB" dirty="0"/>
-                    </a:p>
-                  </a:txBody>
-                  <a:tcPr/>
-                </a:tc>
-                <a:tc>
-                  <a:txBody>
-                    <a:bodyPr/>
-                    <a:lstStyle/>
-                    <a:p>
-                      <a:pPr algn="ctr"/>
-                      <a:r>
-                        <a:rPr lang="en-GB" dirty="0" smtClean="0"/>
-                        <a:t>41</a:t>
-                      </a:r>
-                      <a:endParaRPr lang="en-GB" dirty="0"/>
-                    </a:p>
-                  </a:txBody>
-                  <a:tcPr/>
-                </a:tc>
-                <a:tc>
-                  <a:txBody>
-                    <a:bodyPr/>
-                    <a:lstStyle/>
-                    <a:p>
-                      <a:pPr algn="ctr"/>
-                      <a:r>
-                        <a:rPr lang="en-GB" dirty="0" smtClean="0"/>
-                        <a:t>75</a:t>
-                      </a:r>
-                      <a:endParaRPr lang="en-GB" dirty="0"/>
-                    </a:p>
-                  </a:txBody>
-                  <a:tcPr/>
-                </a:tc>
-                <a:extLst>
-                  <a:ext uri="{0D108BD9-81ED-4DB2-BD59-A6C34878D82A}">
-                    <a16:rowId xmlns:a16="http://schemas.microsoft.com/office/drawing/2014/main" val="3597611460"/>
-                  </a:ext>
-                </a:extLst>
-              </a:tr>
-              <a:tr h="370840">
-                <a:tc>
-                  <a:txBody>
-                    <a:bodyPr/>
-                    <a:lstStyle/>
-                    <a:p>
-                      <a:pPr algn="ctr"/>
-                      <a:r>
-                        <a:rPr lang="en-GB" b="1" dirty="0"/>
-                        <a:t>Total</a:t>
-                      </a:r>
-                    </a:p>
-                  </a:txBody>
-                  <a:tcPr/>
-                </a:tc>
-                <a:tc>
-                  <a:txBody>
-                    <a:bodyPr/>
-                    <a:lstStyle/>
-                    <a:p>
-                      <a:pPr algn="ctr"/>
-                      <a:r>
-                        <a:rPr lang="en-GB" dirty="0" smtClean="0"/>
-                        <a:t>230</a:t>
-                      </a:r>
-                      <a:endParaRPr lang="en-GB" dirty="0"/>
-                    </a:p>
-                  </a:txBody>
-                  <a:tcPr/>
-                </a:tc>
-                <a:tc>
-                  <a:txBody>
-                    <a:bodyPr/>
-                    <a:lstStyle/>
-                    <a:p>
-                      <a:pPr algn="ctr"/>
-                      <a:r>
-                        <a:rPr lang="en-GB" dirty="0" smtClean="0"/>
-                        <a:t>41</a:t>
-                      </a:r>
-                      <a:endParaRPr lang="en-GB" dirty="0"/>
-                    </a:p>
-                  </a:txBody>
-                  <a:tcPr/>
-                </a:tc>
-                <a:tc>
-                  <a:txBody>
-                    <a:bodyPr/>
-                    <a:lstStyle/>
-                    <a:p>
-                      <a:pPr algn="ctr"/>
-                      <a:r>
-                        <a:rPr lang="en-GB" dirty="0" smtClean="0"/>
-                        <a:t>271</a:t>
-                      </a:r>
-                      <a:endParaRPr lang="en-GB" dirty="0"/>
-                    </a:p>
-                  </a:txBody>
-                  <a:tcPr/>
-                </a:tc>
-                <a:extLst>
-                  <a:ext uri="{0D108BD9-81ED-4DB2-BD59-A6C34878D82A}">
-                    <a16:rowId xmlns:a16="http://schemas.microsoft.com/office/drawing/2014/main" val="3258319896"/>
-                  </a:ext>
-                </a:extLst>
-              </a:tr>
-            </a:tbl>
-          </a:graphicData>
-        </a:graphic>
-      </p:graphicFrame>
-      <p:graphicFrame>
-        <p:nvGraphicFramePr>
-          <p:cNvPr id="5" name="Content Placeholder 3">
-            <a:extLst>
-              <a:ext uri="{FF2B5EF4-FFF2-40B4-BE49-F238E27FC236}">
-                <a16:creationId xmlns:a16="http://schemas.microsoft.com/office/drawing/2014/main" id="{1B08B556-05BA-45F8-BBE6-CA6497A7266A}"/>
-              </a:ext>
-            </a:extLst>
-          </p:cNvPr>
-          <p:cNvGraphicFramePr>
-            <a:graphicFrameLocks/>
-          </p:cNvGraphicFramePr>
-          <p:nvPr>
-            <p:extLst>
-              <p:ext uri="{D42A27DB-BD31-4B8C-83A1-F6EECF244321}">
-                <p14:modId xmlns:p14="http://schemas.microsoft.com/office/powerpoint/2010/main" val="3343187958"/>
-              </p:ext>
-            </p:extLst>
-          </p:nvPr>
-        </p:nvGraphicFramePr>
-        <p:xfrm>
-          <a:off x="838200" y="4446905"/>
-          <a:ext cx="10515600" cy="1483360"/>
-        </p:xfrm>
-        <a:graphic>
-          <a:graphicData uri="http://schemas.openxmlformats.org/drawingml/2006/table">
-            <a:tbl>
-              <a:tblPr firstRow="1" bandRow="1">
-                <a:tableStyleId>{5C22544A-7EE6-4342-B048-85BDC9FD1C3A}</a:tableStyleId>
-              </a:tblPr>
-              <a:tblGrid>
-                <a:gridCol w="3505200">
-                  <a:extLst>
-                    <a:ext uri="{9D8B030D-6E8A-4147-A177-3AD203B41FA5}">
-                      <a16:colId xmlns:a16="http://schemas.microsoft.com/office/drawing/2014/main" val="1938924577"/>
-                    </a:ext>
-                  </a:extLst>
-                </a:gridCol>
-                <a:gridCol w="3505200">
-                  <a:extLst>
-                    <a:ext uri="{9D8B030D-6E8A-4147-A177-3AD203B41FA5}">
-                      <a16:colId xmlns:a16="http://schemas.microsoft.com/office/drawing/2014/main" val="1798375131"/>
-                    </a:ext>
-                  </a:extLst>
-                </a:gridCol>
-                <a:gridCol w="1752600">
-                  <a:extLst>
-                    <a:ext uri="{9D8B030D-6E8A-4147-A177-3AD203B41FA5}">
-                      <a16:colId xmlns:a16="http://schemas.microsoft.com/office/drawing/2014/main" val="2856925570"/>
-                    </a:ext>
-                  </a:extLst>
-                </a:gridCol>
-                <a:gridCol w="1752600">
-                  <a:extLst>
-                    <a:ext uri="{9D8B030D-6E8A-4147-A177-3AD203B41FA5}">
-                      <a16:colId xmlns:a16="http://schemas.microsoft.com/office/drawing/2014/main" val="2679560071"/>
-                    </a:ext>
-                  </a:extLst>
-                </a:gridCol>
-              </a:tblGrid>
-              <a:tr h="370840">
-                <a:tc>
-                  <a:txBody>
-                    <a:bodyPr/>
-                    <a:lstStyle/>
-                    <a:p>
-                      <a:pPr algn="ctr"/>
-                      <a:r>
-                        <a:rPr lang="en-GB" dirty="0"/>
-                        <a:t>HGNC symbol (TARGET)</a:t>
-                      </a:r>
-                    </a:p>
-                  </a:txBody>
-                  <a:tcPr/>
-                </a:tc>
-                <a:tc>
-                  <a:txBody>
-                    <a:bodyPr/>
-                    <a:lstStyle/>
-                    <a:p>
-                      <a:pPr algn="ctr"/>
-                      <a:r>
-                        <a:rPr lang="en-GB" dirty="0"/>
-                        <a:t>cis</a:t>
-                      </a:r>
-                    </a:p>
-                  </a:txBody>
-                  <a:tcPr/>
-                </a:tc>
-                <a:tc>
-                  <a:txBody>
-                    <a:bodyPr/>
-                    <a:lstStyle/>
-                    <a:p>
-                      <a:pPr algn="ctr"/>
-                      <a:r>
-                        <a:rPr lang="en-GB" dirty="0"/>
-                        <a:t>trans</a:t>
-                      </a:r>
-                    </a:p>
-                  </a:txBody>
-                  <a:tcPr/>
-                </a:tc>
-                <a:tc>
-                  <a:txBody>
-                    <a:bodyPr/>
-                    <a:lstStyle/>
-                    <a:p>
-                      <a:pPr algn="ctr"/>
-                      <a:r>
-                        <a:rPr lang="en-GB" dirty="0"/>
-                        <a:t>Total</a:t>
-                      </a:r>
-                    </a:p>
-                  </a:txBody>
-                  <a:tcPr/>
-                </a:tc>
-                <a:extLst>
-                  <a:ext uri="{0D108BD9-81ED-4DB2-BD59-A6C34878D82A}">
-                    <a16:rowId xmlns:a16="http://schemas.microsoft.com/office/drawing/2014/main" val="1967377721"/>
-                  </a:ext>
-                </a:extLst>
-              </a:tr>
-              <a:tr h="370840">
-                <a:tc>
-                  <a:txBody>
-                    <a:bodyPr/>
-                    <a:lstStyle/>
-                    <a:p>
-                      <a:pPr algn="ctr"/>
-                      <a:r>
-                        <a:rPr lang="en-GB" b="1" i="1" dirty="0"/>
-                        <a:t>TNFRSF11B</a:t>
-                      </a:r>
-                      <a:r>
-                        <a:rPr lang="en-GB" b="1" dirty="0"/>
-                        <a:t> (OPG)</a:t>
-                      </a:r>
-                    </a:p>
-                  </a:txBody>
-                  <a:tcPr/>
-                </a:tc>
-                <a:tc>
-                  <a:txBody>
-                    <a:bodyPr/>
-                    <a:lstStyle/>
-                    <a:p>
-                      <a:pPr algn="ctr"/>
-                      <a:r>
-                        <a:rPr lang="en-GB" dirty="0"/>
-                        <a:t>2</a:t>
-                      </a:r>
-                    </a:p>
-                  </a:txBody>
-                  <a:tcPr/>
-                </a:tc>
-                <a:tc>
-                  <a:txBody>
-                    <a:bodyPr/>
-                    <a:lstStyle/>
-                    <a:p>
-                      <a:pPr algn="ctr"/>
-                      <a:r>
-                        <a:rPr lang="en-GB" dirty="0"/>
-                        <a:t>1</a:t>
-                      </a:r>
-                    </a:p>
-                  </a:txBody>
-                  <a:tcPr/>
-                </a:tc>
-                <a:tc>
-                  <a:txBody>
-                    <a:bodyPr/>
-                    <a:lstStyle/>
-                    <a:p>
-                      <a:pPr algn="ctr"/>
-                      <a:r>
-                        <a:rPr lang="en-GB" dirty="0"/>
-                        <a:t>3</a:t>
-                      </a:r>
-                    </a:p>
-                  </a:txBody>
-                  <a:tcPr/>
-                </a:tc>
-                <a:extLst>
-                  <a:ext uri="{0D108BD9-81ED-4DB2-BD59-A6C34878D82A}">
-                    <a16:rowId xmlns:a16="http://schemas.microsoft.com/office/drawing/2014/main" val="208597695"/>
-                  </a:ext>
-                </a:extLst>
-              </a:tr>
-              <a:tr h="370840">
-                <a:tc>
-                  <a:txBody>
-                    <a:bodyPr/>
-                    <a:lstStyle/>
-                    <a:p>
-                      <a:pPr marL="0" marR="0" lvl="0" indent="0" algn="ctr" defTabSz="914400" rtl="0" eaLnBrk="1" fontAlgn="auto" latinLnBrk="0" hangingPunct="1">
-                        <a:lnSpc>
-                          <a:spcPct val="100000"/>
-                        </a:lnSpc>
-                        <a:spcBef>
-                          <a:spcPts val="0"/>
-                        </a:spcBef>
-                        <a:spcAft>
-                          <a:spcPts val="0"/>
-                        </a:spcAft>
-                        <a:buClrTx/>
-                        <a:buSzTx/>
-                        <a:buFontTx/>
-                        <a:buNone/>
-                        <a:tabLst/>
-                        <a:defRPr/>
-                      </a:pPr>
-                      <a:r>
-                        <a:rPr lang="en-GB" b="1" i="1" dirty="0"/>
-                        <a:t>TNFSF14 </a:t>
-                      </a:r>
-                      <a:r>
-                        <a:rPr lang="en-GB" b="1" i="0" dirty="0"/>
-                        <a:t>(</a:t>
-                      </a:r>
-                      <a:r>
-                        <a:rPr lang="en-GB" b="1" dirty="0"/>
-                        <a:t>TNFSF14</a:t>
-                      </a:r>
-                      <a:r>
-                        <a:rPr lang="en-GB" b="1" i="0" dirty="0"/>
-                        <a:t>)</a:t>
-                      </a:r>
-                      <a:endParaRPr lang="en-GB" b="1" i="1" dirty="0"/>
-                    </a:p>
-                  </a:txBody>
-                  <a:tcPr/>
-                </a:tc>
-                <a:tc>
-                  <a:txBody>
-                    <a:bodyPr/>
-                    <a:lstStyle/>
-                    <a:p>
-                      <a:pPr algn="ctr"/>
-                      <a:r>
-                        <a:rPr lang="en-GB" dirty="0"/>
-                        <a:t>4</a:t>
-                      </a:r>
-                    </a:p>
-                  </a:txBody>
-                  <a:tcPr/>
-                </a:tc>
-                <a:tc>
-                  <a:txBody>
-                    <a:bodyPr/>
-                    <a:lstStyle/>
-                    <a:p>
-                      <a:pPr algn="ctr"/>
-                      <a:r>
-                        <a:rPr lang="en-GB" dirty="0"/>
-                        <a:t>9</a:t>
-                      </a:r>
-                    </a:p>
-                  </a:txBody>
-                  <a:tcPr/>
-                </a:tc>
-                <a:tc>
-                  <a:txBody>
-                    <a:bodyPr/>
-                    <a:lstStyle/>
-                    <a:p>
-                      <a:pPr algn="ctr"/>
-                      <a:r>
-                        <a:rPr lang="en-GB" dirty="0"/>
-                        <a:t>13</a:t>
-                      </a:r>
-                    </a:p>
-                  </a:txBody>
-                  <a:tcPr/>
-                </a:tc>
-                <a:extLst>
-                  <a:ext uri="{0D108BD9-81ED-4DB2-BD59-A6C34878D82A}">
-                    <a16:rowId xmlns:a16="http://schemas.microsoft.com/office/drawing/2014/main" val="3597611460"/>
-                  </a:ext>
-                </a:extLst>
-              </a:tr>
-              <a:tr h="370840">
-                <a:tc>
-                  <a:txBody>
-                    <a:bodyPr/>
-                    <a:lstStyle/>
-                    <a:p>
-                      <a:pPr algn="ctr"/>
-                      <a:r>
-                        <a:rPr lang="en-GB" b="1" dirty="0"/>
-                        <a:t>Total</a:t>
-                      </a:r>
-                    </a:p>
-                  </a:txBody>
-                  <a:tcPr/>
-                </a:tc>
-                <a:tc>
-                  <a:txBody>
-                    <a:bodyPr/>
-                    <a:lstStyle/>
-                    <a:p>
-                      <a:pPr algn="ctr"/>
-                      <a:r>
-                        <a:rPr lang="en-GB" dirty="0"/>
-                        <a:t>6</a:t>
-                      </a:r>
-                    </a:p>
-                  </a:txBody>
-                  <a:tcPr/>
-                </a:tc>
-                <a:tc>
-                  <a:txBody>
-                    <a:bodyPr/>
-                    <a:lstStyle/>
-                    <a:p>
-                      <a:pPr algn="ctr"/>
-                      <a:r>
-                        <a:rPr lang="en-GB" dirty="0"/>
-                        <a:t>10</a:t>
-                      </a:r>
-                    </a:p>
-                  </a:txBody>
-                  <a:tcPr/>
-                </a:tc>
-                <a:tc>
-                  <a:txBody>
-                    <a:bodyPr/>
-                    <a:lstStyle/>
-                    <a:p>
-                      <a:pPr algn="ctr"/>
-                      <a:r>
-                        <a:rPr lang="en-GB" dirty="0"/>
-                        <a:t>16</a:t>
-                      </a:r>
-                    </a:p>
-                  </a:txBody>
-                  <a:tcPr/>
-                </a:tc>
-                <a:extLst>
-                  <a:ext uri="{0D108BD9-81ED-4DB2-BD59-A6C34878D82A}">
-                    <a16:rowId xmlns:a16="http://schemas.microsoft.com/office/drawing/2014/main" val="3258319896"/>
-                  </a:ext>
-                </a:extLst>
-              </a:tr>
-            </a:tbl>
-          </a:graphicData>
-        </a:graphic>
-      </p:graphicFrame>
-    </p:spTree>
-    <p:extLst>
-      <p:ext uri="{BB962C8B-B14F-4D97-AF65-F5344CB8AC3E}">
-        <p14:creationId xmlns:p14="http://schemas.microsoft.com/office/powerpoint/2010/main" val="2327358587"/>
       </p:ext>
     </p:extLst>
   </p:cSld>
